--- a/classes/stats2018/Lecture02.pptx
+++ b/classes/stats2018/Lecture02.pptx
@@ -168,7 +168,27 @@
       </a:defRPr>
     </a:lvl9pPr>
   </p:defaultTextStyle>
+  <p:extLst>
+    <p:ext uri="{EFAFB233-063F-42B5-8137-9DF3F51BA10A}">
+      <p15:sldGuideLst xmlns:p15="http://schemas.microsoft.com/office/powerpoint/2012/main">
+        <p15:guide id="1" orient="horz" pos="2160">
+          <p15:clr>
+            <a:srgbClr val="A4A3A4"/>
+          </p15:clr>
+        </p15:guide>
+        <p15:guide id="2" pos="2880">
+          <p15:clr>
+            <a:srgbClr val="A4A3A4"/>
+          </p15:clr>
+        </p15:guide>
+      </p15:sldGuideLst>
+    </p:ext>
+  </p:extLst>
 </p:presentation>
+</file>
+
+<file path=ppt/revisionInfo.xml><?xml version="1.0" encoding="utf-8"?>
+<p1510:revInfo xmlns:a="http://schemas.openxmlformats.org/drawingml/2006/main" xmlns:r="http://schemas.openxmlformats.org/officeDocument/2006/relationships" xmlns:p1510="http://schemas.microsoft.com/office/powerpoint/2015/10/main"/>
 </file>
 
 <file path=ppt/notesMasters/notesMaster1.xml><?xml version="1.0" encoding="utf-8"?>
@@ -254,7 +274,7 @@
             <a:fld id="{004B23D0-9DF6-487C-8089-57F01E3494B1}" type="datetimeFigureOut">
               <a:rPr lang="en-US" smtClean="0"/>
               <a:pPr/>
-              <a:t>1/12/2016</a:t>
+              <a:t>1/8/2018</a:t>
             </a:fld>
             <a:endParaRPr lang="en-US"/>
           </a:p>
@@ -320,38 +340,37 @@
           <a:p>
             <a:pPr lvl="0"/>
             <a:r>
-              <a:rPr lang="en-US" smtClean="0"/>
+              <a:rPr lang="en-US"/>
               <a:t>Click to edit Master text styles</a:t>
             </a:r>
           </a:p>
           <a:p>
             <a:pPr lvl="1"/>
             <a:r>
-              <a:rPr lang="en-US" smtClean="0"/>
+              <a:rPr lang="en-US"/>
               <a:t>Second level</a:t>
             </a:r>
           </a:p>
           <a:p>
             <a:pPr lvl="2"/>
             <a:r>
-              <a:rPr lang="en-US" smtClean="0"/>
+              <a:rPr lang="en-US"/>
               <a:t>Third level</a:t>
             </a:r>
           </a:p>
           <a:p>
             <a:pPr lvl="3"/>
             <a:r>
-              <a:rPr lang="en-US" smtClean="0"/>
+              <a:rPr lang="en-US"/>
               <a:t>Fourth level</a:t>
             </a:r>
           </a:p>
           <a:p>
             <a:pPr lvl="4"/>
             <a:r>
-              <a:rPr lang="en-US" smtClean="0"/>
+              <a:rPr lang="en-US"/>
               <a:t>Fifth level</a:t>
             </a:r>
-            <a:endParaRPr lang="en-US"/>
           </a:p>
         </p:txBody>
       </p:sp>
@@ -1140,10 +1159,9 @@
           <a:lstStyle/>
           <a:p>
             <a:r>
-              <a:rPr lang="en-US" smtClean="0"/>
+              <a:rPr lang="en-US"/>
               <a:t>Click to edit Master title style</a:t>
             </a:r>
-            <a:endParaRPr lang="en-US"/>
           </a:p>
         </p:txBody>
       </p:sp>
@@ -1259,10 +1277,9 @@
           </a:lstStyle>
           <a:p>
             <a:r>
-              <a:rPr lang="en-US" smtClean="0"/>
+              <a:rPr lang="en-US"/>
               <a:t>Click to edit Master subtitle style</a:t>
             </a:r>
-            <a:endParaRPr lang="en-US"/>
           </a:p>
         </p:txBody>
       </p:sp>
@@ -1284,7 +1301,7 @@
             <a:fld id="{1D8BD707-D9CF-40AE-B4C6-C98DA3205C09}" type="datetimeFigureOut">
               <a:rPr lang="en-US" smtClean="0"/>
               <a:pPr/>
-              <a:t>1/12/2016</a:t>
+              <a:t>1/8/2018</a:t>
             </a:fld>
             <a:endParaRPr lang="en-US"/>
           </a:p>
@@ -1374,10 +1391,9 @@
           <a:lstStyle/>
           <a:p>
             <a:r>
-              <a:rPr lang="en-US" smtClean="0"/>
+              <a:rPr lang="en-US"/>
               <a:t>Click to edit Master title style</a:t>
             </a:r>
-            <a:endParaRPr lang="en-US"/>
           </a:p>
         </p:txBody>
       </p:sp>
@@ -1398,38 +1414,37 @@
           <a:p>
             <a:pPr lvl="0"/>
             <a:r>
-              <a:rPr lang="en-US" smtClean="0"/>
+              <a:rPr lang="en-US"/>
               <a:t>Click to edit Master text styles</a:t>
             </a:r>
           </a:p>
           <a:p>
             <a:pPr lvl="1"/>
             <a:r>
-              <a:rPr lang="en-US" smtClean="0"/>
+              <a:rPr lang="en-US"/>
               <a:t>Second level</a:t>
             </a:r>
           </a:p>
           <a:p>
             <a:pPr lvl="2"/>
             <a:r>
-              <a:rPr lang="en-US" smtClean="0"/>
+              <a:rPr lang="en-US"/>
               <a:t>Third level</a:t>
             </a:r>
           </a:p>
           <a:p>
             <a:pPr lvl="3"/>
             <a:r>
-              <a:rPr lang="en-US" smtClean="0"/>
+              <a:rPr lang="en-US"/>
               <a:t>Fourth level</a:t>
             </a:r>
           </a:p>
           <a:p>
             <a:pPr lvl="4"/>
             <a:r>
-              <a:rPr lang="en-US" smtClean="0"/>
+              <a:rPr lang="en-US"/>
               <a:t>Fifth level</a:t>
             </a:r>
-            <a:endParaRPr lang="en-US"/>
           </a:p>
         </p:txBody>
       </p:sp>
@@ -1451,7 +1466,7 @@
             <a:fld id="{1D8BD707-D9CF-40AE-B4C6-C98DA3205C09}" type="datetimeFigureOut">
               <a:rPr lang="en-US" smtClean="0"/>
               <a:pPr/>
-              <a:t>1/12/2016</a:t>
+              <a:t>1/8/2018</a:t>
             </a:fld>
             <a:endParaRPr lang="en-US"/>
           </a:p>
@@ -1546,10 +1561,9 @@
           <a:lstStyle/>
           <a:p>
             <a:r>
-              <a:rPr lang="en-US" smtClean="0"/>
+              <a:rPr lang="en-US"/>
               <a:t>Click to edit Master title style</a:t>
             </a:r>
-            <a:endParaRPr lang="en-US"/>
           </a:p>
         </p:txBody>
       </p:sp>
@@ -1575,38 +1589,37 @@
           <a:p>
             <a:pPr lvl="0"/>
             <a:r>
-              <a:rPr lang="en-US" smtClean="0"/>
+              <a:rPr lang="en-US"/>
               <a:t>Click to edit Master text styles</a:t>
             </a:r>
           </a:p>
           <a:p>
             <a:pPr lvl="1"/>
             <a:r>
-              <a:rPr lang="en-US" smtClean="0"/>
+              <a:rPr lang="en-US"/>
               <a:t>Second level</a:t>
             </a:r>
           </a:p>
           <a:p>
             <a:pPr lvl="2"/>
             <a:r>
-              <a:rPr lang="en-US" smtClean="0"/>
+              <a:rPr lang="en-US"/>
               <a:t>Third level</a:t>
             </a:r>
           </a:p>
           <a:p>
             <a:pPr lvl="3"/>
             <a:r>
-              <a:rPr lang="en-US" smtClean="0"/>
+              <a:rPr lang="en-US"/>
               <a:t>Fourth level</a:t>
             </a:r>
           </a:p>
           <a:p>
             <a:pPr lvl="4"/>
             <a:r>
-              <a:rPr lang="en-US" smtClean="0"/>
+              <a:rPr lang="en-US"/>
               <a:t>Fifth level</a:t>
             </a:r>
-            <a:endParaRPr lang="en-US"/>
           </a:p>
         </p:txBody>
       </p:sp>
@@ -1628,7 +1641,7 @@
             <a:fld id="{1D8BD707-D9CF-40AE-B4C6-C98DA3205C09}" type="datetimeFigureOut">
               <a:rPr lang="en-US" smtClean="0"/>
               <a:pPr/>
-              <a:t>1/12/2016</a:t>
+              <a:t>1/8/2018</a:t>
             </a:fld>
             <a:endParaRPr lang="en-US"/>
           </a:p>
@@ -1718,10 +1731,9 @@
           <a:lstStyle/>
           <a:p>
             <a:r>
-              <a:rPr lang="en-US" smtClean="0"/>
+              <a:rPr lang="en-US"/>
               <a:t>Click to edit Master title style</a:t>
             </a:r>
-            <a:endParaRPr lang="en-US"/>
           </a:p>
         </p:txBody>
       </p:sp>
@@ -1742,38 +1754,37 @@
           <a:p>
             <a:pPr lvl="0"/>
             <a:r>
-              <a:rPr lang="en-US" smtClean="0"/>
+              <a:rPr lang="en-US"/>
               <a:t>Click to edit Master text styles</a:t>
             </a:r>
           </a:p>
           <a:p>
             <a:pPr lvl="1"/>
             <a:r>
-              <a:rPr lang="en-US" smtClean="0"/>
+              <a:rPr lang="en-US"/>
               <a:t>Second level</a:t>
             </a:r>
           </a:p>
           <a:p>
             <a:pPr lvl="2"/>
             <a:r>
-              <a:rPr lang="en-US" smtClean="0"/>
+              <a:rPr lang="en-US"/>
               <a:t>Third level</a:t>
             </a:r>
           </a:p>
           <a:p>
             <a:pPr lvl="3"/>
             <a:r>
-              <a:rPr lang="en-US" smtClean="0"/>
+              <a:rPr lang="en-US"/>
               <a:t>Fourth level</a:t>
             </a:r>
           </a:p>
           <a:p>
             <a:pPr lvl="4"/>
             <a:r>
-              <a:rPr lang="en-US" smtClean="0"/>
+              <a:rPr lang="en-US"/>
               <a:t>Fifth level</a:t>
             </a:r>
-            <a:endParaRPr lang="en-US"/>
           </a:p>
         </p:txBody>
       </p:sp>
@@ -1795,7 +1806,7 @@
             <a:fld id="{1D8BD707-D9CF-40AE-B4C6-C98DA3205C09}" type="datetimeFigureOut">
               <a:rPr lang="en-US" smtClean="0"/>
               <a:pPr/>
-              <a:t>1/12/2016</a:t>
+              <a:t>1/8/2018</a:t>
             </a:fld>
             <a:endParaRPr lang="en-US"/>
           </a:p>
@@ -1894,10 +1905,9 @@
           </a:lstStyle>
           <a:p>
             <a:r>
-              <a:rPr lang="en-US" smtClean="0"/>
+              <a:rPr lang="en-US"/>
               <a:t>Click to edit Master title style</a:t>
             </a:r>
-            <a:endParaRPr lang="en-US"/>
           </a:p>
         </p:txBody>
       </p:sp>
@@ -2014,7 +2024,7 @@
           <a:p>
             <a:pPr lvl="0"/>
             <a:r>
-              <a:rPr lang="en-US" smtClean="0"/>
+              <a:rPr lang="en-US"/>
               <a:t>Click to edit Master text styles</a:t>
             </a:r>
           </a:p>
@@ -2038,7 +2048,7 @@
             <a:fld id="{1D8BD707-D9CF-40AE-B4C6-C98DA3205C09}" type="datetimeFigureOut">
               <a:rPr lang="en-US" smtClean="0"/>
               <a:pPr/>
-              <a:t>1/12/2016</a:t>
+              <a:t>1/8/2018</a:t>
             </a:fld>
             <a:endParaRPr lang="en-US"/>
           </a:p>
@@ -2128,10 +2138,9 @@
           <a:lstStyle/>
           <a:p>
             <a:r>
-              <a:rPr lang="en-US" smtClean="0"/>
+              <a:rPr lang="en-US"/>
               <a:t>Click to edit Master title style</a:t>
             </a:r>
-            <a:endParaRPr lang="en-US"/>
           </a:p>
         </p:txBody>
       </p:sp>
@@ -2185,38 +2194,37 @@
           <a:p>
             <a:pPr lvl="0"/>
             <a:r>
-              <a:rPr lang="en-US" smtClean="0"/>
+              <a:rPr lang="en-US"/>
               <a:t>Click to edit Master text styles</a:t>
             </a:r>
           </a:p>
           <a:p>
             <a:pPr lvl="1"/>
             <a:r>
-              <a:rPr lang="en-US" smtClean="0"/>
+              <a:rPr lang="en-US"/>
               <a:t>Second level</a:t>
             </a:r>
           </a:p>
           <a:p>
             <a:pPr lvl="2"/>
             <a:r>
-              <a:rPr lang="en-US" smtClean="0"/>
+              <a:rPr lang="en-US"/>
               <a:t>Third level</a:t>
             </a:r>
           </a:p>
           <a:p>
             <a:pPr lvl="3"/>
             <a:r>
-              <a:rPr lang="en-US" smtClean="0"/>
+              <a:rPr lang="en-US"/>
               <a:t>Fourth level</a:t>
             </a:r>
           </a:p>
           <a:p>
             <a:pPr lvl="4"/>
             <a:r>
-              <a:rPr lang="en-US" smtClean="0"/>
+              <a:rPr lang="en-US"/>
               <a:t>Fifth level</a:t>
             </a:r>
-            <a:endParaRPr lang="en-US"/>
           </a:p>
         </p:txBody>
       </p:sp>
@@ -2270,38 +2278,37 @@
           <a:p>
             <a:pPr lvl="0"/>
             <a:r>
-              <a:rPr lang="en-US" smtClean="0"/>
+              <a:rPr lang="en-US"/>
               <a:t>Click to edit Master text styles</a:t>
             </a:r>
           </a:p>
           <a:p>
             <a:pPr lvl="1"/>
             <a:r>
-              <a:rPr lang="en-US" smtClean="0"/>
+              <a:rPr lang="en-US"/>
               <a:t>Second level</a:t>
             </a:r>
           </a:p>
           <a:p>
             <a:pPr lvl="2"/>
             <a:r>
-              <a:rPr lang="en-US" smtClean="0"/>
+              <a:rPr lang="en-US"/>
               <a:t>Third level</a:t>
             </a:r>
           </a:p>
           <a:p>
             <a:pPr lvl="3"/>
             <a:r>
-              <a:rPr lang="en-US" smtClean="0"/>
+              <a:rPr lang="en-US"/>
               <a:t>Fourth level</a:t>
             </a:r>
           </a:p>
           <a:p>
             <a:pPr lvl="4"/>
             <a:r>
-              <a:rPr lang="en-US" smtClean="0"/>
+              <a:rPr lang="en-US"/>
               <a:t>Fifth level</a:t>
             </a:r>
-            <a:endParaRPr lang="en-US"/>
           </a:p>
         </p:txBody>
       </p:sp>
@@ -2323,7 +2330,7 @@
             <a:fld id="{1D8BD707-D9CF-40AE-B4C6-C98DA3205C09}" type="datetimeFigureOut">
               <a:rPr lang="en-US" smtClean="0"/>
               <a:pPr/>
-              <a:t>1/12/2016</a:t>
+              <a:t>1/8/2018</a:t>
             </a:fld>
             <a:endParaRPr lang="en-US"/>
           </a:p>
@@ -2417,10 +2424,9 @@
           </a:lstStyle>
           <a:p>
             <a:r>
-              <a:rPr lang="en-US" smtClean="0"/>
+              <a:rPr lang="en-US"/>
               <a:t>Click to edit Master title style</a:t>
             </a:r>
-            <a:endParaRPr lang="en-US"/>
           </a:p>
         </p:txBody>
       </p:sp>
@@ -2483,7 +2489,7 @@
           <a:p>
             <a:pPr lvl="0"/>
             <a:r>
-              <a:rPr lang="en-US" smtClean="0"/>
+              <a:rPr lang="en-US"/>
               <a:t>Click to edit Master text styles</a:t>
             </a:r>
           </a:p>
@@ -2539,38 +2545,37 @@
           <a:p>
             <a:pPr lvl="0"/>
             <a:r>
-              <a:rPr lang="en-US" smtClean="0"/>
+              <a:rPr lang="en-US"/>
               <a:t>Click to edit Master text styles</a:t>
             </a:r>
           </a:p>
           <a:p>
             <a:pPr lvl="1"/>
             <a:r>
-              <a:rPr lang="en-US" smtClean="0"/>
+              <a:rPr lang="en-US"/>
               <a:t>Second level</a:t>
             </a:r>
           </a:p>
           <a:p>
             <a:pPr lvl="2"/>
             <a:r>
-              <a:rPr lang="en-US" smtClean="0"/>
+              <a:rPr lang="en-US"/>
               <a:t>Third level</a:t>
             </a:r>
           </a:p>
           <a:p>
             <a:pPr lvl="3"/>
             <a:r>
-              <a:rPr lang="en-US" smtClean="0"/>
+              <a:rPr lang="en-US"/>
               <a:t>Fourth level</a:t>
             </a:r>
           </a:p>
           <a:p>
             <a:pPr lvl="4"/>
             <a:r>
-              <a:rPr lang="en-US" smtClean="0"/>
+              <a:rPr lang="en-US"/>
               <a:t>Fifth level</a:t>
             </a:r>
-            <a:endParaRPr lang="en-US"/>
           </a:p>
         </p:txBody>
       </p:sp>
@@ -2633,7 +2638,7 @@
           <a:p>
             <a:pPr lvl="0"/>
             <a:r>
-              <a:rPr lang="en-US" smtClean="0"/>
+              <a:rPr lang="en-US"/>
               <a:t>Click to edit Master text styles</a:t>
             </a:r>
           </a:p>
@@ -2689,38 +2694,37 @@
           <a:p>
             <a:pPr lvl="0"/>
             <a:r>
-              <a:rPr lang="en-US" smtClean="0"/>
+              <a:rPr lang="en-US"/>
               <a:t>Click to edit Master text styles</a:t>
             </a:r>
           </a:p>
           <a:p>
             <a:pPr lvl="1"/>
             <a:r>
-              <a:rPr lang="en-US" smtClean="0"/>
+              <a:rPr lang="en-US"/>
               <a:t>Second level</a:t>
             </a:r>
           </a:p>
           <a:p>
             <a:pPr lvl="2"/>
             <a:r>
-              <a:rPr lang="en-US" smtClean="0"/>
+              <a:rPr lang="en-US"/>
               <a:t>Third level</a:t>
             </a:r>
           </a:p>
           <a:p>
             <a:pPr lvl="3"/>
             <a:r>
-              <a:rPr lang="en-US" smtClean="0"/>
+              <a:rPr lang="en-US"/>
               <a:t>Fourth level</a:t>
             </a:r>
           </a:p>
           <a:p>
             <a:pPr lvl="4"/>
             <a:r>
-              <a:rPr lang="en-US" smtClean="0"/>
+              <a:rPr lang="en-US"/>
               <a:t>Fifth level</a:t>
             </a:r>
-            <a:endParaRPr lang="en-US"/>
           </a:p>
         </p:txBody>
       </p:sp>
@@ -2742,7 +2746,7 @@
             <a:fld id="{1D8BD707-D9CF-40AE-B4C6-C98DA3205C09}" type="datetimeFigureOut">
               <a:rPr lang="en-US" smtClean="0"/>
               <a:pPr/>
-              <a:t>1/12/2016</a:t>
+              <a:t>1/8/2018</a:t>
             </a:fld>
             <a:endParaRPr lang="en-US"/>
           </a:p>
@@ -2832,10 +2836,9 @@
           <a:lstStyle/>
           <a:p>
             <a:r>
-              <a:rPr lang="en-US" smtClean="0"/>
+              <a:rPr lang="en-US"/>
               <a:t>Click to edit Master title style</a:t>
             </a:r>
-            <a:endParaRPr lang="en-US"/>
           </a:p>
         </p:txBody>
       </p:sp>
@@ -2857,7 +2860,7 @@
             <a:fld id="{1D8BD707-D9CF-40AE-B4C6-C98DA3205C09}" type="datetimeFigureOut">
               <a:rPr lang="en-US" smtClean="0"/>
               <a:pPr/>
-              <a:t>1/12/2016</a:t>
+              <a:t>1/8/2018</a:t>
             </a:fld>
             <a:endParaRPr lang="en-US"/>
           </a:p>
@@ -2949,7 +2952,7 @@
             <a:fld id="{1D8BD707-D9CF-40AE-B4C6-C98DA3205C09}" type="datetimeFigureOut">
               <a:rPr lang="en-US" smtClean="0"/>
               <a:pPr/>
-              <a:t>1/12/2016</a:t>
+              <a:t>1/8/2018</a:t>
             </a:fld>
             <a:endParaRPr lang="en-US"/>
           </a:p>
@@ -3048,10 +3051,9 @@
           </a:lstStyle>
           <a:p>
             <a:r>
-              <a:rPr lang="en-US" smtClean="0"/>
+              <a:rPr lang="en-US"/>
               <a:t>Click to edit Master title style</a:t>
             </a:r>
-            <a:endParaRPr lang="en-US"/>
           </a:p>
         </p:txBody>
       </p:sp>
@@ -3105,38 +3107,37 @@
           <a:p>
             <a:pPr lvl="0"/>
             <a:r>
-              <a:rPr lang="en-US" smtClean="0"/>
+              <a:rPr lang="en-US"/>
               <a:t>Click to edit Master text styles</a:t>
             </a:r>
           </a:p>
           <a:p>
             <a:pPr lvl="1"/>
             <a:r>
-              <a:rPr lang="en-US" smtClean="0"/>
+              <a:rPr lang="en-US"/>
               <a:t>Second level</a:t>
             </a:r>
           </a:p>
           <a:p>
             <a:pPr lvl="2"/>
             <a:r>
-              <a:rPr lang="en-US" smtClean="0"/>
+              <a:rPr lang="en-US"/>
               <a:t>Third level</a:t>
             </a:r>
           </a:p>
           <a:p>
             <a:pPr lvl="3"/>
             <a:r>
-              <a:rPr lang="en-US" smtClean="0"/>
+              <a:rPr lang="en-US"/>
               <a:t>Fourth level</a:t>
             </a:r>
           </a:p>
           <a:p>
             <a:pPr lvl="4"/>
             <a:r>
-              <a:rPr lang="en-US" smtClean="0"/>
+              <a:rPr lang="en-US"/>
               <a:t>Fifth level</a:t>
             </a:r>
-            <a:endParaRPr lang="en-US"/>
           </a:p>
         </p:txBody>
       </p:sp>
@@ -3199,7 +3200,7 @@
           <a:p>
             <a:pPr lvl="0"/>
             <a:r>
-              <a:rPr lang="en-US" smtClean="0"/>
+              <a:rPr lang="en-US"/>
               <a:t>Click to edit Master text styles</a:t>
             </a:r>
           </a:p>
@@ -3223,7 +3224,7 @@
             <a:fld id="{1D8BD707-D9CF-40AE-B4C6-C98DA3205C09}" type="datetimeFigureOut">
               <a:rPr lang="en-US" smtClean="0"/>
               <a:pPr/>
-              <a:t>1/12/2016</a:t>
+              <a:t>1/8/2018</a:t>
             </a:fld>
             <a:endParaRPr lang="en-US"/>
           </a:p>
@@ -3322,10 +3323,9 @@
           </a:lstStyle>
           <a:p>
             <a:r>
-              <a:rPr lang="en-US" smtClean="0"/>
+              <a:rPr lang="en-US"/>
               <a:t>Click to edit Master title style</a:t>
             </a:r>
-            <a:endParaRPr lang="en-US"/>
           </a:p>
         </p:txBody>
       </p:sp>
@@ -3449,7 +3449,7 @@
           <a:p>
             <a:pPr lvl="0"/>
             <a:r>
-              <a:rPr lang="en-US" smtClean="0"/>
+              <a:rPr lang="en-US"/>
               <a:t>Click to edit Master text styles</a:t>
             </a:r>
           </a:p>
@@ -3473,7 +3473,7 @@
             <a:fld id="{1D8BD707-D9CF-40AE-B4C6-C98DA3205C09}" type="datetimeFigureOut">
               <a:rPr lang="en-US" smtClean="0"/>
               <a:pPr/>
-              <a:t>1/12/2016</a:t>
+              <a:t>1/8/2018</a:t>
             </a:fld>
             <a:endParaRPr lang="en-US"/>
           </a:p>
@@ -3578,10 +3578,9 @@
           <a:lstStyle/>
           <a:p>
             <a:r>
-              <a:rPr lang="en-US" smtClean="0"/>
+              <a:rPr lang="en-US"/>
               <a:t>Click to edit Master title style</a:t>
             </a:r>
-            <a:endParaRPr lang="en-US"/>
           </a:p>
         </p:txBody>
       </p:sp>
@@ -3612,38 +3611,37 @@
           <a:p>
             <a:pPr lvl="0"/>
             <a:r>
-              <a:rPr lang="en-US" smtClean="0"/>
+              <a:rPr lang="en-US"/>
               <a:t>Click to edit Master text styles</a:t>
             </a:r>
           </a:p>
           <a:p>
             <a:pPr lvl="1"/>
             <a:r>
-              <a:rPr lang="en-US" smtClean="0"/>
+              <a:rPr lang="en-US"/>
               <a:t>Second level</a:t>
             </a:r>
           </a:p>
           <a:p>
             <a:pPr lvl="2"/>
             <a:r>
-              <a:rPr lang="en-US" smtClean="0"/>
+              <a:rPr lang="en-US"/>
               <a:t>Third level</a:t>
             </a:r>
           </a:p>
           <a:p>
             <a:pPr lvl="3"/>
             <a:r>
-              <a:rPr lang="en-US" smtClean="0"/>
+              <a:rPr lang="en-US"/>
               <a:t>Fourth level</a:t>
             </a:r>
           </a:p>
           <a:p>
             <a:pPr lvl="4"/>
             <a:r>
-              <a:rPr lang="en-US" smtClean="0"/>
+              <a:rPr lang="en-US"/>
               <a:t>Fifth level</a:t>
             </a:r>
-            <a:endParaRPr lang="en-US"/>
           </a:p>
         </p:txBody>
       </p:sp>
@@ -3683,7 +3681,7 @@
             <a:fld id="{1D8BD707-D9CF-40AE-B4C6-C98DA3205C09}" type="datetimeFigureOut">
               <a:rPr lang="en-US" smtClean="0"/>
               <a:pPr/>
-              <a:t>1/12/2016</a:t>
+              <a:t>1/8/2018</a:t>
             </a:fld>
             <a:endParaRPr lang="en-US"/>
           </a:p>
@@ -4077,46 +4075,46 @@
           <a:lstStyle/>
           <a:p>
             <a:r>
-              <a:rPr lang="en-US" dirty="0" smtClean="0"/>
+              <a:rPr lang="en-US" dirty="0"/>
               <a:t>Last time:</a:t>
             </a:r>
           </a:p>
           <a:p>
-            <a:endParaRPr lang="en-US" dirty="0" smtClean="0"/>
-          </a:p>
-          <a:p>
-            <a:r>
-              <a:rPr lang="en-US" dirty="0" smtClean="0"/>
+            <a:endParaRPr lang="en-US" dirty="0"/>
+          </a:p>
+          <a:p>
+            <a:r>
+              <a:rPr lang="en-US" dirty="0"/>
               <a:t>	mean and variance of an empirical distribution</a:t>
             </a:r>
           </a:p>
           <a:p>
             <a:r>
-              <a:rPr lang="en-US" dirty="0" smtClean="0"/>
+              <a:rPr lang="en-US" dirty="0"/>
               <a:t>	</a:t>
             </a:r>
           </a:p>
           <a:p>
             <a:r>
-              <a:rPr lang="en-US" dirty="0" smtClean="0"/>
+              <a:rPr lang="en-US" dirty="0"/>
               <a:t>	Initial commands in R</a:t>
             </a:r>
           </a:p>
           <a:p>
             <a:r>
-              <a:rPr lang="en-US" dirty="0" smtClean="0"/>
+              <a:rPr lang="en-US" dirty="0"/>
               <a:t>	</a:t>
             </a:r>
           </a:p>
           <a:p>
             <a:r>
-              <a:rPr lang="en-US" dirty="0" smtClean="0"/>
+              <a:rPr lang="en-US" dirty="0"/>
               <a:t>	Everything in R is a vector ; </a:t>
             </a:r>
           </a:p>
           <a:p>
             <a:r>
-              <a:rPr lang="en-US" dirty="0" smtClean="0"/>
+              <a:rPr lang="en-US" dirty="0"/>
               <a:t>	elements of a vector all share a common data type</a:t>
             </a:r>
           </a:p>
@@ -4127,13 +4125,6 @@
   <p:clrMapOvr>
     <a:masterClrMapping/>
   </p:clrMapOvr>
-  <p:timing>
-    <p:tnLst>
-      <p:par>
-        <p:cTn id="1" dur="indefinite" restart="never" nodeType="tmRoot"/>
-      </p:par>
-    </p:tnLst>
-  </p:timing>
 </p:sld>
 </file>
 
@@ -4177,42 +4168,37 @@
           <a:lstStyle/>
           <a:p>
             <a:r>
-              <a:rPr lang="en-US" dirty="0" smtClean="0"/>
+              <a:rPr lang="en-US" dirty="0"/>
               <a:t>We can use lists to simulate </a:t>
             </a:r>
             <a:r>
-              <a:rPr lang="en-US" dirty="0" err="1" smtClean="0"/>
+              <a:rPr lang="en-US" dirty="0" err="1"/>
               <a:t>c’s</a:t>
             </a:r>
             <a:r>
-              <a:rPr lang="en-US" dirty="0" smtClean="0"/>
+              <a:rPr lang="en-US" dirty="0"/>
               <a:t> </a:t>
             </a:r>
             <a:r>
-              <a:rPr lang="en-US" dirty="0" err="1" smtClean="0"/>
+              <a:rPr lang="en-US" dirty="0" err="1"/>
               <a:t>structs</a:t>
             </a:r>
             <a:r>
-              <a:rPr lang="en-US" dirty="0" smtClean="0"/>
+              <a:rPr lang="en-US" dirty="0"/>
               <a:t> of Java’s objects…</a:t>
             </a:r>
-            <a:endParaRPr lang="en-US" dirty="0" smtClean="0"/>
-          </a:p>
-          <a:p>
-            <a:endParaRPr lang="en-US" dirty="0" smtClean="0"/>
-          </a:p>
-          <a:p>
-            <a:r>
-              <a:rPr lang="en-US" dirty="0" smtClean="0"/>
-              <a:t>Here </a:t>
-            </a:r>
-            <a:r>
-              <a:rPr lang="en-US" dirty="0" smtClean="0"/>
-              <a:t>we have a function that returns a List describing a DNA sequence</a:t>
-            </a:r>
-          </a:p>
-          <a:p>
-            <a:endParaRPr lang="en-US" dirty="0" smtClean="0"/>
+          </a:p>
+          <a:p>
+            <a:endParaRPr lang="en-US" dirty="0"/>
+          </a:p>
+          <a:p>
+            <a:r>
+              <a:rPr lang="en-US" dirty="0"/>
+              <a:t>Here we have a function that returns a List describing a DNA sequence</a:t>
+            </a:r>
+          </a:p>
+          <a:p>
+            <a:endParaRPr lang="en-US" dirty="0"/>
           </a:p>
           <a:p>
             <a:endParaRPr lang="en-US" dirty="0"/>
@@ -4241,14 +4227,14 @@
           <a:lstStyle/>
           <a:p>
             <a:r>
-              <a:rPr lang="en-US" sz="1400" dirty="0" err="1" smtClean="0">
+              <a:rPr lang="en-US" sz="1400" dirty="0" err="1">
                 <a:latin typeface="Courier" pitchFamily="49" charset="0"/>
                 <a:cs typeface="Arial" pitchFamily="34" charset="0"/>
               </a:rPr>
               <a:t>getASeq</a:t>
             </a:r>
             <a:r>
-              <a:rPr lang="en-US" sz="1400" dirty="0" smtClean="0">
+              <a:rPr lang="en-US" sz="1400" dirty="0">
                 <a:latin typeface="Courier" pitchFamily="49" charset="0"/>
                 <a:cs typeface="Arial" pitchFamily="34" charset="0"/>
               </a:rPr>
@@ -4257,7 +4243,7 @@
           </a:p>
           <a:p>
             <a:r>
-              <a:rPr lang="en-US" sz="1400" dirty="0" smtClean="0">
+              <a:rPr lang="en-US" sz="1400" dirty="0">
                 <a:latin typeface="Courier" pitchFamily="49" charset="0"/>
                 <a:cs typeface="Arial" pitchFamily="34" charset="0"/>
               </a:rPr>
@@ -4266,21 +4252,21 @@
           </a:p>
           <a:p>
             <a:r>
-              <a:rPr lang="en-US" sz="1400" dirty="0" smtClean="0">
+              <a:rPr lang="en-US" sz="1400" dirty="0">
                 <a:latin typeface="Courier" pitchFamily="49" charset="0"/>
                 <a:cs typeface="Arial" pitchFamily="34" charset="0"/>
               </a:rPr>
               <a:t>	</a:t>
             </a:r>
             <a:r>
-              <a:rPr lang="en-US" sz="1400" dirty="0" err="1" smtClean="0">
+              <a:rPr lang="en-US" sz="1400" dirty="0" err="1">
                 <a:latin typeface="Courier" pitchFamily="49" charset="0"/>
                 <a:cs typeface="Arial" pitchFamily="34" charset="0"/>
               </a:rPr>
               <a:t>aSeq</a:t>
             </a:r>
             <a:r>
-              <a:rPr lang="en-US" sz="1400" dirty="0" smtClean="0">
+              <a:rPr lang="en-US" sz="1400" dirty="0">
                 <a:latin typeface="Courier" pitchFamily="49" charset="0"/>
                 <a:cs typeface="Arial" pitchFamily="34" charset="0"/>
               </a:rPr>
@@ -4289,21 +4275,21 @@
           </a:p>
           <a:p>
             <a:r>
-              <a:rPr lang="en-US" sz="1400" dirty="0" smtClean="0">
+              <a:rPr lang="en-US" sz="1400" dirty="0">
                 <a:latin typeface="Courier" pitchFamily="49" charset="0"/>
                 <a:cs typeface="Arial" pitchFamily="34" charset="0"/>
               </a:rPr>
               <a:t>	</a:t>
             </a:r>
             <a:r>
-              <a:rPr lang="en-US" sz="1400" dirty="0" err="1" smtClean="0">
+              <a:rPr lang="en-US" sz="1400" dirty="0" err="1">
                 <a:latin typeface="Courier" pitchFamily="49" charset="0"/>
                 <a:cs typeface="Arial" pitchFamily="34" charset="0"/>
               </a:rPr>
               <a:t>aSeq$sequencename</a:t>
             </a:r>
             <a:r>
-              <a:rPr lang="en-US" sz="1400" dirty="0" smtClean="0">
+              <a:rPr lang="en-US" sz="1400" dirty="0">
                 <a:latin typeface="Courier" pitchFamily="49" charset="0"/>
                 <a:cs typeface="Arial" pitchFamily="34" charset="0"/>
               </a:rPr>
@@ -4312,21 +4298,21 @@
           </a:p>
           <a:p>
             <a:r>
-              <a:rPr lang="en-US" sz="1400" dirty="0" smtClean="0">
+              <a:rPr lang="en-US" sz="1400" dirty="0">
                 <a:latin typeface="Courier" pitchFamily="49" charset="0"/>
                 <a:cs typeface="Arial" pitchFamily="34" charset="0"/>
               </a:rPr>
               <a:t>	</a:t>
             </a:r>
             <a:r>
-              <a:rPr lang="en-US" sz="1400" dirty="0" err="1" smtClean="0">
+              <a:rPr lang="en-US" sz="1400" dirty="0" err="1">
                 <a:latin typeface="Courier" pitchFamily="49" charset="0"/>
                 <a:cs typeface="Arial" pitchFamily="34" charset="0"/>
               </a:rPr>
               <a:t>aSeq$dnastring</a:t>
             </a:r>
             <a:r>
-              <a:rPr lang="en-US" sz="1400" dirty="0" smtClean="0">
+              <a:rPr lang="en-US" sz="1400" dirty="0">
                 <a:latin typeface="Courier" pitchFamily="49" charset="0"/>
                 <a:cs typeface="Arial" pitchFamily="34" charset="0"/>
               </a:rPr>
@@ -4335,49 +4321,49 @@
           </a:p>
           <a:p>
             <a:r>
-              <a:rPr lang="en-US" sz="1400" dirty="0" smtClean="0">
+              <a:rPr lang="en-US" sz="1400" dirty="0">
                 <a:latin typeface="Courier" pitchFamily="49" charset="0"/>
                 <a:cs typeface="Arial" pitchFamily="34" charset="0"/>
               </a:rPr>
               <a:t>	</a:t>
             </a:r>
             <a:r>
-              <a:rPr lang="en-US" sz="1400" dirty="0" err="1" smtClean="0">
+              <a:rPr lang="en-US" sz="1400" dirty="0" err="1">
                 <a:latin typeface="Courier" pitchFamily="49" charset="0"/>
                 <a:cs typeface="Arial" pitchFamily="34" charset="0"/>
               </a:rPr>
               <a:t>aSeq$sequenceLength</a:t>
             </a:r>
             <a:r>
-              <a:rPr lang="en-US" sz="1400" dirty="0" smtClean="0">
+              <a:rPr lang="en-US" sz="1400" dirty="0">
                 <a:latin typeface="Courier" pitchFamily="49" charset="0"/>
                 <a:cs typeface="Arial" pitchFamily="34" charset="0"/>
               </a:rPr>
               <a:t> &lt;- </a:t>
             </a:r>
             <a:r>
-              <a:rPr lang="en-US" sz="1400" dirty="0" err="1" smtClean="0">
+              <a:rPr lang="en-US" sz="1400" dirty="0" err="1">
                 <a:latin typeface="Courier" pitchFamily="49" charset="0"/>
                 <a:cs typeface="Arial" pitchFamily="34" charset="0"/>
               </a:rPr>
               <a:t>nchar</a:t>
             </a:r>
             <a:r>
-              <a:rPr lang="en-US" sz="1400" dirty="0" smtClean="0">
+              <a:rPr lang="en-US" sz="1400" dirty="0">
                 <a:latin typeface="Courier" pitchFamily="49" charset="0"/>
                 <a:cs typeface="Arial" pitchFamily="34" charset="0"/>
               </a:rPr>
               <a:t>(</a:t>
             </a:r>
             <a:r>
-              <a:rPr lang="en-US" sz="1400" dirty="0" err="1" smtClean="0">
+              <a:rPr lang="en-US" sz="1400" dirty="0" err="1">
                 <a:latin typeface="Courier" pitchFamily="49" charset="0"/>
                 <a:cs typeface="Arial" pitchFamily="34" charset="0"/>
               </a:rPr>
               <a:t>aSeq$dnastring</a:t>
             </a:r>
             <a:r>
-              <a:rPr lang="en-US" sz="1400" dirty="0" smtClean="0">
+              <a:rPr lang="en-US" sz="1400" dirty="0">
                 <a:latin typeface="Courier" pitchFamily="49" charset="0"/>
                 <a:cs typeface="Arial" pitchFamily="34" charset="0"/>
               </a:rPr>
@@ -4386,21 +4372,21 @@
           </a:p>
           <a:p>
             <a:r>
-              <a:rPr lang="en-US" sz="1400" dirty="0" smtClean="0">
+              <a:rPr lang="en-US" sz="1400" dirty="0">
                 <a:latin typeface="Courier" pitchFamily="49" charset="0"/>
                 <a:cs typeface="Arial" pitchFamily="34" charset="0"/>
               </a:rPr>
               <a:t>	return (</a:t>
             </a:r>
             <a:r>
-              <a:rPr lang="en-US" sz="1400" dirty="0" err="1" smtClean="0">
+              <a:rPr lang="en-US" sz="1400" dirty="0" err="1">
                 <a:latin typeface="Courier" pitchFamily="49" charset="0"/>
                 <a:cs typeface="Arial" pitchFamily="34" charset="0"/>
               </a:rPr>
               <a:t>aSeq</a:t>
             </a:r>
             <a:r>
-              <a:rPr lang="en-US" sz="1400" dirty="0" smtClean="0">
+              <a:rPr lang="en-US" sz="1400" dirty="0">
                 <a:latin typeface="Courier" pitchFamily="49" charset="0"/>
                 <a:cs typeface="Arial" pitchFamily="34" charset="0"/>
               </a:rPr>
@@ -4409,7 +4395,7 @@
           </a:p>
           <a:p>
             <a:r>
-              <a:rPr lang="en-US" sz="1400" dirty="0" smtClean="0">
+              <a:rPr lang="en-US" sz="1400" dirty="0">
                 <a:latin typeface="Courier" pitchFamily="49" charset="0"/>
                 <a:cs typeface="Arial" pitchFamily="34" charset="0"/>
               </a:rPr>
@@ -4441,59 +4427,58 @@
           <a:lstStyle/>
           <a:p>
             <a:r>
-              <a:rPr lang="en-US" dirty="0" err="1" smtClean="0"/>
+              <a:rPr lang="en-US" dirty="0" err="1"/>
               <a:t>seq</a:t>
             </a:r>
             <a:r>
-              <a:rPr lang="en-US" dirty="0" smtClean="0"/>
+              <a:rPr lang="en-US" dirty="0"/>
               <a:t>  is a list with 3 elements:</a:t>
             </a:r>
           </a:p>
           <a:p>
-            <a:endParaRPr lang="en-US" dirty="0" smtClean="0"/>
-          </a:p>
-          <a:p>
-            <a:r>
-              <a:rPr lang="en-US" dirty="0" smtClean="0"/>
+            <a:endParaRPr lang="en-US" dirty="0"/>
+          </a:p>
+          <a:p>
+            <a:r>
+              <a:rPr lang="en-US" dirty="0"/>
               <a:t>	1: </a:t>
             </a:r>
             <a:r>
-              <a:rPr lang="en-US" dirty="0" err="1" smtClean="0"/>
+              <a:rPr lang="en-US" dirty="0" err="1"/>
               <a:t>sequenceName</a:t>
             </a:r>
             <a:r>
-              <a:rPr lang="en-US" dirty="0" smtClean="0"/>
+              <a:rPr lang="en-US" dirty="0"/>
               <a:t> (== “Sequence1”)</a:t>
             </a:r>
           </a:p>
           <a:p>
             <a:r>
-              <a:rPr lang="en-US" dirty="0" smtClean="0"/>
+              <a:rPr lang="en-US" dirty="0"/>
               <a:t>	2: </a:t>
             </a:r>
             <a:r>
-              <a:rPr lang="en-US" dirty="0" err="1" smtClean="0"/>
+              <a:rPr lang="en-US" dirty="0" err="1"/>
               <a:t>dnastring</a:t>
             </a:r>
             <a:r>
-              <a:rPr lang="en-US" dirty="0" smtClean="0"/>
+              <a:rPr lang="en-US" dirty="0"/>
               <a:t> (== “AAAGGCCCA”)</a:t>
             </a:r>
           </a:p>
           <a:p>
             <a:r>
-              <a:rPr lang="en-US" dirty="0" smtClean="0"/>
+              <a:rPr lang="en-US" dirty="0"/>
               <a:t>	3:  </a:t>
             </a:r>
             <a:r>
-              <a:rPr lang="en-US" dirty="0" err="1" smtClean="0"/>
+              <a:rPr lang="en-US" dirty="0" err="1"/>
               <a:t>sequenceLength</a:t>
             </a:r>
             <a:r>
-              <a:rPr lang="en-US" dirty="0" smtClean="0"/>
+              <a:rPr lang="en-US" dirty="0"/>
               <a:t> (== 9)</a:t>
             </a:r>
-            <a:endParaRPr lang="en-US" dirty="0"/>
           </a:p>
         </p:txBody>
       </p:sp>
@@ -4520,18 +4505,9 @@
           <a:lstStyle/>
           <a:p>
             <a:r>
-              <a:rPr lang="en-US" dirty="0" smtClean="0"/>
-              <a:t>This is </a:t>
-            </a:r>
-            <a:r>
-              <a:rPr lang="en-US" dirty="0" smtClean="0"/>
-              <a:t>pretty </a:t>
-            </a:r>
-            <a:r>
-              <a:rPr lang="en-US" dirty="0" smtClean="0"/>
-              <a:t>different from data structures in Java and will take some getting used to!</a:t>
-            </a:r>
-            <a:endParaRPr lang="en-US" dirty="0"/>
+              <a:rPr lang="en-US" dirty="0"/>
+              <a:t>This is pretty different from data structures in Java and will take some getting used to!</a:t>
+            </a:r>
           </a:p>
         </p:txBody>
       </p:sp>
@@ -4615,18 +4591,9 @@
           <a:lstStyle/>
           <a:p>
             <a:r>
-              <a:rPr lang="en-US" dirty="0" smtClean="0"/>
-              <a:t>The elements in a list can be referred to either by their name or by </a:t>
-            </a:r>
-            <a:r>
-              <a:rPr lang="en-US" dirty="0" smtClean="0"/>
-              <a:t>their [[]] </a:t>
-            </a:r>
-            <a:r>
-              <a:rPr lang="en-US" dirty="0" smtClean="0"/>
-              <a:t>index</a:t>
-            </a:r>
-            <a:endParaRPr lang="en-US" dirty="0"/>
+              <a:rPr lang="en-US" dirty="0"/>
+              <a:t>The elements in a list can be referred to either by their name or by their [[]] index</a:t>
+            </a:r>
           </a:p>
         </p:txBody>
       </p:sp>
@@ -4718,10 +4685,9 @@
           <a:lstStyle/>
           <a:p>
             <a:r>
-              <a:rPr lang="en-US" dirty="0" smtClean="0"/>
+              <a:rPr lang="en-US" dirty="0"/>
               <a:t>Element 1 in our list – a character vector of length 1</a:t>
             </a:r>
-            <a:endParaRPr lang="en-US" dirty="0"/>
           </a:p>
         </p:txBody>
       </p:sp>
@@ -4780,7 +4746,7 @@
           <a:lstStyle/>
           <a:p>
             <a:r>
-              <a:rPr lang="en-US" dirty="0" err="1" smtClean="0"/>
+              <a:rPr lang="en-US" dirty="0" err="1"/>
               <a:t>mySeq</a:t>
             </a:r>
             <a:endParaRPr lang="en-US" dirty="0"/>
@@ -4884,10 +4850,9 @@
           <a:lstStyle/>
           <a:p>
             <a:r>
-              <a:rPr lang="en-US" dirty="0" smtClean="0"/>
+              <a:rPr lang="en-US" dirty="0"/>
               <a:t>list</a:t>
             </a:r>
-            <a:endParaRPr lang="en-US" dirty="0"/>
           </a:p>
         </p:txBody>
       </p:sp>
@@ -4914,10 +4879,9 @@
           <a:lstStyle/>
           <a:p>
             <a:r>
-              <a:rPr lang="en-US" dirty="0" smtClean="0"/>
+              <a:rPr lang="en-US" dirty="0"/>
               <a:t>[1]</a:t>
             </a:r>
-            <a:endParaRPr lang="en-US" dirty="0"/>
           </a:p>
         </p:txBody>
       </p:sp>
@@ -4977,24 +4941,24 @@
           <a:lstStyle/>
           <a:p>
             <a:r>
-              <a:rPr lang="en-US" dirty="0" err="1" smtClean="0"/>
+              <a:rPr lang="en-US" dirty="0" err="1"/>
               <a:t>sequenceName</a:t>
             </a:r>
-            <a:endParaRPr lang="en-US" dirty="0" smtClean="0"/>
-          </a:p>
-          <a:p>
-            <a:r>
-              <a:rPr lang="en-US" dirty="0" err="1" smtClean="0"/>
+            <a:endParaRPr lang="en-US" dirty="0"/>
+          </a:p>
+          <a:p>
+            <a:r>
+              <a:rPr lang="en-US" dirty="0" err="1"/>
               <a:t>dnaString</a:t>
             </a:r>
-            <a:endParaRPr lang="en-US" dirty="0" smtClean="0"/>
-          </a:p>
-          <a:p>
-            <a:r>
-              <a:rPr lang="en-US" dirty="0" err="1" smtClean="0"/>
+            <a:endParaRPr lang="en-US" dirty="0"/>
+          </a:p>
+          <a:p>
+            <a:r>
+              <a:rPr lang="en-US" dirty="0" err="1"/>
               <a:t>sequenceLength</a:t>
             </a:r>
-            <a:endParaRPr lang="en-US" dirty="0" smtClean="0"/>
+            <a:endParaRPr lang="en-US" dirty="0"/>
           </a:p>
         </p:txBody>
       </p:sp>
@@ -5111,10 +5075,9 @@
           <a:lstStyle/>
           <a:p>
             <a:r>
-              <a:rPr lang="en-US" dirty="0" smtClean="0"/>
+              <a:rPr lang="en-US" dirty="0"/>
               <a:t>Element 2 in our list – a character vector of length 1</a:t>
             </a:r>
-            <a:endParaRPr lang="en-US" dirty="0"/>
           </a:p>
         </p:txBody>
       </p:sp>
@@ -5173,18 +5136,9 @@
           <a:lstStyle/>
           <a:p>
             <a:r>
-              <a:rPr lang="en-US" dirty="0" smtClean="0"/>
-              <a:t>The elements in a list can be referred to either by their name or by </a:t>
-            </a:r>
-            <a:r>
-              <a:rPr lang="en-US" dirty="0" smtClean="0"/>
-              <a:t>their [[]] </a:t>
-            </a:r>
-            <a:r>
-              <a:rPr lang="en-US" dirty="0" smtClean="0"/>
-              <a:t>index</a:t>
-            </a:r>
-            <a:endParaRPr lang="en-US" dirty="0"/>
+              <a:rPr lang="en-US" dirty="0"/>
+              <a:t>The elements in a list can be referred to either by their name or by their [[]] index</a:t>
+            </a:r>
           </a:p>
         </p:txBody>
       </p:sp>
@@ -5211,7 +5165,7 @@
           <a:lstStyle/>
           <a:p>
             <a:r>
-              <a:rPr lang="en-US" dirty="0" err="1" smtClean="0"/>
+              <a:rPr lang="en-US" dirty="0" err="1"/>
               <a:t>mySeq</a:t>
             </a:r>
             <a:endParaRPr lang="en-US" dirty="0"/>
@@ -5315,10 +5269,9 @@
           <a:lstStyle/>
           <a:p>
             <a:r>
-              <a:rPr lang="en-US" dirty="0" smtClean="0"/>
+              <a:rPr lang="en-US" dirty="0"/>
               <a:t>list</a:t>
             </a:r>
-            <a:endParaRPr lang="en-US" dirty="0"/>
           </a:p>
         </p:txBody>
       </p:sp>
@@ -5345,10 +5298,9 @@
           <a:lstStyle/>
           <a:p>
             <a:r>
-              <a:rPr lang="en-US" dirty="0" smtClean="0"/>
+              <a:rPr lang="en-US" dirty="0"/>
               <a:t>[1]</a:t>
             </a:r>
-            <a:endParaRPr lang="en-US" dirty="0"/>
           </a:p>
         </p:txBody>
       </p:sp>
@@ -5408,24 +5360,24 @@
           <a:lstStyle/>
           <a:p>
             <a:r>
-              <a:rPr lang="en-US" dirty="0" err="1" smtClean="0"/>
+              <a:rPr lang="en-US" dirty="0" err="1"/>
               <a:t>sequenceName</a:t>
             </a:r>
-            <a:endParaRPr lang="en-US" dirty="0" smtClean="0"/>
-          </a:p>
-          <a:p>
-            <a:r>
-              <a:rPr lang="en-US" dirty="0" err="1" smtClean="0"/>
+            <a:endParaRPr lang="en-US" dirty="0"/>
+          </a:p>
+          <a:p>
+            <a:r>
+              <a:rPr lang="en-US" dirty="0" err="1"/>
               <a:t>dnaString</a:t>
             </a:r>
-            <a:endParaRPr lang="en-US" dirty="0" smtClean="0"/>
-          </a:p>
-          <a:p>
-            <a:r>
-              <a:rPr lang="en-US" dirty="0" err="1" smtClean="0"/>
+            <a:endParaRPr lang="en-US" dirty="0"/>
+          </a:p>
+          <a:p>
+            <a:r>
+              <a:rPr lang="en-US" dirty="0" err="1"/>
               <a:t>sequenceLength</a:t>
             </a:r>
-            <a:endParaRPr lang="en-US" dirty="0" smtClean="0"/>
+            <a:endParaRPr lang="en-US" dirty="0"/>
           </a:p>
         </p:txBody>
       </p:sp>
@@ -5542,10 +5494,9 @@
           <a:lstStyle/>
           <a:p>
             <a:r>
-              <a:rPr lang="en-US" dirty="0" smtClean="0"/>
+              <a:rPr lang="en-US" dirty="0"/>
               <a:t>Element 3 in our list – a integer vector of length 1</a:t>
             </a:r>
-            <a:endParaRPr lang="en-US" dirty="0"/>
           </a:p>
         </p:txBody>
       </p:sp>
@@ -5604,18 +5555,9 @@
           <a:lstStyle/>
           <a:p>
             <a:r>
-              <a:rPr lang="en-US" dirty="0" smtClean="0"/>
-              <a:t>The elements in a list can be referred to either by their name or by </a:t>
-            </a:r>
-            <a:r>
-              <a:rPr lang="en-US" dirty="0" smtClean="0"/>
-              <a:t>their [[]] </a:t>
-            </a:r>
-            <a:r>
-              <a:rPr lang="en-US" dirty="0" smtClean="0"/>
-              <a:t>index</a:t>
-            </a:r>
-            <a:endParaRPr lang="en-US" dirty="0"/>
+              <a:rPr lang="en-US" dirty="0"/>
+              <a:t>The elements in a list can be referred to either by their name or by their [[]] index</a:t>
+            </a:r>
           </a:p>
         </p:txBody>
       </p:sp>
@@ -5642,7 +5584,7 @@
           <a:lstStyle/>
           <a:p>
             <a:r>
-              <a:rPr lang="en-US" dirty="0" err="1" smtClean="0"/>
+              <a:rPr lang="en-US" dirty="0" err="1"/>
               <a:t>mySeq</a:t>
             </a:r>
             <a:endParaRPr lang="en-US" dirty="0"/>
@@ -5746,10 +5688,9 @@
           <a:lstStyle/>
           <a:p>
             <a:r>
-              <a:rPr lang="en-US" dirty="0" smtClean="0"/>
+              <a:rPr lang="en-US" dirty="0"/>
               <a:t>list</a:t>
             </a:r>
-            <a:endParaRPr lang="en-US" dirty="0"/>
           </a:p>
         </p:txBody>
       </p:sp>
@@ -5776,10 +5717,9 @@
           <a:lstStyle/>
           <a:p>
             <a:r>
-              <a:rPr lang="en-US" dirty="0" smtClean="0"/>
+              <a:rPr lang="en-US" dirty="0"/>
               <a:t>[1]</a:t>
             </a:r>
-            <a:endParaRPr lang="en-US" dirty="0"/>
           </a:p>
         </p:txBody>
       </p:sp>
@@ -5839,24 +5779,24 @@
           <a:lstStyle/>
           <a:p>
             <a:r>
-              <a:rPr lang="en-US" dirty="0" err="1" smtClean="0"/>
+              <a:rPr lang="en-US" dirty="0" err="1"/>
               <a:t>sequenceName</a:t>
             </a:r>
-            <a:endParaRPr lang="en-US" dirty="0" smtClean="0"/>
-          </a:p>
-          <a:p>
-            <a:r>
-              <a:rPr lang="en-US" dirty="0" err="1" smtClean="0"/>
+            <a:endParaRPr lang="en-US" dirty="0"/>
+          </a:p>
+          <a:p>
+            <a:r>
+              <a:rPr lang="en-US" dirty="0" err="1"/>
               <a:t>dnaString</a:t>
             </a:r>
-            <a:endParaRPr lang="en-US" dirty="0" smtClean="0"/>
-          </a:p>
-          <a:p>
-            <a:r>
-              <a:rPr lang="en-US" dirty="0" err="1" smtClean="0"/>
+            <a:endParaRPr lang="en-US" dirty="0"/>
+          </a:p>
+          <a:p>
+            <a:r>
+              <a:rPr lang="en-US" dirty="0" err="1"/>
               <a:t>sequenceLength</a:t>
             </a:r>
-            <a:endParaRPr lang="en-US" dirty="0" smtClean="0"/>
+            <a:endParaRPr lang="en-US" dirty="0"/>
           </a:p>
         </p:txBody>
       </p:sp>
@@ -6006,20 +5946,8 @@
           <a:lstStyle/>
           <a:p>
             <a:r>
-              <a:rPr lang="en-US" dirty="0" smtClean="0"/>
-              <a:t> </a:t>
-            </a:r>
-            <a:r>
-              <a:rPr lang="en-US" dirty="0" smtClean="0"/>
-              <a:t>[[]] and [] are </a:t>
-            </a:r>
-            <a:r>
-              <a:rPr lang="en-US" dirty="0" smtClean="0"/>
-              <a:t>very different </a:t>
-            </a:r>
-            <a:r>
-              <a:rPr lang="en-US" dirty="0" smtClean="0"/>
-              <a:t>operators!</a:t>
+              <a:rPr lang="en-US" dirty="0"/>
+              <a:t> [[]] and [] are very different operators!</a:t>
             </a:r>
           </a:p>
         </p:txBody>
@@ -6080,11 +6008,11 @@
           <a:lstStyle/>
           <a:p>
             <a:r>
-              <a:rPr lang="en-US" dirty="0" smtClean="0"/>
+              <a:rPr lang="en-US" dirty="0"/>
               <a:t>This is equivalent to </a:t>
             </a:r>
             <a:r>
-              <a:rPr lang="en-US" dirty="0" err="1" smtClean="0"/>
+              <a:rPr lang="en-US" dirty="0" err="1"/>
               <a:t>mySeq$sequencename</a:t>
             </a:r>
             <a:endParaRPr lang="en-US" dirty="0"/>
@@ -6114,18 +6042,9 @@
           <a:lstStyle/>
           <a:p>
             <a:r>
-              <a:rPr lang="en-US" dirty="0" smtClean="0"/>
-              <a:t>The elements in a list can be referred to either by their name or by </a:t>
-            </a:r>
-            <a:r>
-              <a:rPr lang="en-US" dirty="0" smtClean="0"/>
-              <a:t>their [[]] </a:t>
-            </a:r>
-            <a:r>
-              <a:rPr lang="en-US" dirty="0" smtClean="0"/>
-              <a:t>index</a:t>
-            </a:r>
-            <a:endParaRPr lang="en-US" dirty="0"/>
+              <a:rPr lang="en-US" dirty="0"/>
+              <a:t>The elements in a list can be referred to either by their name or by their [[]] index</a:t>
+            </a:r>
           </a:p>
         </p:txBody>
       </p:sp>
@@ -6152,7 +6071,7 @@
           <a:lstStyle/>
           <a:p>
             <a:r>
-              <a:rPr lang="en-US" dirty="0" err="1" smtClean="0"/>
+              <a:rPr lang="en-US" dirty="0" err="1"/>
               <a:t>mySeq</a:t>
             </a:r>
             <a:endParaRPr lang="en-US" dirty="0"/>
@@ -6256,10 +6175,9 @@
           <a:lstStyle/>
           <a:p>
             <a:r>
-              <a:rPr lang="en-US" dirty="0" smtClean="0"/>
+              <a:rPr lang="en-US" dirty="0"/>
               <a:t>list</a:t>
             </a:r>
-            <a:endParaRPr lang="en-US" dirty="0"/>
           </a:p>
         </p:txBody>
       </p:sp>
@@ -6286,10 +6204,9 @@
           <a:lstStyle/>
           <a:p>
             <a:r>
-              <a:rPr lang="en-US" dirty="0" smtClean="0"/>
+              <a:rPr lang="en-US" dirty="0"/>
               <a:t>[1]</a:t>
             </a:r>
-            <a:endParaRPr lang="en-US" dirty="0"/>
           </a:p>
         </p:txBody>
       </p:sp>
@@ -6349,24 +6266,24 @@
           <a:lstStyle/>
           <a:p>
             <a:r>
-              <a:rPr lang="en-US" dirty="0" err="1" smtClean="0"/>
+              <a:rPr lang="en-US" dirty="0" err="1"/>
               <a:t>sequenceName</a:t>
             </a:r>
-            <a:endParaRPr lang="en-US" dirty="0" smtClean="0"/>
-          </a:p>
-          <a:p>
-            <a:r>
-              <a:rPr lang="en-US" dirty="0" err="1" smtClean="0"/>
+            <a:endParaRPr lang="en-US" dirty="0"/>
+          </a:p>
+          <a:p>
+            <a:r>
+              <a:rPr lang="en-US" dirty="0" err="1"/>
               <a:t>dnaString</a:t>
             </a:r>
-            <a:endParaRPr lang="en-US" dirty="0" smtClean="0"/>
-          </a:p>
-          <a:p>
-            <a:r>
-              <a:rPr lang="en-US" dirty="0" err="1" smtClean="0"/>
+            <a:endParaRPr lang="en-US" dirty="0"/>
+          </a:p>
+          <a:p>
+            <a:r>
+              <a:rPr lang="en-US" dirty="0" err="1"/>
               <a:t>sequenceLength</a:t>
             </a:r>
-            <a:endParaRPr lang="en-US" dirty="0" smtClean="0"/>
+            <a:endParaRPr lang="en-US" dirty="0"/>
           </a:p>
         </p:txBody>
       </p:sp>
@@ -6418,10 +6335,9 @@
           <a:lstStyle/>
           <a:p>
             <a:r>
-              <a:rPr lang="en-US" dirty="0" smtClean="0"/>
+              <a:rPr lang="en-US" dirty="0"/>
               <a:t>We can read and write the names associated with our list dynamically…</a:t>
             </a:r>
-            <a:endParaRPr lang="en-US" dirty="0"/>
           </a:p>
         </p:txBody>
       </p:sp>
@@ -6513,18 +6429,17 @@
           <a:lstStyle/>
           <a:p>
             <a:r>
-              <a:rPr lang="en-US" dirty="0" smtClean="0"/>
+              <a:rPr lang="en-US" dirty="0"/>
               <a:t>Give this 2</a:t>
             </a:r>
             <a:r>
-              <a:rPr lang="en-US" baseline="30000" dirty="0" smtClean="0"/>
+              <a:rPr lang="en-US" baseline="30000" dirty="0"/>
               <a:t>nd</a:t>
             </a:r>
             <a:r>
-              <a:rPr lang="en-US" dirty="0" smtClean="0"/>
+              <a:rPr lang="en-US" dirty="0"/>
               <a:t> element of this list a new name</a:t>
             </a:r>
-            <a:endParaRPr lang="en-US" dirty="0"/>
           </a:p>
         </p:txBody>
       </p:sp>
@@ -6550,14 +6465,14 @@
           <a:lstStyle/>
           <a:p>
             <a:r>
-              <a:rPr lang="en-US" sz="1400" dirty="0" err="1" smtClean="0">
+              <a:rPr lang="en-US" sz="1400" dirty="0" err="1">
                 <a:latin typeface="Courier" pitchFamily="49" charset="0"/>
                 <a:cs typeface="Arial" pitchFamily="34" charset="0"/>
               </a:rPr>
               <a:t>getASeq</a:t>
             </a:r>
             <a:r>
-              <a:rPr lang="en-US" sz="1400" dirty="0" smtClean="0">
+              <a:rPr lang="en-US" sz="1400" dirty="0">
                 <a:latin typeface="Courier" pitchFamily="49" charset="0"/>
                 <a:cs typeface="Arial" pitchFamily="34" charset="0"/>
               </a:rPr>
@@ -6566,7 +6481,7 @@
           </a:p>
           <a:p>
             <a:r>
-              <a:rPr lang="en-US" sz="1400" dirty="0" smtClean="0">
+              <a:rPr lang="en-US" sz="1400" dirty="0">
                 <a:latin typeface="Courier" pitchFamily="49" charset="0"/>
                 <a:cs typeface="Arial" pitchFamily="34" charset="0"/>
               </a:rPr>
@@ -6575,21 +6490,21 @@
           </a:p>
           <a:p>
             <a:r>
-              <a:rPr lang="en-US" sz="1400" dirty="0" smtClean="0">
+              <a:rPr lang="en-US" sz="1400" dirty="0">
                 <a:latin typeface="Courier" pitchFamily="49" charset="0"/>
                 <a:cs typeface="Arial" pitchFamily="34" charset="0"/>
               </a:rPr>
               <a:t>	</a:t>
             </a:r>
             <a:r>
-              <a:rPr lang="en-US" sz="1400" dirty="0" err="1" smtClean="0">
+              <a:rPr lang="en-US" sz="1400" dirty="0" err="1">
                 <a:latin typeface="Courier" pitchFamily="49" charset="0"/>
                 <a:cs typeface="Arial" pitchFamily="34" charset="0"/>
               </a:rPr>
               <a:t>aSeq</a:t>
             </a:r>
             <a:r>
-              <a:rPr lang="en-US" sz="1400" dirty="0" smtClean="0">
+              <a:rPr lang="en-US" sz="1400" dirty="0">
                 <a:latin typeface="Courier" pitchFamily="49" charset="0"/>
                 <a:cs typeface="Arial" pitchFamily="34" charset="0"/>
               </a:rPr>
@@ -6598,21 +6513,21 @@
           </a:p>
           <a:p>
             <a:r>
-              <a:rPr lang="en-US" sz="1400" dirty="0" smtClean="0">
+              <a:rPr lang="en-US" sz="1400" dirty="0">
                 <a:latin typeface="Courier" pitchFamily="49" charset="0"/>
                 <a:cs typeface="Arial" pitchFamily="34" charset="0"/>
               </a:rPr>
               <a:t>	</a:t>
             </a:r>
             <a:r>
-              <a:rPr lang="en-US" sz="1400" dirty="0" err="1" smtClean="0">
+              <a:rPr lang="en-US" sz="1400" dirty="0" err="1">
                 <a:latin typeface="Courier" pitchFamily="49" charset="0"/>
                 <a:cs typeface="Arial" pitchFamily="34" charset="0"/>
               </a:rPr>
               <a:t>aSeq$sequencename</a:t>
             </a:r>
             <a:r>
-              <a:rPr lang="en-US" sz="1400" dirty="0" smtClean="0">
+              <a:rPr lang="en-US" sz="1400" dirty="0">
                 <a:latin typeface="Courier" pitchFamily="49" charset="0"/>
                 <a:cs typeface="Arial" pitchFamily="34" charset="0"/>
               </a:rPr>
@@ -6621,21 +6536,21 @@
           </a:p>
           <a:p>
             <a:r>
-              <a:rPr lang="en-US" sz="1400" dirty="0" smtClean="0">
+              <a:rPr lang="en-US" sz="1400" dirty="0">
                 <a:latin typeface="Courier" pitchFamily="49" charset="0"/>
                 <a:cs typeface="Arial" pitchFamily="34" charset="0"/>
               </a:rPr>
               <a:t>	</a:t>
             </a:r>
             <a:r>
-              <a:rPr lang="en-US" sz="1400" dirty="0" err="1" smtClean="0">
+              <a:rPr lang="en-US" sz="1400" dirty="0" err="1">
                 <a:latin typeface="Courier" pitchFamily="49" charset="0"/>
                 <a:cs typeface="Arial" pitchFamily="34" charset="0"/>
               </a:rPr>
               <a:t>aSeq$dnastring</a:t>
             </a:r>
             <a:r>
-              <a:rPr lang="en-US" sz="1400" dirty="0" smtClean="0">
+              <a:rPr lang="en-US" sz="1400" dirty="0">
                 <a:latin typeface="Courier" pitchFamily="49" charset="0"/>
                 <a:cs typeface="Arial" pitchFamily="34" charset="0"/>
               </a:rPr>
@@ -6644,49 +6559,49 @@
           </a:p>
           <a:p>
             <a:r>
-              <a:rPr lang="en-US" sz="1400" dirty="0" smtClean="0">
+              <a:rPr lang="en-US" sz="1400" dirty="0">
                 <a:latin typeface="Courier" pitchFamily="49" charset="0"/>
                 <a:cs typeface="Arial" pitchFamily="34" charset="0"/>
               </a:rPr>
               <a:t>	</a:t>
             </a:r>
             <a:r>
-              <a:rPr lang="en-US" sz="1400" dirty="0" err="1" smtClean="0">
+              <a:rPr lang="en-US" sz="1400" dirty="0" err="1">
                 <a:latin typeface="Courier" pitchFamily="49" charset="0"/>
                 <a:cs typeface="Arial" pitchFamily="34" charset="0"/>
               </a:rPr>
               <a:t>aSeq$sequenceLength</a:t>
             </a:r>
             <a:r>
-              <a:rPr lang="en-US" sz="1400" dirty="0" smtClean="0">
+              <a:rPr lang="en-US" sz="1400" dirty="0">
                 <a:latin typeface="Courier" pitchFamily="49" charset="0"/>
                 <a:cs typeface="Arial" pitchFamily="34" charset="0"/>
               </a:rPr>
               <a:t> &lt;- </a:t>
             </a:r>
             <a:r>
-              <a:rPr lang="en-US" sz="1400" dirty="0" err="1" smtClean="0">
+              <a:rPr lang="en-US" sz="1400" dirty="0" err="1">
                 <a:latin typeface="Courier" pitchFamily="49" charset="0"/>
                 <a:cs typeface="Arial" pitchFamily="34" charset="0"/>
               </a:rPr>
               <a:t>nchar</a:t>
             </a:r>
             <a:r>
-              <a:rPr lang="en-US" sz="1400" dirty="0" smtClean="0">
+              <a:rPr lang="en-US" sz="1400" dirty="0">
                 <a:latin typeface="Courier" pitchFamily="49" charset="0"/>
                 <a:cs typeface="Arial" pitchFamily="34" charset="0"/>
               </a:rPr>
               <a:t>(</a:t>
             </a:r>
             <a:r>
-              <a:rPr lang="en-US" sz="1400" dirty="0" err="1" smtClean="0">
+              <a:rPr lang="en-US" sz="1400" dirty="0" err="1">
                 <a:latin typeface="Courier" pitchFamily="49" charset="0"/>
                 <a:cs typeface="Arial" pitchFamily="34" charset="0"/>
               </a:rPr>
               <a:t>aSeq$dnastring</a:t>
             </a:r>
             <a:r>
-              <a:rPr lang="en-US" sz="1400" dirty="0" smtClean="0">
+              <a:rPr lang="en-US" sz="1400" dirty="0">
                 <a:latin typeface="Courier" pitchFamily="49" charset="0"/>
                 <a:cs typeface="Arial" pitchFamily="34" charset="0"/>
               </a:rPr>
@@ -6695,21 +6610,21 @@
           </a:p>
           <a:p>
             <a:r>
-              <a:rPr lang="en-US" sz="1400" dirty="0" smtClean="0">
+              <a:rPr lang="en-US" sz="1400" dirty="0">
                 <a:latin typeface="Courier" pitchFamily="49" charset="0"/>
                 <a:cs typeface="Arial" pitchFamily="34" charset="0"/>
               </a:rPr>
               <a:t>	return (</a:t>
             </a:r>
             <a:r>
-              <a:rPr lang="en-US" sz="1400" dirty="0" err="1" smtClean="0">
+              <a:rPr lang="en-US" sz="1400" dirty="0" err="1">
                 <a:latin typeface="Courier" pitchFamily="49" charset="0"/>
                 <a:cs typeface="Arial" pitchFamily="34" charset="0"/>
               </a:rPr>
               <a:t>aSeq</a:t>
             </a:r>
             <a:r>
-              <a:rPr lang="en-US" sz="1400" dirty="0" smtClean="0">
+              <a:rPr lang="en-US" sz="1400" dirty="0">
                 <a:latin typeface="Courier" pitchFamily="49" charset="0"/>
                 <a:cs typeface="Arial" pitchFamily="34" charset="0"/>
               </a:rPr>
@@ -6718,7 +6633,7 @@
           </a:p>
           <a:p>
             <a:r>
-              <a:rPr lang="en-US" sz="1400" dirty="0" smtClean="0">
+              <a:rPr lang="en-US" sz="1400" dirty="0">
                 <a:latin typeface="Courier" pitchFamily="49" charset="0"/>
                 <a:cs typeface="Arial" pitchFamily="34" charset="0"/>
               </a:rPr>
@@ -6750,7 +6665,7 @@
           <a:lstStyle/>
           <a:p>
             <a:r>
-              <a:rPr lang="en-US" dirty="0" err="1" smtClean="0"/>
+              <a:rPr lang="en-US" dirty="0" err="1"/>
               <a:t>mySeq</a:t>
             </a:r>
             <a:endParaRPr lang="en-US" dirty="0"/>
@@ -6854,10 +6769,9 @@
           <a:lstStyle/>
           <a:p>
             <a:r>
-              <a:rPr lang="en-US" dirty="0" smtClean="0"/>
+              <a:rPr lang="en-US" dirty="0"/>
               <a:t>list</a:t>
             </a:r>
-            <a:endParaRPr lang="en-US" dirty="0"/>
           </a:p>
         </p:txBody>
       </p:sp>
@@ -6884,10 +6798,9 @@
           <a:lstStyle/>
           <a:p>
             <a:r>
-              <a:rPr lang="en-US" dirty="0" smtClean="0"/>
+              <a:rPr lang="en-US" dirty="0"/>
               <a:t>[1]</a:t>
             </a:r>
-            <a:endParaRPr lang="en-US" dirty="0"/>
           </a:p>
         </p:txBody>
       </p:sp>
@@ -6947,24 +6860,24 @@
           <a:lstStyle/>
           <a:p>
             <a:r>
-              <a:rPr lang="en-US" dirty="0" err="1" smtClean="0"/>
+              <a:rPr lang="en-US" dirty="0" err="1"/>
               <a:t>sequenceName</a:t>
             </a:r>
-            <a:endParaRPr lang="en-US" dirty="0" smtClean="0"/>
-          </a:p>
-          <a:p>
-            <a:r>
-              <a:rPr lang="en-US" dirty="0" err="1" smtClean="0"/>
+            <a:endParaRPr lang="en-US" dirty="0"/>
+          </a:p>
+          <a:p>
+            <a:r>
+              <a:rPr lang="en-US" dirty="0" err="1"/>
               <a:t>dnaString</a:t>
             </a:r>
-            <a:endParaRPr lang="en-US" dirty="0" smtClean="0"/>
-          </a:p>
-          <a:p>
-            <a:r>
-              <a:rPr lang="en-US" dirty="0" err="1" smtClean="0"/>
+            <a:endParaRPr lang="en-US" dirty="0"/>
+          </a:p>
+          <a:p>
+            <a:r>
+              <a:rPr lang="en-US" dirty="0" err="1"/>
               <a:t>sequenceLength</a:t>
             </a:r>
-            <a:endParaRPr lang="en-US" dirty="0" smtClean="0"/>
+            <a:endParaRPr lang="en-US" dirty="0"/>
           </a:p>
         </p:txBody>
       </p:sp>
@@ -7048,16 +6961,15 @@
           <a:lstStyle/>
           <a:p>
             <a:r>
-              <a:rPr lang="en-US" dirty="0" smtClean="0"/>
+              <a:rPr lang="en-US" dirty="0"/>
               <a:t>Name tricks work for vectors as well ….</a:t>
             </a:r>
           </a:p>
           <a:p>
             <a:r>
-              <a:rPr lang="en-US" dirty="0" smtClean="0"/>
+              <a:rPr lang="en-US" dirty="0"/>
               <a:t>(which makes sense because a List is just a vector of vectors !)</a:t>
             </a:r>
-            <a:endParaRPr lang="en-US" dirty="0"/>
           </a:p>
         </p:txBody>
       </p:sp>
@@ -7116,12 +7028,8 @@
           <a:lstStyle/>
           <a:p>
             <a:r>
-              <a:rPr lang="en-US" dirty="0" smtClean="0"/>
-              <a:t>(note the [[ ]] operator </a:t>
-            </a:r>
-            <a:r>
-              <a:rPr lang="en-US" dirty="0" smtClean="0"/>
-              <a:t>)</a:t>
+              <a:rPr lang="en-US" dirty="0"/>
+              <a:t>(note the [[ ]] operator )</a:t>
             </a:r>
           </a:p>
           <a:p>
@@ -7129,16 +7037,15 @@
           </a:p>
           <a:p>
             <a:r>
-              <a:rPr lang="en-US" dirty="0" smtClean="0"/>
+              <a:rPr lang="en-US" dirty="0"/>
               <a:t>(r requires this operator to assign</a:t>
             </a:r>
           </a:p>
           <a:p>
             <a:r>
-              <a:rPr lang="en-US" dirty="0" smtClean="0"/>
+              <a:rPr lang="en-US" dirty="0"/>
               <a:t>vectors of length 1 to lists..)</a:t>
             </a:r>
-            <a:endParaRPr lang="en-US" dirty="0" smtClean="0"/>
           </a:p>
         </p:txBody>
       </p:sp>
@@ -7254,14 +7161,14 @@
           <a:lstStyle/>
           <a:p>
             <a:r>
-              <a:rPr lang="en-US" sz="1400" dirty="0" err="1" smtClean="0">
+              <a:rPr lang="en-US" sz="1400" dirty="0" err="1">
                 <a:latin typeface="Courier" pitchFamily="49" charset="0"/>
                 <a:cs typeface="Arial" pitchFamily="34" charset="0"/>
               </a:rPr>
               <a:t>getASeq</a:t>
             </a:r>
             <a:r>
-              <a:rPr lang="en-US" sz="1400" dirty="0" smtClean="0">
+              <a:rPr lang="en-US" sz="1400" dirty="0">
                 <a:latin typeface="Courier" pitchFamily="49" charset="0"/>
                 <a:cs typeface="Arial" pitchFamily="34" charset="0"/>
               </a:rPr>
@@ -7270,7 +7177,7 @@
           </a:p>
           <a:p>
             <a:r>
-              <a:rPr lang="en-US" sz="1400" dirty="0" smtClean="0">
+              <a:rPr lang="en-US" sz="1400" dirty="0">
                 <a:latin typeface="Courier" pitchFamily="49" charset="0"/>
                 <a:cs typeface="Arial" pitchFamily="34" charset="0"/>
               </a:rPr>
@@ -7279,21 +7186,21 @@
           </a:p>
           <a:p>
             <a:r>
-              <a:rPr lang="en-US" sz="1400" dirty="0" smtClean="0">
+              <a:rPr lang="en-US" sz="1400" dirty="0">
                 <a:latin typeface="Courier" pitchFamily="49" charset="0"/>
                 <a:cs typeface="Arial" pitchFamily="34" charset="0"/>
               </a:rPr>
               <a:t>	</a:t>
             </a:r>
             <a:r>
-              <a:rPr lang="en-US" sz="1400" dirty="0" err="1" smtClean="0">
+              <a:rPr lang="en-US" sz="1400" dirty="0" err="1">
                 <a:latin typeface="Courier" pitchFamily="49" charset="0"/>
                 <a:cs typeface="Arial" pitchFamily="34" charset="0"/>
               </a:rPr>
               <a:t>aSeq</a:t>
             </a:r>
             <a:r>
-              <a:rPr lang="en-US" sz="1400" dirty="0" smtClean="0">
+              <a:rPr lang="en-US" sz="1400" dirty="0">
                 <a:latin typeface="Courier" pitchFamily="49" charset="0"/>
                 <a:cs typeface="Arial" pitchFamily="34" charset="0"/>
               </a:rPr>
@@ -7302,21 +7209,21 @@
           </a:p>
           <a:p>
             <a:r>
-              <a:rPr lang="en-US" sz="1400" dirty="0" smtClean="0">
+              <a:rPr lang="en-US" sz="1400" dirty="0">
                 <a:latin typeface="Courier" pitchFamily="49" charset="0"/>
                 <a:cs typeface="Arial" pitchFamily="34" charset="0"/>
               </a:rPr>
               <a:t>	</a:t>
             </a:r>
             <a:r>
-              <a:rPr lang="en-US" sz="1400" dirty="0" err="1" smtClean="0">
+              <a:rPr lang="en-US" sz="1400" dirty="0" err="1">
                 <a:latin typeface="Courier" pitchFamily="49" charset="0"/>
                 <a:cs typeface="Arial" pitchFamily="34" charset="0"/>
               </a:rPr>
               <a:t>aSeq$sequencename</a:t>
             </a:r>
             <a:r>
-              <a:rPr lang="en-US" sz="1400" dirty="0" smtClean="0">
+              <a:rPr lang="en-US" sz="1400" dirty="0">
                 <a:latin typeface="Courier" pitchFamily="49" charset="0"/>
                 <a:cs typeface="Arial" pitchFamily="34" charset="0"/>
               </a:rPr>
@@ -7325,21 +7232,21 @@
           </a:p>
           <a:p>
             <a:r>
-              <a:rPr lang="en-US" sz="1400" dirty="0" smtClean="0">
+              <a:rPr lang="en-US" sz="1400" dirty="0">
                 <a:latin typeface="Courier" pitchFamily="49" charset="0"/>
                 <a:cs typeface="Arial" pitchFamily="34" charset="0"/>
               </a:rPr>
               <a:t>	</a:t>
             </a:r>
             <a:r>
-              <a:rPr lang="en-US" sz="1400" dirty="0" err="1" smtClean="0">
+              <a:rPr lang="en-US" sz="1400" dirty="0" err="1">
                 <a:latin typeface="Courier" pitchFamily="49" charset="0"/>
                 <a:cs typeface="Arial" pitchFamily="34" charset="0"/>
               </a:rPr>
               <a:t>aSeq$dnastring</a:t>
             </a:r>
             <a:r>
-              <a:rPr lang="en-US" sz="1400" dirty="0" smtClean="0">
+              <a:rPr lang="en-US" sz="1400" dirty="0">
                 <a:latin typeface="Courier" pitchFamily="49" charset="0"/>
                 <a:cs typeface="Arial" pitchFamily="34" charset="0"/>
               </a:rPr>
@@ -7348,49 +7255,49 @@
           </a:p>
           <a:p>
             <a:r>
-              <a:rPr lang="en-US" sz="1400" dirty="0" smtClean="0">
+              <a:rPr lang="en-US" sz="1400" dirty="0">
                 <a:latin typeface="Courier" pitchFamily="49" charset="0"/>
                 <a:cs typeface="Arial" pitchFamily="34" charset="0"/>
               </a:rPr>
               <a:t>	</a:t>
             </a:r>
             <a:r>
-              <a:rPr lang="en-US" sz="1400" dirty="0" err="1" smtClean="0">
+              <a:rPr lang="en-US" sz="1400" dirty="0" err="1">
                 <a:latin typeface="Courier" pitchFamily="49" charset="0"/>
                 <a:cs typeface="Arial" pitchFamily="34" charset="0"/>
               </a:rPr>
               <a:t>aSeq$sequenceLength</a:t>
             </a:r>
             <a:r>
-              <a:rPr lang="en-US" sz="1400" dirty="0" smtClean="0">
+              <a:rPr lang="en-US" sz="1400" dirty="0">
                 <a:latin typeface="Courier" pitchFamily="49" charset="0"/>
                 <a:cs typeface="Arial" pitchFamily="34" charset="0"/>
               </a:rPr>
               <a:t> &lt;- </a:t>
             </a:r>
             <a:r>
-              <a:rPr lang="en-US" sz="1400" dirty="0" err="1" smtClean="0">
+              <a:rPr lang="en-US" sz="1400" dirty="0" err="1">
                 <a:latin typeface="Courier" pitchFamily="49" charset="0"/>
                 <a:cs typeface="Arial" pitchFamily="34" charset="0"/>
               </a:rPr>
               <a:t>nchar</a:t>
             </a:r>
             <a:r>
-              <a:rPr lang="en-US" sz="1400" dirty="0" smtClean="0">
+              <a:rPr lang="en-US" sz="1400" dirty="0">
                 <a:latin typeface="Courier" pitchFamily="49" charset="0"/>
                 <a:cs typeface="Arial" pitchFamily="34" charset="0"/>
               </a:rPr>
               <a:t>(</a:t>
             </a:r>
             <a:r>
-              <a:rPr lang="en-US" sz="1400" dirty="0" err="1" smtClean="0">
+              <a:rPr lang="en-US" sz="1400" dirty="0" err="1">
                 <a:latin typeface="Courier" pitchFamily="49" charset="0"/>
                 <a:cs typeface="Arial" pitchFamily="34" charset="0"/>
               </a:rPr>
               <a:t>aSeq$dnastring</a:t>
             </a:r>
             <a:r>
-              <a:rPr lang="en-US" sz="1400" dirty="0" smtClean="0">
+              <a:rPr lang="en-US" sz="1400" dirty="0">
                 <a:latin typeface="Courier" pitchFamily="49" charset="0"/>
                 <a:cs typeface="Arial" pitchFamily="34" charset="0"/>
               </a:rPr>
@@ -7399,21 +7306,21 @@
           </a:p>
           <a:p>
             <a:r>
-              <a:rPr lang="en-US" sz="1400" dirty="0" smtClean="0">
+              <a:rPr lang="en-US" sz="1400" dirty="0">
                 <a:latin typeface="Courier" pitchFamily="49" charset="0"/>
                 <a:cs typeface="Arial" pitchFamily="34" charset="0"/>
               </a:rPr>
               <a:t>	return (</a:t>
             </a:r>
             <a:r>
-              <a:rPr lang="en-US" sz="1400" dirty="0" err="1" smtClean="0">
+              <a:rPr lang="en-US" sz="1400" dirty="0" err="1">
                 <a:latin typeface="Courier" pitchFamily="49" charset="0"/>
                 <a:cs typeface="Arial" pitchFamily="34" charset="0"/>
               </a:rPr>
               <a:t>aSeq</a:t>
             </a:r>
             <a:r>
-              <a:rPr lang="en-US" sz="1400" dirty="0" smtClean="0">
+              <a:rPr lang="en-US" sz="1400" dirty="0">
                 <a:latin typeface="Courier" pitchFamily="49" charset="0"/>
                 <a:cs typeface="Arial" pitchFamily="34" charset="0"/>
               </a:rPr>
@@ -7422,7 +7329,7 @@
           </a:p>
           <a:p>
             <a:r>
-              <a:rPr lang="en-US" sz="1400" dirty="0" smtClean="0">
+              <a:rPr lang="en-US" sz="1400" dirty="0">
                 <a:latin typeface="Courier" pitchFamily="49" charset="0"/>
                 <a:cs typeface="Arial" pitchFamily="34" charset="0"/>
               </a:rPr>
@@ -7519,10 +7426,9 @@
           <a:lstStyle/>
           <a:p>
             <a:r>
-              <a:rPr lang="en-US" dirty="0" smtClean="0"/>
+              <a:rPr lang="en-US" dirty="0"/>
               <a:t>Return as type “character”</a:t>
             </a:r>
-            <a:endParaRPr lang="en-US" dirty="0"/>
           </a:p>
         </p:txBody>
       </p:sp>
@@ -7582,10 +7488,9 @@
           <a:lstStyle/>
           <a:p>
             <a:r>
-              <a:rPr lang="en-US" dirty="0" smtClean="0"/>
+              <a:rPr lang="en-US" dirty="0"/>
               <a:t>Return as type “character”</a:t>
             </a:r>
-            <a:endParaRPr lang="en-US" dirty="0"/>
           </a:p>
         </p:txBody>
       </p:sp>
@@ -7645,10 +7550,9 @@
           <a:lstStyle/>
           <a:p>
             <a:r>
-              <a:rPr lang="en-US" dirty="0" smtClean="0"/>
+              <a:rPr lang="en-US" dirty="0"/>
               <a:t>Return as a sub list of type “list”</a:t>
             </a:r>
-            <a:endParaRPr lang="en-US" dirty="0"/>
           </a:p>
         </p:txBody>
       </p:sp>
@@ -7675,27 +7579,27 @@
           <a:lstStyle/>
           <a:p>
             <a:r>
-              <a:rPr lang="en-US" dirty="0" smtClean="0"/>
+              <a:rPr lang="en-US" dirty="0"/>
               <a:t>The [] operator returns a sub-list</a:t>
             </a:r>
           </a:p>
           <a:p>
-            <a:endParaRPr lang="en-US" dirty="0" smtClean="0"/>
-          </a:p>
-          <a:p>
-            <a:r>
-              <a:rPr lang="en-US" dirty="0" smtClean="0"/>
+            <a:endParaRPr lang="en-US" dirty="0"/>
+          </a:p>
+          <a:p>
+            <a:r>
+              <a:rPr lang="en-US" dirty="0"/>
               <a:t>The [[]] operator returns </a:t>
             </a:r>
           </a:p>
           <a:p>
             <a:r>
-              <a:rPr lang="en-US" dirty="0" smtClean="0"/>
+              <a:rPr lang="en-US" dirty="0"/>
               <a:t>the requested item cast to type</a:t>
             </a:r>
           </a:p>
           <a:p>
-            <a:endParaRPr lang="en-US" dirty="0" smtClean="0"/>
+            <a:endParaRPr lang="en-US" dirty="0"/>
           </a:p>
           <a:p>
             <a:endParaRPr lang="en-US" dirty="0"/>
@@ -7725,10 +7629,9 @@
           <a:lstStyle/>
           <a:p>
             <a:r>
-              <a:rPr lang="en-US" dirty="0" smtClean="0"/>
+              <a:rPr lang="en-US" dirty="0"/>
               <a:t>Beware the [] vs. [[]] differences !!!</a:t>
             </a:r>
-            <a:endParaRPr lang="en-US" dirty="0"/>
           </a:p>
         </p:txBody>
       </p:sp>
@@ -7778,29 +7681,29 @@
           </a:bodyPr>
           <a:lstStyle/>
           <a:p>
-            <a:endParaRPr lang="en-US" dirty="0" smtClean="0"/>
-          </a:p>
-          <a:p>
-            <a:r>
-              <a:rPr lang="en-US" sz="1400" dirty="0" err="1" smtClean="0">
+            <a:endParaRPr lang="en-US" dirty="0"/>
+          </a:p>
+          <a:p>
+            <a:r>
+              <a:rPr lang="en-US" sz="1400" dirty="0" err="1">
                 <a:latin typeface="Courier" pitchFamily="49" charset="0"/>
               </a:rPr>
               <a:t>randomNumOfTs</a:t>
             </a:r>
             <a:r>
-              <a:rPr lang="en-US" sz="1400" dirty="0" smtClean="0">
+              <a:rPr lang="en-US" sz="1400" dirty="0">
                 <a:latin typeface="Courier" pitchFamily="49" charset="0"/>
               </a:rPr>
               <a:t> &lt;- function(</a:t>
             </a:r>
             <a:r>
-              <a:rPr lang="en-US" sz="1400" dirty="0" err="1" smtClean="0">
+              <a:rPr lang="en-US" sz="1400" dirty="0" err="1">
                 <a:latin typeface="Courier" pitchFamily="49" charset="0"/>
               </a:rPr>
               <a:t>seqName</a:t>
             </a:r>
             <a:r>
-              <a:rPr lang="en-US" sz="1400" dirty="0" smtClean="0">
+              <a:rPr lang="en-US" sz="1400" dirty="0">
                 <a:latin typeface="Courier" pitchFamily="49" charset="0"/>
               </a:rPr>
               <a:t>)</a:t>
@@ -7808,7 +7711,7 @@
           </a:p>
           <a:p>
             <a:r>
-              <a:rPr lang="en-US" sz="1400" dirty="0" smtClean="0">
+              <a:rPr lang="en-US" sz="1400" dirty="0">
                 <a:latin typeface="Courier" pitchFamily="49" charset="0"/>
               </a:rPr>
               <a:t>{</a:t>
@@ -7817,13 +7720,13 @@
           <a:p>
             <a:pPr lvl="1"/>
             <a:r>
-              <a:rPr lang="en-US" sz="1400" dirty="0" err="1" smtClean="0">
+              <a:rPr lang="en-US" sz="1400" dirty="0" err="1">
                 <a:latin typeface="Courier" pitchFamily="49" charset="0"/>
               </a:rPr>
               <a:t>aSeq</a:t>
             </a:r>
             <a:r>
-              <a:rPr lang="en-US" sz="1400" dirty="0" smtClean="0">
+              <a:rPr lang="en-US" sz="1400" dirty="0">
                 <a:latin typeface="Courier" pitchFamily="49" charset="0"/>
               </a:rPr>
               <a:t> &lt;- list()</a:t>
@@ -7832,25 +7735,25 @@
           <a:p>
             <a:pPr lvl="1"/>
             <a:r>
-              <a:rPr lang="en-US" sz="1400" dirty="0" err="1" smtClean="0">
+              <a:rPr lang="en-US" sz="1400" dirty="0" err="1">
                 <a:latin typeface="Courier" pitchFamily="49" charset="0"/>
               </a:rPr>
               <a:t>aSeq$sequencename</a:t>
             </a:r>
             <a:r>
-              <a:rPr lang="en-US" sz="1400" dirty="0" smtClean="0">
+              <a:rPr lang="en-US" sz="1400" dirty="0">
                 <a:latin typeface="Courier" pitchFamily="49" charset="0"/>
               </a:rPr>
               <a:t> &lt;- </a:t>
             </a:r>
             <a:r>
-              <a:rPr lang="en-US" sz="1400" dirty="0" err="1" smtClean="0">
+              <a:rPr lang="en-US" sz="1400" dirty="0" err="1">
                 <a:latin typeface="Courier" pitchFamily="49" charset="0"/>
               </a:rPr>
               <a:t>seqName</a:t>
             </a:r>
             <a:r>
-              <a:rPr lang="en-US" sz="1400" dirty="0" smtClean="0">
+              <a:rPr lang="en-US" sz="1400" dirty="0">
                 <a:latin typeface="Courier" pitchFamily="49" charset="0"/>
               </a:rPr>
               <a:t>;</a:t>
@@ -7858,20 +7761,20 @@
           </a:p>
           <a:p>
             <a:pPr lvl="1"/>
-            <a:endParaRPr lang="en-US" sz="1400" dirty="0" smtClean="0">
+            <a:endParaRPr lang="en-US" sz="1400" dirty="0">
               <a:latin typeface="Courier" pitchFamily="49" charset="0"/>
             </a:endParaRPr>
           </a:p>
           <a:p>
             <a:pPr lvl="1"/>
             <a:r>
-              <a:rPr lang="en-US" sz="1400" dirty="0" err="1" smtClean="0">
+              <a:rPr lang="en-US" sz="1400" dirty="0" err="1">
                 <a:latin typeface="Courier" pitchFamily="49" charset="0"/>
               </a:rPr>
               <a:t>tString</a:t>
             </a:r>
             <a:r>
-              <a:rPr lang="en-US" sz="1400" dirty="0" smtClean="0">
+              <a:rPr lang="en-US" sz="1400" dirty="0">
                 <a:latin typeface="Courier" pitchFamily="49" charset="0"/>
               </a:rPr>
               <a:t> &lt;- "";</a:t>
@@ -7879,26 +7782,26 @@
           </a:p>
           <a:p>
             <a:pPr lvl="1"/>
-            <a:endParaRPr lang="en-US" sz="1400" dirty="0" smtClean="0">
+            <a:endParaRPr lang="en-US" sz="1400" dirty="0">
               <a:latin typeface="Courier" pitchFamily="49" charset="0"/>
             </a:endParaRPr>
           </a:p>
           <a:p>
             <a:pPr lvl="1"/>
             <a:r>
-              <a:rPr lang="en-US" sz="1400" dirty="0" smtClean="0">
+              <a:rPr lang="en-US" sz="1400" dirty="0">
                 <a:latin typeface="Courier" pitchFamily="49" charset="0"/>
               </a:rPr>
               <a:t>for( </a:t>
             </a:r>
             <a:r>
-              <a:rPr lang="en-US" sz="1400" dirty="0" err="1" smtClean="0">
+              <a:rPr lang="en-US" sz="1400" dirty="0" err="1">
                 <a:latin typeface="Courier" pitchFamily="49" charset="0"/>
               </a:rPr>
               <a:t>i</a:t>
             </a:r>
             <a:r>
-              <a:rPr lang="en-US" sz="1400" dirty="0" smtClean="0">
+              <a:rPr lang="en-US" sz="1400" dirty="0">
                 <a:latin typeface="Courier" pitchFamily="49" charset="0"/>
               </a:rPr>
               <a:t> in 1:sample(1:100,1)) </a:t>
@@ -7907,31 +7810,31 @@
           <a:p>
             <a:pPr lvl="1"/>
             <a:r>
-              <a:rPr lang="en-US" sz="1400" dirty="0" smtClean="0">
+              <a:rPr lang="en-US" sz="1400" dirty="0">
                 <a:latin typeface="Courier" pitchFamily="49" charset="0"/>
               </a:rPr>
               <a:t>	</a:t>
             </a:r>
             <a:r>
-              <a:rPr lang="en-US" sz="1400" dirty="0" err="1" smtClean="0">
+              <a:rPr lang="en-US" sz="1400" dirty="0" err="1">
                 <a:latin typeface="Courier" pitchFamily="49" charset="0"/>
               </a:rPr>
               <a:t>tString</a:t>
             </a:r>
             <a:r>
-              <a:rPr lang="en-US" sz="1400" dirty="0" smtClean="0">
+              <a:rPr lang="en-US" sz="1400" dirty="0">
                 <a:latin typeface="Courier" pitchFamily="49" charset="0"/>
               </a:rPr>
               <a:t> &lt;- paste("T", </a:t>
             </a:r>
             <a:r>
-              <a:rPr lang="en-US" sz="1400" dirty="0" err="1" smtClean="0">
+              <a:rPr lang="en-US" sz="1400" dirty="0" err="1">
                 <a:latin typeface="Courier" pitchFamily="49" charset="0"/>
               </a:rPr>
               <a:t>tString</a:t>
             </a:r>
             <a:r>
-              <a:rPr lang="en-US" sz="1400" dirty="0" smtClean="0">
+              <a:rPr lang="en-US" sz="1400" dirty="0">
                 <a:latin typeface="Courier" pitchFamily="49" charset="0"/>
               </a:rPr>
               <a:t>, sep="")</a:t>
@@ -7939,68 +7842,68 @@
           </a:p>
           <a:p>
             <a:pPr lvl="1"/>
-            <a:endParaRPr lang="en-US" sz="1400" dirty="0" smtClean="0">
+            <a:endParaRPr lang="en-US" sz="1400" dirty="0">
               <a:latin typeface="Courier" pitchFamily="49" charset="0"/>
             </a:endParaRPr>
           </a:p>
           <a:p>
             <a:pPr lvl="1"/>
             <a:r>
-              <a:rPr lang="en-US" sz="1400" dirty="0" err="1" smtClean="0">
+              <a:rPr lang="en-US" sz="1400" dirty="0" err="1">
                 <a:latin typeface="Courier" pitchFamily="49" charset="0"/>
               </a:rPr>
               <a:t>aSeq$dnastring</a:t>
             </a:r>
             <a:r>
-              <a:rPr lang="en-US" sz="1400" dirty="0" smtClean="0">
+              <a:rPr lang="en-US" sz="1400" dirty="0">
                 <a:latin typeface="Courier" pitchFamily="49" charset="0"/>
               </a:rPr>
               <a:t> &lt;- </a:t>
             </a:r>
             <a:r>
-              <a:rPr lang="en-US" sz="1400" dirty="0" err="1" smtClean="0">
+              <a:rPr lang="en-US" sz="1400" dirty="0" err="1">
                 <a:latin typeface="Courier" pitchFamily="49" charset="0"/>
               </a:rPr>
               <a:t>tString</a:t>
             </a:r>
-            <a:endParaRPr lang="en-US" sz="1400" dirty="0" smtClean="0">
+            <a:endParaRPr lang="en-US" sz="1400" dirty="0">
               <a:latin typeface="Courier" pitchFamily="49" charset="0"/>
             </a:endParaRPr>
           </a:p>
           <a:p>
             <a:pPr lvl="1"/>
             <a:r>
-              <a:rPr lang="en-US" sz="1400" dirty="0" err="1" smtClean="0">
+              <a:rPr lang="en-US" sz="1400" dirty="0" err="1">
                 <a:latin typeface="Courier" pitchFamily="49" charset="0"/>
               </a:rPr>
               <a:t>aSeq$sequenceLength</a:t>
             </a:r>
             <a:r>
-              <a:rPr lang="en-US" sz="1400" dirty="0" smtClean="0">
+              <a:rPr lang="en-US" sz="1400" dirty="0">
                 <a:latin typeface="Courier" pitchFamily="49" charset="0"/>
               </a:rPr>
               <a:t> &lt;- </a:t>
             </a:r>
             <a:r>
-              <a:rPr lang="en-US" sz="1400" dirty="0" err="1" smtClean="0">
+              <a:rPr lang="en-US" sz="1400" dirty="0" err="1">
                 <a:latin typeface="Courier" pitchFamily="49" charset="0"/>
               </a:rPr>
               <a:t>nchar</a:t>
             </a:r>
             <a:r>
-              <a:rPr lang="en-US" sz="1400" dirty="0" smtClean="0">
+              <a:rPr lang="en-US" sz="1400" dirty="0">
                 <a:latin typeface="Courier" pitchFamily="49" charset="0"/>
               </a:rPr>
               <a:t>(</a:t>
             </a:r>
             <a:r>
-              <a:rPr lang="en-US" sz="1400" dirty="0" err="1" smtClean="0">
+              <a:rPr lang="en-US" sz="1400" dirty="0" err="1">
                 <a:latin typeface="Courier" pitchFamily="49" charset="0"/>
               </a:rPr>
               <a:t>aSeq$dnastring</a:t>
             </a:r>
             <a:r>
-              <a:rPr lang="en-US" sz="1400" dirty="0" smtClean="0">
+              <a:rPr lang="en-US" sz="1400" dirty="0">
                 <a:latin typeface="Courier" pitchFamily="49" charset="0"/>
               </a:rPr>
               <a:t>)</a:t>
@@ -8009,19 +7912,19 @@
           <a:p>
             <a:pPr lvl="1"/>
             <a:r>
-              <a:rPr lang="en-US" sz="1400" dirty="0" smtClean="0">
+              <a:rPr lang="en-US" sz="1400" dirty="0">
                 <a:latin typeface="Courier" pitchFamily="49" charset="0"/>
               </a:rPr>
               <a:t>return (</a:t>
             </a:r>
             <a:r>
-              <a:rPr lang="en-US" sz="1400" dirty="0" err="1" smtClean="0">
+              <a:rPr lang="en-US" sz="1400" dirty="0" err="1">
                 <a:latin typeface="Courier" pitchFamily="49" charset="0"/>
               </a:rPr>
               <a:t>aSeq</a:t>
             </a:r>
             <a:r>
-              <a:rPr lang="en-US" sz="1400" dirty="0" smtClean="0">
+              <a:rPr lang="en-US" sz="1400" dirty="0">
                 <a:latin typeface="Courier" pitchFamily="49" charset="0"/>
               </a:rPr>
               <a:t>)</a:t>
@@ -8029,7 +7932,7 @@
           </a:p>
           <a:p>
             <a:r>
-              <a:rPr lang="en-US" sz="1400" dirty="0" smtClean="0">
+              <a:rPr lang="en-US" sz="1400" dirty="0">
                 <a:latin typeface="Courier" pitchFamily="49" charset="0"/>
               </a:rPr>
               <a:t>}</a:t>
@@ -8060,10 +7963,9 @@
           <a:lstStyle/>
           <a:p>
             <a:r>
-              <a:rPr lang="en-US" sz="1700" dirty="0" smtClean="0"/>
+              <a:rPr lang="en-US" sz="1700" dirty="0"/>
               <a:t>Here is a very inefficient function that returns a sequence with a number of T’s between 1 and 100</a:t>
             </a:r>
-            <a:endParaRPr lang="en-US" sz="1700" dirty="0"/>
           </a:p>
         </p:txBody>
       </p:sp>
@@ -8177,18 +8079,13 @@
           <a:lstStyle/>
           <a:p>
             <a:r>
-              <a:rPr lang="en-US" dirty="0" smtClean="0">
+              <a:rPr lang="en-US" dirty="0">
                 <a:solidFill>
                   <a:srgbClr val="FF0000"/>
                 </a:solidFill>
               </a:rPr>
               <a:t>?paste</a:t>
             </a:r>
-            <a:endParaRPr lang="en-US" dirty="0">
-              <a:solidFill>
-                <a:srgbClr val="FF0000"/>
-              </a:solidFill>
-            </a:endParaRPr>
           </a:p>
         </p:txBody>
       </p:sp>
@@ -8272,68 +8169,68 @@
           <a:lstStyle/>
           <a:p>
             <a:r>
-              <a:rPr lang="en-US" dirty="0" smtClean="0"/>
+              <a:rPr lang="en-US" dirty="0"/>
               <a:t>Reading for the next week:</a:t>
             </a:r>
           </a:p>
           <a:p>
-            <a:endParaRPr lang="en-US" dirty="0" smtClean="0"/>
-          </a:p>
-          <a:p>
-            <a:r>
-              <a:rPr lang="en-US" dirty="0" smtClean="0"/>
+            <a:endParaRPr lang="en-US" dirty="0"/>
+          </a:p>
+          <a:p>
+            <a:r>
+              <a:rPr lang="en-US" dirty="0"/>
               <a:t>	Vassar stats book: Chapter 5 – Chapter 6 </a:t>
             </a:r>
           </a:p>
           <a:p>
             <a:r>
-              <a:rPr lang="en-US" dirty="0" smtClean="0"/>
+              <a:rPr lang="en-US" dirty="0"/>
               <a:t>	(basic concepts of probability through binomial distribution)</a:t>
             </a:r>
           </a:p>
           <a:p>
-            <a:endParaRPr lang="en-US" dirty="0" smtClean="0"/>
-          </a:p>
-          <a:p>
-            <a:r>
-              <a:rPr lang="en-US" dirty="0" smtClean="0"/>
+            <a:endParaRPr lang="en-US" dirty="0"/>
+          </a:p>
+          <a:p>
+            <a:r>
+              <a:rPr lang="en-US" dirty="0"/>
               <a:t>	(or equivalent in your favorite canonical stats book)</a:t>
             </a:r>
           </a:p>
           <a:p>
-            <a:endParaRPr lang="en-US" dirty="0" smtClean="0"/>
-          </a:p>
-          <a:p>
-            <a:r>
-              <a:rPr lang="en-US" dirty="0" smtClean="0"/>
+            <a:endParaRPr lang="en-US" dirty="0"/>
+          </a:p>
+          <a:p>
+            <a:r>
+              <a:rPr lang="en-US" dirty="0"/>
               <a:t>	Art of R programming:</a:t>
             </a:r>
           </a:p>
           <a:p>
             <a:r>
-              <a:rPr lang="en-US" dirty="0" smtClean="0"/>
+              <a:rPr lang="en-US" dirty="0"/>
               <a:t>	Chapter 2 ( Vectors), Chapter 4  (Lists)</a:t>
             </a:r>
           </a:p>
           <a:p>
             <a:r>
-              <a:rPr lang="en-US" dirty="0" smtClean="0"/>
+              <a:rPr lang="en-US" dirty="0"/>
               <a:t>	</a:t>
             </a:r>
           </a:p>
           <a:p>
             <a:r>
-              <a:rPr lang="en-US" dirty="0" smtClean="0"/>
+              <a:rPr lang="en-US" dirty="0"/>
               <a:t>(or equivalent chapters here: </a:t>
             </a:r>
             <a:r>
-              <a:rPr lang="en-US" u="sng" dirty="0" smtClean="0">
+              <a:rPr lang="en-US" u="sng" dirty="0">
                 <a:hlinkClick r:id="rId2"/>
               </a:rPr>
               <a:t>http://heather.cs.ucdavis.edu/~matloff/132/NSPpart.pdf</a:t>
             </a:r>
             <a:r>
-              <a:rPr lang="en-US" dirty="0" smtClean="0"/>
+              <a:rPr lang="en-US" dirty="0"/>
               <a:t>)</a:t>
             </a:r>
           </a:p>
@@ -8385,29 +8282,29 @@
           </a:bodyPr>
           <a:lstStyle/>
           <a:p>
-            <a:endParaRPr lang="en-US" dirty="0" smtClean="0"/>
-          </a:p>
-          <a:p>
-            <a:r>
-              <a:rPr lang="en-US" sz="1400" dirty="0" err="1" smtClean="0">
+            <a:endParaRPr lang="en-US" dirty="0"/>
+          </a:p>
+          <a:p>
+            <a:r>
+              <a:rPr lang="en-US" sz="1400" dirty="0" err="1">
                 <a:latin typeface="Courier" pitchFamily="49" charset="0"/>
               </a:rPr>
               <a:t>getRandomCollection</a:t>
             </a:r>
             <a:r>
-              <a:rPr lang="en-US" sz="1400" dirty="0" smtClean="0">
+              <a:rPr lang="en-US" sz="1400" dirty="0">
                 <a:latin typeface="Courier" pitchFamily="49" charset="0"/>
               </a:rPr>
               <a:t> &lt;- function(</a:t>
             </a:r>
             <a:r>
-              <a:rPr lang="en-US" sz="1400" dirty="0" err="1" smtClean="0">
+              <a:rPr lang="en-US" sz="1400" dirty="0" err="1">
                 <a:latin typeface="Courier" pitchFamily="49" charset="0"/>
               </a:rPr>
               <a:t>numToGet</a:t>
             </a:r>
             <a:r>
-              <a:rPr lang="en-US" sz="1400" dirty="0" smtClean="0">
+              <a:rPr lang="en-US" sz="1400" dirty="0">
                 <a:latin typeface="Courier" pitchFamily="49" charset="0"/>
               </a:rPr>
               <a:t>) </a:t>
@@ -8415,7 +8312,7 @@
           </a:p>
           <a:p>
             <a:r>
-              <a:rPr lang="en-US" sz="1400" dirty="0" smtClean="0">
+              <a:rPr lang="en-US" sz="1400" dirty="0">
                 <a:latin typeface="Courier" pitchFamily="49" charset="0"/>
               </a:rPr>
               <a:t>{</a:t>
@@ -8423,44 +8320,44 @@
           </a:p>
           <a:p>
             <a:r>
-              <a:rPr lang="en-US" sz="1400" dirty="0" smtClean="0">
+              <a:rPr lang="en-US" sz="1400" dirty="0">
                 <a:latin typeface="Courier" pitchFamily="49" charset="0"/>
               </a:rPr>
               <a:t>	</a:t>
             </a:r>
             <a:r>
-              <a:rPr lang="en-US" sz="1400" dirty="0" err="1" smtClean="0">
+              <a:rPr lang="en-US" sz="1400" dirty="0" err="1">
                 <a:latin typeface="Courier" pitchFamily="49" charset="0"/>
               </a:rPr>
               <a:t>returnList</a:t>
             </a:r>
             <a:r>
-              <a:rPr lang="en-US" sz="1400" dirty="0" smtClean="0">
+              <a:rPr lang="en-US" sz="1400" dirty="0">
                 <a:latin typeface="Courier" pitchFamily="49" charset="0"/>
               </a:rPr>
               <a:t> &lt;- list();</a:t>
             </a:r>
           </a:p>
           <a:p>
-            <a:endParaRPr lang="en-US" sz="1400" dirty="0" smtClean="0">
+            <a:endParaRPr lang="en-US" sz="1400" dirty="0">
               <a:latin typeface="Courier" pitchFamily="49" charset="0"/>
             </a:endParaRPr>
           </a:p>
           <a:p>
             <a:r>
-              <a:rPr lang="en-US" sz="1400" dirty="0" smtClean="0">
+              <a:rPr lang="en-US" sz="1400" dirty="0">
                 <a:latin typeface="Courier" pitchFamily="49" charset="0"/>
               </a:rPr>
               <a:t>	if(</a:t>
             </a:r>
             <a:r>
-              <a:rPr lang="en-US" sz="1400" dirty="0" err="1" smtClean="0">
+              <a:rPr lang="en-US" sz="1400" dirty="0" err="1">
                 <a:latin typeface="Courier" pitchFamily="49" charset="0"/>
               </a:rPr>
               <a:t>numToGet</a:t>
             </a:r>
             <a:r>
-              <a:rPr lang="en-US" sz="1400" dirty="0" smtClean="0">
+              <a:rPr lang="en-US" sz="1400" dirty="0">
                 <a:latin typeface="Courier" pitchFamily="49" charset="0"/>
               </a:rPr>
               <a:t> &gt;= 1 ) </a:t>
@@ -8468,7 +8365,7 @@
           </a:p>
           <a:p>
             <a:r>
-              <a:rPr lang="en-US" sz="1400" dirty="0" smtClean="0">
+              <a:rPr lang="en-US" sz="1400" dirty="0">
                 <a:latin typeface="Courier" pitchFamily="49" charset="0"/>
               </a:rPr>
               <a:t>	{</a:t>
@@ -8476,19 +8373,19 @@
           </a:p>
           <a:p>
             <a:r>
-              <a:rPr lang="en-US" sz="1400" dirty="0" smtClean="0">
+              <a:rPr lang="en-US" sz="1400" dirty="0">
                 <a:latin typeface="Courier" pitchFamily="49" charset="0"/>
               </a:rPr>
               <a:t>		for( </a:t>
             </a:r>
             <a:r>
-              <a:rPr lang="en-US" sz="1400" dirty="0" err="1" smtClean="0">
+              <a:rPr lang="en-US" sz="1400" dirty="0" err="1">
                 <a:latin typeface="Courier" pitchFamily="49" charset="0"/>
               </a:rPr>
               <a:t>i</a:t>
             </a:r>
             <a:r>
-              <a:rPr lang="en-US" sz="1400" dirty="0" smtClean="0">
+              <a:rPr lang="en-US" sz="1400" dirty="0">
                 <a:latin typeface="Courier" pitchFamily="49" charset="0"/>
               </a:rPr>
               <a:t> in 1:numToGet) </a:t>
@@ -8496,7 +8393,7 @@
           </a:p>
           <a:p>
             <a:r>
-              <a:rPr lang="en-US" sz="1400" dirty="0" smtClean="0">
+              <a:rPr lang="en-US" sz="1400" dirty="0">
                 <a:latin typeface="Courier" pitchFamily="49" charset="0"/>
               </a:rPr>
               <a:t>		{</a:t>
@@ -8504,67 +8401,67 @@
           </a:p>
           <a:p>
             <a:r>
-              <a:rPr lang="en-US" sz="1400" dirty="0" smtClean="0">
+              <a:rPr lang="en-US" sz="1400" dirty="0">
                 <a:latin typeface="Courier" pitchFamily="49" charset="0"/>
               </a:rPr>
               <a:t>			</a:t>
             </a:r>
             <a:r>
-              <a:rPr lang="en-US" sz="1400" dirty="0" err="1" smtClean="0">
+              <a:rPr lang="en-US" sz="1400" dirty="0" err="1">
                 <a:latin typeface="Courier" pitchFamily="49" charset="0"/>
               </a:rPr>
               <a:t>returnList</a:t>
             </a:r>
             <a:r>
-              <a:rPr lang="en-US" sz="1400" dirty="0" smtClean="0">
+              <a:rPr lang="en-US" sz="1400" dirty="0">
                 <a:latin typeface="Courier" pitchFamily="49" charset="0"/>
               </a:rPr>
               <a:t>[[</a:t>
             </a:r>
             <a:r>
-              <a:rPr lang="en-US" sz="1400" dirty="0" err="1" smtClean="0">
+              <a:rPr lang="en-US" sz="1400" dirty="0" err="1">
                 <a:latin typeface="Courier" pitchFamily="49" charset="0"/>
               </a:rPr>
               <a:t>i</a:t>
             </a:r>
             <a:r>
-              <a:rPr lang="en-US" sz="1400" dirty="0" smtClean="0">
+              <a:rPr lang="en-US" sz="1400" dirty="0">
                 <a:latin typeface="Courier" pitchFamily="49" charset="0"/>
               </a:rPr>
               <a:t>]] &lt;- </a:t>
             </a:r>
             <a:r>
-              <a:rPr lang="en-US" sz="1400" dirty="0" err="1" smtClean="0">
+              <a:rPr lang="en-US" sz="1400" dirty="0" err="1">
                 <a:latin typeface="Courier" pitchFamily="49" charset="0"/>
               </a:rPr>
               <a:t>randomNumOfTs</a:t>
             </a:r>
             <a:r>
-              <a:rPr lang="en-US" sz="1400" dirty="0" smtClean="0">
+              <a:rPr lang="en-US" sz="1400" dirty="0">
                 <a:latin typeface="Courier" pitchFamily="49" charset="0"/>
               </a:rPr>
               <a:t>( paste("</a:t>
             </a:r>
             <a:r>
-              <a:rPr lang="en-US" sz="1400" dirty="0" err="1" smtClean="0">
+              <a:rPr lang="en-US" sz="1400" dirty="0" err="1">
                 <a:latin typeface="Courier" pitchFamily="49" charset="0"/>
               </a:rPr>
               <a:t>Seq</a:t>
             </a:r>
             <a:r>
-              <a:rPr lang="en-US" sz="1400" dirty="0" smtClean="0">
+              <a:rPr lang="en-US" sz="1400" dirty="0">
                 <a:latin typeface="Courier" pitchFamily="49" charset="0"/>
               </a:rPr>
               <a:t>", </a:t>
             </a:r>
             <a:r>
-              <a:rPr lang="en-US" sz="1400" dirty="0" err="1" smtClean="0">
+              <a:rPr lang="en-US" sz="1400" dirty="0" err="1">
                 <a:latin typeface="Courier" pitchFamily="49" charset="0"/>
               </a:rPr>
               <a:t>i,sep</a:t>
             </a:r>
             <a:r>
-              <a:rPr lang="en-US" sz="1400" dirty="0" smtClean="0">
+              <a:rPr lang="en-US" sz="1400" dirty="0">
                 <a:latin typeface="Courier" pitchFamily="49" charset="0"/>
               </a:rPr>
               <a:t>=""));</a:t>
@@ -8572,7 +8469,7 @@
           </a:p>
           <a:p>
             <a:r>
-              <a:rPr lang="en-US" sz="1400" dirty="0" smtClean="0">
+              <a:rPr lang="en-US" sz="1400" dirty="0">
                 <a:latin typeface="Courier" pitchFamily="49" charset="0"/>
               </a:rPr>
               <a:t>		}</a:t>
@@ -8580,32 +8477,32 @@
           </a:p>
           <a:p>
             <a:r>
-              <a:rPr lang="en-US" sz="1400" dirty="0" smtClean="0">
+              <a:rPr lang="en-US" sz="1400" dirty="0">
                 <a:latin typeface="Courier" pitchFamily="49" charset="0"/>
               </a:rPr>
               <a:t>	}</a:t>
             </a:r>
           </a:p>
           <a:p>
-            <a:endParaRPr lang="en-US" sz="1400" dirty="0" smtClean="0">
+            <a:endParaRPr lang="en-US" sz="1400" dirty="0">
               <a:latin typeface="Courier" pitchFamily="49" charset="0"/>
             </a:endParaRPr>
           </a:p>
           <a:p>
             <a:r>
-              <a:rPr lang="en-US" sz="1400" dirty="0" smtClean="0">
+              <a:rPr lang="en-US" sz="1400" dirty="0">
                 <a:latin typeface="Courier" pitchFamily="49" charset="0"/>
               </a:rPr>
               <a:t>	return (</a:t>
             </a:r>
             <a:r>
-              <a:rPr lang="en-US" sz="1400" dirty="0" err="1" smtClean="0">
+              <a:rPr lang="en-US" sz="1400" dirty="0" err="1">
                 <a:latin typeface="Courier" pitchFamily="49" charset="0"/>
               </a:rPr>
               <a:t>returnList</a:t>
             </a:r>
             <a:r>
-              <a:rPr lang="en-US" sz="1400" dirty="0" smtClean="0">
+              <a:rPr lang="en-US" sz="1400" dirty="0">
                 <a:latin typeface="Courier" pitchFamily="49" charset="0"/>
               </a:rPr>
               <a:t>);</a:t>
@@ -8613,7 +8510,7 @@
           </a:p>
           <a:p>
             <a:r>
-              <a:rPr lang="en-US" sz="1400" dirty="0" smtClean="0">
+              <a:rPr lang="en-US" sz="1400" dirty="0">
                 <a:latin typeface="Courier" pitchFamily="49" charset="0"/>
               </a:rPr>
               <a:t>}</a:t>
@@ -8677,36 +8574,19 @@
           <a:lstStyle/>
           <a:p>
             <a:r>
-              <a:rPr lang="en-US" dirty="0" smtClean="0"/>
-              <a:t>Access each element in the underlying list</a:t>
-            </a:r>
-            <a:r>
-              <a:rPr lang="en-US" dirty="0" smtClean="0"/>
-              <a:t>..</a:t>
-            </a:r>
-          </a:p>
-          <a:p>
-            <a:r>
-              <a:rPr lang="en-US" dirty="0" smtClean="0">
+              <a:rPr lang="en-US" dirty="0"/>
+              <a:t>Access each element in the underlying list..</a:t>
+            </a:r>
+          </a:p>
+          <a:p>
+            <a:r>
+              <a:rPr lang="en-US" dirty="0">
                 <a:solidFill>
                   <a:srgbClr val="FF0000"/>
                 </a:solidFill>
               </a:rPr>
-              <a:t>R requires the [[]] operator to assign</a:t>
-            </a:r>
-            <a:r>
-              <a:rPr lang="en-US" dirty="0" smtClean="0">
-                <a:solidFill>
-                  <a:srgbClr val="FF0000"/>
-                </a:solidFill>
-              </a:rPr>
-              <a:t> </a:t>
-            </a:r>
-            <a:endParaRPr lang="en-US" dirty="0">
-              <a:solidFill>
-                <a:srgbClr val="FF0000"/>
-              </a:solidFill>
-            </a:endParaRPr>
+              <a:t>R requires the [[]] operator to assign </a:t>
+            </a:r>
           </a:p>
         </p:txBody>
       </p:sp>
@@ -8733,10 +8613,9 @@
           <a:lstStyle/>
           <a:p>
             <a:r>
-              <a:rPr lang="en-US" dirty="0" smtClean="0"/>
+              <a:rPr lang="en-US" dirty="0"/>
               <a:t>Here we can get a collection of random sequences </a:t>
             </a:r>
-            <a:endParaRPr lang="en-US" dirty="0"/>
           </a:p>
         </p:txBody>
       </p:sp>
@@ -8763,10 +8642,9 @@
           <a:lstStyle/>
           <a:p>
             <a:r>
-              <a:rPr lang="en-US" dirty="0" smtClean="0"/>
+              <a:rPr lang="en-US" dirty="0"/>
               <a:t>list</a:t>
             </a:r>
-            <a:endParaRPr lang="en-US" dirty="0"/>
           </a:p>
         </p:txBody>
       </p:sp>
@@ -8867,10 +8745,9 @@
           <a:lstStyle/>
           <a:p>
             <a:r>
-              <a:rPr lang="en-US" dirty="0" smtClean="0"/>
+              <a:rPr lang="en-US" dirty="0"/>
               <a:t>list</a:t>
             </a:r>
-            <a:endParaRPr lang="en-US" dirty="0"/>
           </a:p>
         </p:txBody>
       </p:sp>
@@ -8897,10 +8774,9 @@
           <a:lstStyle/>
           <a:p>
             <a:r>
-              <a:rPr lang="en-US" dirty="0" smtClean="0"/>
+              <a:rPr lang="en-US" dirty="0"/>
               <a:t>[1]</a:t>
             </a:r>
-            <a:endParaRPr lang="en-US" dirty="0"/>
           </a:p>
         </p:txBody>
       </p:sp>
@@ -8960,24 +8836,24 @@
           <a:lstStyle/>
           <a:p>
             <a:r>
-              <a:rPr lang="en-US" dirty="0" err="1" smtClean="0"/>
+              <a:rPr lang="en-US" dirty="0" err="1"/>
               <a:t>sequenceName</a:t>
             </a:r>
-            <a:endParaRPr lang="en-US" dirty="0" smtClean="0"/>
-          </a:p>
-          <a:p>
-            <a:r>
-              <a:rPr lang="en-US" dirty="0" err="1" smtClean="0"/>
+            <a:endParaRPr lang="en-US" dirty="0"/>
+          </a:p>
+          <a:p>
+            <a:r>
+              <a:rPr lang="en-US" dirty="0" err="1"/>
               <a:t>dnaString</a:t>
             </a:r>
-            <a:endParaRPr lang="en-US" dirty="0" smtClean="0"/>
-          </a:p>
-          <a:p>
-            <a:r>
-              <a:rPr lang="en-US" dirty="0" err="1" smtClean="0"/>
+            <a:endParaRPr lang="en-US" dirty="0"/>
+          </a:p>
+          <a:p>
+            <a:r>
+              <a:rPr lang="en-US" dirty="0" err="1"/>
               <a:t>sequenceLength</a:t>
             </a:r>
-            <a:endParaRPr lang="en-US" dirty="0" smtClean="0"/>
+            <a:endParaRPr lang="en-US" dirty="0"/>
           </a:p>
         </p:txBody>
       </p:sp>
@@ -9045,10 +8921,9 @@
           <a:lstStyle/>
           <a:p>
             <a:r>
-              <a:rPr lang="en-US" dirty="0" smtClean="0"/>
+              <a:rPr lang="en-US" dirty="0"/>
               <a:t>list</a:t>
             </a:r>
-            <a:endParaRPr lang="en-US" dirty="0"/>
           </a:p>
         </p:txBody>
       </p:sp>
@@ -9075,10 +8950,9 @@
           <a:lstStyle/>
           <a:p>
             <a:r>
-              <a:rPr lang="en-US" dirty="0" smtClean="0"/>
+              <a:rPr lang="en-US" dirty="0"/>
               <a:t>[2]</a:t>
             </a:r>
-            <a:endParaRPr lang="en-US" dirty="0"/>
           </a:p>
         </p:txBody>
       </p:sp>
@@ -9138,24 +9012,24 @@
           <a:lstStyle/>
           <a:p>
             <a:r>
-              <a:rPr lang="en-US" dirty="0" err="1" smtClean="0"/>
+              <a:rPr lang="en-US" dirty="0" err="1"/>
               <a:t>sequenceName</a:t>
             </a:r>
-            <a:endParaRPr lang="en-US" dirty="0" smtClean="0"/>
-          </a:p>
-          <a:p>
-            <a:r>
-              <a:rPr lang="en-US" dirty="0" err="1" smtClean="0"/>
+            <a:endParaRPr lang="en-US" dirty="0"/>
+          </a:p>
+          <a:p>
+            <a:r>
+              <a:rPr lang="en-US" dirty="0" err="1"/>
               <a:t>dnaString</a:t>
             </a:r>
-            <a:endParaRPr lang="en-US" dirty="0" smtClean="0"/>
-          </a:p>
-          <a:p>
-            <a:r>
-              <a:rPr lang="en-US" dirty="0" err="1" smtClean="0"/>
+            <a:endParaRPr lang="en-US" dirty="0"/>
+          </a:p>
+          <a:p>
+            <a:r>
+              <a:rPr lang="en-US" dirty="0" err="1"/>
               <a:t>sequenceLength</a:t>
             </a:r>
-            <a:endParaRPr lang="en-US" dirty="0" smtClean="0"/>
+            <a:endParaRPr lang="en-US" dirty="0"/>
           </a:p>
         </p:txBody>
       </p:sp>
@@ -9256,10 +9130,9 @@
           <a:lstStyle/>
           <a:p>
             <a:r>
-              <a:rPr lang="en-US" dirty="0" smtClean="0"/>
+              <a:rPr lang="en-US" dirty="0"/>
               <a:t>list</a:t>
             </a:r>
-            <a:endParaRPr lang="en-US" dirty="0"/>
           </a:p>
         </p:txBody>
       </p:sp>
@@ -9286,10 +9159,9 @@
           <a:lstStyle/>
           <a:p>
             <a:r>
-              <a:rPr lang="en-US" dirty="0" smtClean="0"/>
+              <a:rPr lang="en-US" dirty="0"/>
               <a:t>[3]</a:t>
             </a:r>
-            <a:endParaRPr lang="en-US" dirty="0"/>
           </a:p>
         </p:txBody>
       </p:sp>
@@ -9349,24 +9221,24 @@
           <a:lstStyle/>
           <a:p>
             <a:r>
-              <a:rPr lang="en-US" dirty="0" err="1" smtClean="0"/>
+              <a:rPr lang="en-US" dirty="0" err="1"/>
               <a:t>sequenceName</a:t>
             </a:r>
-            <a:endParaRPr lang="en-US" dirty="0" smtClean="0"/>
-          </a:p>
-          <a:p>
-            <a:r>
-              <a:rPr lang="en-US" dirty="0" err="1" smtClean="0"/>
+            <a:endParaRPr lang="en-US" dirty="0"/>
+          </a:p>
+          <a:p>
+            <a:r>
+              <a:rPr lang="en-US" dirty="0" err="1"/>
               <a:t>dnaString</a:t>
             </a:r>
-            <a:endParaRPr lang="en-US" dirty="0" smtClean="0"/>
-          </a:p>
-          <a:p>
-            <a:r>
-              <a:rPr lang="en-US" dirty="0" err="1" smtClean="0"/>
+            <a:endParaRPr lang="en-US" dirty="0"/>
+          </a:p>
+          <a:p>
+            <a:r>
+              <a:rPr lang="en-US" dirty="0" err="1"/>
               <a:t>sequenceLength</a:t>
             </a:r>
-            <a:endParaRPr lang="en-US" dirty="0" smtClean="0"/>
+            <a:endParaRPr lang="en-US" dirty="0"/>
           </a:p>
         </p:txBody>
       </p:sp>
@@ -9426,10 +9298,9 @@
           <a:lstStyle/>
           <a:p>
             <a:r>
-              <a:rPr lang="en-US" smtClean="0"/>
+              <a:rPr lang="en-US"/>
               <a:t>…….</a:t>
             </a:r>
-            <a:endParaRPr lang="en-US"/>
           </a:p>
         </p:txBody>
       </p:sp>
@@ -9497,10 +9368,9 @@
           <a:lstStyle/>
           <a:p>
             <a:r>
-              <a:rPr lang="en-US" dirty="0" smtClean="0"/>
+              <a:rPr lang="en-US" dirty="0"/>
               <a:t>list</a:t>
             </a:r>
-            <a:endParaRPr lang="en-US" dirty="0"/>
           </a:p>
         </p:txBody>
       </p:sp>
@@ -9527,18 +9397,17 @@
           <a:lstStyle/>
           <a:p>
             <a:r>
-              <a:rPr lang="en-US" dirty="0" smtClean="0"/>
+              <a:rPr lang="en-US" dirty="0"/>
               <a:t>[</a:t>
             </a:r>
             <a:r>
-              <a:rPr lang="en-US" dirty="0" err="1" smtClean="0"/>
+              <a:rPr lang="en-US" dirty="0" err="1"/>
               <a:t>numToGet</a:t>
             </a:r>
             <a:r>
-              <a:rPr lang="en-US" dirty="0" smtClean="0"/>
+              <a:rPr lang="en-US" dirty="0"/>
               <a:t>]</a:t>
             </a:r>
-            <a:endParaRPr lang="en-US" dirty="0"/>
           </a:p>
         </p:txBody>
       </p:sp>
@@ -9598,24 +9467,24 @@
           <a:lstStyle/>
           <a:p>
             <a:r>
-              <a:rPr lang="en-US" dirty="0" err="1" smtClean="0"/>
+              <a:rPr lang="en-US" dirty="0" err="1"/>
               <a:t>sequenceName</a:t>
             </a:r>
-            <a:endParaRPr lang="en-US" dirty="0" smtClean="0"/>
-          </a:p>
-          <a:p>
-            <a:r>
-              <a:rPr lang="en-US" dirty="0" err="1" smtClean="0"/>
+            <a:endParaRPr lang="en-US" dirty="0"/>
+          </a:p>
+          <a:p>
+            <a:r>
+              <a:rPr lang="en-US" dirty="0" err="1"/>
               <a:t>dnaString</a:t>
             </a:r>
-            <a:endParaRPr lang="en-US" dirty="0" smtClean="0"/>
-          </a:p>
-          <a:p>
-            <a:r>
-              <a:rPr lang="en-US" dirty="0" err="1" smtClean="0"/>
+            <a:endParaRPr lang="en-US" dirty="0"/>
+          </a:p>
+          <a:p>
+            <a:r>
+              <a:rPr lang="en-US" dirty="0" err="1"/>
               <a:t>sequenceLength</a:t>
             </a:r>
-            <a:endParaRPr lang="en-US" dirty="0" smtClean="0"/>
+            <a:endParaRPr lang="en-US" dirty="0"/>
           </a:p>
         </p:txBody>
       </p:sp>
@@ -9642,18 +9511,17 @@
           <a:lstStyle/>
           <a:p>
             <a:r>
-              <a:rPr lang="en-US" dirty="0" smtClean="0"/>
+              <a:rPr lang="en-US" dirty="0"/>
               <a:t>(a rough equivalent to List&lt;</a:t>
             </a:r>
             <a:r>
-              <a:rPr lang="en-US" dirty="0" err="1" smtClean="0"/>
+              <a:rPr lang="en-US" dirty="0" err="1"/>
               <a:t>DnaSequence</a:t>
             </a:r>
             <a:r>
-              <a:rPr lang="en-US" dirty="0" smtClean="0"/>
+              <a:rPr lang="en-US" dirty="0"/>
               <a:t>&gt; in a language like Java…)</a:t>
             </a:r>
-            <a:endParaRPr lang="en-US" dirty="0"/>
           </a:p>
         </p:txBody>
       </p:sp>
@@ -9770,14 +9638,9 @@
           <a:lstStyle/>
           <a:p>
             <a:r>
-              <a:rPr lang="en-US" dirty="0" smtClean="0"/>
-              <a:t>Using the [[]] operator </a:t>
-            </a:r>
-            <a:r>
-              <a:rPr lang="en-US" dirty="0" smtClean="0"/>
-              <a:t>gets the list our function put in</a:t>
-            </a:r>
-            <a:endParaRPr lang="en-US" dirty="0"/>
+              <a:rPr lang="en-US" dirty="0"/>
+              <a:t>Using the [[]] operator gets the list our function put in</a:t>
+            </a:r>
           </a:p>
         </p:txBody>
       </p:sp>
@@ -9837,11 +9700,11 @@
           <a:lstStyle/>
           <a:p>
             <a:r>
-              <a:rPr lang="en-US" dirty="0" smtClean="0"/>
+              <a:rPr lang="en-US" dirty="0"/>
               <a:t>Using the [] operator gets a </a:t>
             </a:r>
             <a:r>
-              <a:rPr lang="en-US" dirty="0" smtClean="0">
+              <a:rPr lang="en-US" dirty="0">
                 <a:solidFill>
                   <a:srgbClr val="FF0000"/>
                 </a:solidFill>
@@ -9849,32 +9712,23 @@
               <a:t>new</a:t>
             </a:r>
             <a:r>
-              <a:rPr lang="en-US" dirty="0" smtClean="0"/>
-              <a:t> list containing the list </a:t>
-            </a:r>
-            <a:r>
-              <a:rPr lang="en-US" dirty="0" smtClean="0"/>
-              <a:t>we </a:t>
-            </a:r>
-            <a:r>
-              <a:rPr lang="en-US" dirty="0" smtClean="0"/>
-              <a:t>put in</a:t>
-            </a:r>
-          </a:p>
-          <a:p>
-            <a:r>
-              <a:rPr lang="en-US" dirty="0" smtClean="0"/>
+              <a:rPr lang="en-US" dirty="0"/>
+              <a:t> list containing the list we put in</a:t>
+            </a:r>
+          </a:p>
+          <a:p>
+            <a:r>
+              <a:rPr lang="en-US" dirty="0"/>
               <a:t>(that new list does not have a type $</a:t>
             </a:r>
             <a:r>
-              <a:rPr lang="en-US" dirty="0" err="1" smtClean="0"/>
+              <a:rPr lang="en-US" dirty="0" err="1"/>
               <a:t>sequenceName</a:t>
             </a:r>
             <a:r>
-              <a:rPr lang="en-US" dirty="0" smtClean="0"/>
+              <a:rPr lang="en-US" dirty="0"/>
               <a:t> at the top level )</a:t>
             </a:r>
-            <a:endParaRPr lang="en-US" dirty="0"/>
           </a:p>
         </p:txBody>
       </p:sp>
@@ -10023,10 +9877,9 @@
           <a:lstStyle/>
           <a:p>
             <a:r>
-              <a:rPr lang="en-US" dirty="0" smtClean="0"/>
+              <a:rPr lang="en-US" dirty="0"/>
               <a:t>The list we put in (length=3)</a:t>
             </a:r>
-            <a:endParaRPr lang="en-US" dirty="0"/>
           </a:p>
         </p:txBody>
       </p:sp>
@@ -10086,10 +9939,9 @@
           <a:lstStyle/>
           <a:p>
             <a:r>
-              <a:rPr lang="en-US" dirty="0" smtClean="0"/>
+              <a:rPr lang="en-US" dirty="0"/>
               <a:t>A new list containing the list we put in (length=1)</a:t>
             </a:r>
-            <a:endParaRPr lang="en-US" dirty="0"/>
           </a:p>
         </p:txBody>
       </p:sp>
@@ -10149,10 +10001,9 @@
           <a:lstStyle/>
           <a:p>
             <a:r>
-              <a:rPr lang="en-US" dirty="0" smtClean="0"/>
+              <a:rPr lang="en-US" dirty="0"/>
               <a:t>The list we put in (length=3)</a:t>
             </a:r>
-            <a:endParaRPr lang="en-US" dirty="0"/>
           </a:p>
         </p:txBody>
       </p:sp>
@@ -10212,10 +10063,9 @@
           <a:lstStyle/>
           <a:p>
             <a:r>
-              <a:rPr lang="en-US" dirty="0" smtClean="0"/>
+              <a:rPr lang="en-US" dirty="0"/>
               <a:t>A list containing the list we put in (length=1)</a:t>
             </a:r>
-            <a:endParaRPr lang="en-US" dirty="0"/>
           </a:p>
         </p:txBody>
       </p:sp>
@@ -10275,18 +10125,9 @@
           <a:lstStyle/>
           <a:p>
             <a:r>
-              <a:rPr lang="en-US" dirty="0" smtClean="0"/>
-              <a:t>Ok. </a:t>
-            </a:r>
-            <a:r>
-              <a:rPr lang="en-US" dirty="0" smtClean="0"/>
-              <a:t>A new </a:t>
-            </a:r>
-            <a:r>
-              <a:rPr lang="en-US" dirty="0" smtClean="0"/>
-              <a:t>list containing sequences 2-5  </a:t>
-            </a:r>
-            <a:endParaRPr lang="en-US" dirty="0"/>
+              <a:rPr lang="en-US" dirty="0"/>
+              <a:t>Ok. A new list containing sequences 2-5  </a:t>
+            </a:r>
           </a:p>
         </p:txBody>
       </p:sp>
@@ -10346,10 +10187,9 @@
           <a:lstStyle/>
           <a:p>
             <a:r>
-              <a:rPr lang="en-US" dirty="0" smtClean="0"/>
+              <a:rPr lang="en-US" dirty="0"/>
               <a:t>R can’t interpret this</a:t>
             </a:r>
-            <a:endParaRPr lang="en-US" dirty="0"/>
           </a:p>
         </p:txBody>
       </p:sp>
@@ -10441,10 +10281,9 @@
           <a:lstStyle/>
           <a:p>
             <a:r>
-              <a:rPr lang="en-US" dirty="0" smtClean="0"/>
+              <a:rPr lang="en-US" dirty="0"/>
               <a:t>A not helpful error message!</a:t>
             </a:r>
-            <a:endParaRPr lang="en-US" dirty="0"/>
           </a:p>
         </p:txBody>
       </p:sp>
@@ -10471,10 +10310,9 @@
           <a:lstStyle/>
           <a:p>
             <a:r>
-              <a:rPr lang="en-US" dirty="0" smtClean="0"/>
+              <a:rPr lang="en-US" dirty="0"/>
               <a:t>Again:  [] vs. [[]] is confusing….</a:t>
             </a:r>
-            <a:endParaRPr lang="en-US" dirty="0"/>
           </a:p>
         </p:txBody>
       </p:sp>
@@ -10623,10 +10461,9 @@
           <a:lstStyle/>
           <a:p>
             <a:r>
-              <a:rPr lang="en-US" dirty="0" smtClean="0"/>
+              <a:rPr lang="en-US" dirty="0"/>
               <a:t>Our two sequence “objects”</a:t>
             </a:r>
-            <a:endParaRPr lang="en-US" dirty="0"/>
           </a:p>
         </p:txBody>
       </p:sp>
@@ -10686,10 +10523,9 @@
           <a:lstStyle/>
           <a:p>
             <a:r>
-              <a:rPr lang="en-US" dirty="0" smtClean="0"/>
+              <a:rPr lang="en-US" dirty="0"/>
               <a:t>The first sequence </a:t>
             </a:r>
-            <a:endParaRPr lang="en-US" dirty="0"/>
           </a:p>
         </p:txBody>
       </p:sp>
@@ -10776,11 +10612,11 @@
           <a:lstStyle/>
           <a:p>
             <a:r>
-              <a:rPr lang="en-US" dirty="0" smtClean="0"/>
+              <a:rPr lang="en-US" dirty="0"/>
               <a:t>The three elements of the first sequence </a:t>
             </a:r>
             <a:r>
-              <a:rPr lang="en-US" dirty="0" smtClean="0">
+              <a:rPr lang="en-US" dirty="0">
                 <a:solidFill>
                   <a:srgbClr val="FF0000"/>
                 </a:solidFill>
@@ -10788,10 +10624,9 @@
               <a:t>as vectors</a:t>
             </a:r>
             <a:r>
-              <a:rPr lang="en-US" dirty="0" smtClean="0"/>
+              <a:rPr lang="en-US" dirty="0"/>
               <a:t>…</a:t>
             </a:r>
-            <a:endParaRPr lang="en-US" dirty="0"/>
           </a:p>
         </p:txBody>
       </p:sp>
@@ -10850,10 +10685,9 @@
           <a:lstStyle/>
           <a:p>
             <a:r>
-              <a:rPr lang="en-US" dirty="0" smtClean="0"/>
+              <a:rPr lang="en-US" dirty="0"/>
               <a:t>Again:  [] vs. [[]] is confusing….</a:t>
             </a:r>
-            <a:endParaRPr lang="en-US" dirty="0"/>
           </a:p>
         </p:txBody>
       </p:sp>
@@ -11029,11 +10863,11 @@
           <a:lstStyle/>
           <a:p>
             <a:r>
-              <a:rPr lang="en-US" dirty="0" smtClean="0"/>
-              <a:t>The three elements of the first sequences </a:t>
-            </a:r>
-            <a:r>
-              <a:rPr lang="en-US" dirty="0" smtClean="0">
+              <a:rPr lang="en-US" dirty="0"/>
+              <a:t>The three elements of the first sequence </a:t>
+            </a:r>
+            <a:r>
+              <a:rPr lang="en-US" dirty="0">
                 <a:solidFill>
                   <a:srgbClr val="FF0000"/>
                 </a:solidFill>
@@ -11043,11 +10877,11 @@
           </a:p>
           <a:p>
             <a:r>
-              <a:rPr lang="en-US" dirty="0" smtClean="0"/>
+              <a:rPr lang="en-US" dirty="0"/>
               <a:t>each </a:t>
             </a:r>
             <a:r>
-              <a:rPr lang="en-US" dirty="0" smtClean="0">
+              <a:rPr lang="en-US" dirty="0">
                 <a:solidFill>
                   <a:srgbClr val="FF0000"/>
                 </a:solidFill>
@@ -11055,11 +10889,11 @@
               <a:t>containing</a:t>
             </a:r>
             <a:r>
-              <a:rPr lang="en-US" dirty="0" smtClean="0"/>
+              <a:rPr lang="en-US" dirty="0"/>
               <a:t> a </a:t>
             </a:r>
             <a:r>
-              <a:rPr lang="en-US" dirty="0" smtClean="0">
+              <a:rPr lang="en-US" dirty="0">
                 <a:solidFill>
                   <a:srgbClr val="FF0000"/>
                 </a:solidFill>
@@ -11067,10 +10901,9 @@
               <a:t>single</a:t>
             </a:r>
             <a:r>
-              <a:rPr lang="en-US" dirty="0" smtClean="0"/>
+              <a:rPr lang="en-US" dirty="0"/>
               <a:t> vector</a:t>
             </a:r>
-            <a:endParaRPr lang="en-US" dirty="0"/>
           </a:p>
         </p:txBody>
       </p:sp>
@@ -11278,13 +11111,13 @@
           <a:lstStyle/>
           <a:p>
             <a:r>
-              <a:rPr lang="en-US" dirty="0" smtClean="0"/>
+              <a:rPr lang="en-US" dirty="0"/>
               <a:t>The first sequence as a new list of length 1</a:t>
             </a:r>
           </a:p>
           <a:p>
             <a:r>
-              <a:rPr lang="en-US" dirty="0" smtClean="0"/>
+              <a:rPr lang="en-US" dirty="0"/>
               <a:t>containing the original list that has the three vectors!</a:t>
             </a:r>
           </a:p>
@@ -11462,13 +11295,13 @@
           <a:lstStyle/>
           <a:p>
             <a:r>
-              <a:rPr lang="en-US" dirty="0" smtClean="0"/>
+              <a:rPr lang="en-US" dirty="0"/>
               <a:t>The first sequence as a new list of length 1</a:t>
             </a:r>
           </a:p>
           <a:p>
             <a:r>
-              <a:rPr lang="en-US" dirty="0" smtClean="0"/>
+              <a:rPr lang="en-US" dirty="0"/>
               <a:t>containing the original list that has the three vectors!</a:t>
             </a:r>
           </a:p>
@@ -11661,20 +11494,15 @@
           <a:lstStyle/>
           <a:p>
             <a:r>
-              <a:rPr lang="en-US" dirty="0" smtClean="0"/>
+              <a:rPr lang="en-US" dirty="0"/>
               <a:t>Conclusion: You can fight you way through this,</a:t>
             </a:r>
           </a:p>
           <a:p>
             <a:r>
-              <a:rPr lang="en-US" dirty="0" smtClean="0"/>
-              <a:t>	</a:t>
-            </a:r>
-            <a:r>
-              <a:rPr lang="en-US" dirty="0" smtClean="0"/>
-              <a:t>but you may wish to avoid complex data structures in R</a:t>
-            </a:r>
-            <a:endParaRPr lang="en-US" dirty="0"/>
+              <a:rPr lang="en-US" dirty="0"/>
+              <a:t>	but you may wish to avoid complex data structures in R</a:t>
+            </a:r>
           </a:p>
         </p:txBody>
       </p:sp>
@@ -11726,16 +11554,12 @@
           <a:lstStyle/>
           <a:p>
             <a:r>
-              <a:rPr lang="en-US" dirty="0" smtClean="0">
+              <a:rPr lang="en-US" dirty="0">
                 <a:latin typeface="Arial" pitchFamily="34" charset="0"/>
                 <a:cs typeface="Arial" pitchFamily="34" charset="0"/>
               </a:rPr>
               <a:t>These examples do not reflect good design decisions in R!</a:t>
             </a:r>
-            <a:endParaRPr lang="en-US" dirty="0">
-              <a:latin typeface="Arial" pitchFamily="34" charset="0"/>
-              <a:cs typeface="Arial" pitchFamily="34" charset="0"/>
-            </a:endParaRPr>
           </a:p>
         </p:txBody>
       </p:sp>
@@ -11793,10 +11617,9 @@
           <a:lstStyle/>
           <a:p>
             <a:r>
-              <a:rPr lang="en-US" dirty="0" smtClean="0"/>
+              <a:rPr lang="en-US" dirty="0"/>
               <a:t>http://www.burns-stat.com/documents/books/the-r-inferno/</a:t>
             </a:r>
-            <a:endParaRPr lang="en-US" dirty="0"/>
           </a:p>
         </p:txBody>
       </p:sp>
@@ -11823,10 +11646,9 @@
           <a:lstStyle/>
           <a:p>
             <a:r>
-              <a:rPr lang="en-US" dirty="0" smtClean="0"/>
+              <a:rPr lang="en-US" dirty="0"/>
               <a:t>(we won’t be covering this book this semester, but it is certainly worth a look…)</a:t>
             </a:r>
-            <a:endParaRPr lang="en-US" dirty="0"/>
           </a:p>
         </p:txBody>
       </p:sp>
@@ -11887,44 +11709,39 @@
           <a:lstStyle/>
           <a:p>
             <a:r>
-              <a:rPr lang="en-US" dirty="0" smtClean="0"/>
+              <a:rPr lang="en-US" dirty="0"/>
               <a:t>Lists in R</a:t>
             </a:r>
           </a:p>
           <a:p>
             <a:r>
-              <a:rPr lang="en-US" dirty="0" smtClean="0"/>
+              <a:rPr lang="en-US" dirty="0"/>
               <a:t>R is not a high-performance language</a:t>
             </a:r>
           </a:p>
           <a:p>
             <a:r>
-              <a:rPr lang="en-US" dirty="0" smtClean="0"/>
-              <a:t>Theoretical </a:t>
-            </a:r>
-            <a:r>
-              <a:rPr lang="en-US" dirty="0" smtClean="0"/>
-              <a:t>distributions</a:t>
-            </a:r>
-          </a:p>
-          <a:p>
-            <a:r>
-              <a:rPr lang="en-US" dirty="0" smtClean="0"/>
+              <a:rPr lang="en-US" dirty="0"/>
+              <a:t>Theoretical distributions</a:t>
+            </a:r>
+          </a:p>
+          <a:p>
+            <a:r>
+              <a:rPr lang="en-US" dirty="0"/>
               <a:t>The Uniform distribution</a:t>
             </a:r>
           </a:p>
           <a:p>
             <a:r>
-              <a:rPr lang="en-US" dirty="0" smtClean="0"/>
+              <a:rPr lang="en-US" dirty="0"/>
               <a:t>Mean and SD on discrete theoretical distributions</a:t>
             </a:r>
           </a:p>
           <a:p>
             <a:r>
-              <a:rPr lang="en-US" dirty="0" smtClean="0"/>
+              <a:rPr lang="en-US" dirty="0"/>
               <a:t>The law of large numbers</a:t>
             </a:r>
-            <a:endParaRPr lang="en-US" dirty="0"/>
           </a:p>
         </p:txBody>
       </p:sp>
@@ -12020,42 +11837,33 @@
           <a:lstStyle/>
           <a:p>
             <a:r>
-              <a:rPr lang="en-US" dirty="0" smtClean="0"/>
+              <a:rPr lang="en-US" dirty="0"/>
               <a:t>Lists in R</a:t>
             </a:r>
           </a:p>
           <a:p>
             <a:r>
-              <a:rPr lang="en-US" dirty="0" smtClean="0"/>
-              <a:t>R is not a high-performance </a:t>
-            </a:r>
-            <a:r>
-              <a:rPr lang="en-US" dirty="0" smtClean="0"/>
-              <a:t>language</a:t>
-            </a:r>
-          </a:p>
-          <a:p>
-            <a:r>
-              <a:rPr lang="en-US" dirty="0" smtClean="0"/>
-              <a:t>The </a:t>
-            </a:r>
-            <a:r>
-              <a:rPr lang="en-US" dirty="0" smtClean="0"/>
-              <a:t>Uniform distribution</a:t>
-            </a:r>
-          </a:p>
-          <a:p>
-            <a:r>
-              <a:rPr lang="en-US" dirty="0" smtClean="0"/>
+              <a:rPr lang="en-US" dirty="0"/>
+              <a:t>R is not a high-performance language</a:t>
+            </a:r>
+          </a:p>
+          <a:p>
+            <a:r>
+              <a:rPr lang="en-US" dirty="0"/>
+              <a:t>The Uniform distribution</a:t>
+            </a:r>
+          </a:p>
+          <a:p>
+            <a:r>
+              <a:rPr lang="en-US" dirty="0"/>
               <a:t>Mean and SD on discrete theoretical distributions</a:t>
             </a:r>
           </a:p>
           <a:p>
             <a:r>
-              <a:rPr lang="en-US" dirty="0" smtClean="0"/>
+              <a:rPr lang="en-US" dirty="0"/>
               <a:t>The law of large numbers</a:t>
             </a:r>
-            <a:endParaRPr lang="en-US" dirty="0"/>
           </a:p>
         </p:txBody>
       </p:sp>
@@ -12099,13 +11907,6 @@
   <p:clrMapOvr>
     <a:masterClrMapping/>
   </p:clrMapOvr>
-  <p:timing>
-    <p:tnLst>
-      <p:par>
-        <p:cTn id="1" dur="indefinite" restart="never" nodeType="tmRoot"/>
-      </p:par>
-    </p:tnLst>
-  </p:timing>
 </p:sld>
 </file>
 
@@ -12214,10 +12015,9 @@
           <a:lstStyle/>
           <a:p>
             <a:r>
-              <a:rPr lang="en-US" dirty="0" smtClean="0"/>
+              <a:rPr lang="en-US" dirty="0"/>
               <a:t>Open up an input stream for reading</a:t>
             </a:r>
-            <a:endParaRPr lang="en-US" dirty="0"/>
           </a:p>
         </p:txBody>
       </p:sp>
@@ -12277,10 +12077,9 @@
           <a:lstStyle/>
           <a:p>
             <a:r>
-              <a:rPr lang="en-US" dirty="0" smtClean="0"/>
+              <a:rPr lang="en-US" dirty="0"/>
               <a:t>Read one line</a:t>
             </a:r>
-            <a:endParaRPr lang="en-US" dirty="0"/>
           </a:p>
         </p:txBody>
       </p:sp>
@@ -12340,10 +12139,9 @@
           <a:lstStyle/>
           <a:p>
             <a:r>
-              <a:rPr lang="en-US" dirty="0" smtClean="0"/>
+              <a:rPr lang="en-US" dirty="0"/>
               <a:t>Read the first character</a:t>
             </a:r>
-            <a:endParaRPr lang="en-US" dirty="0"/>
           </a:p>
         </p:txBody>
       </p:sp>
@@ -12403,16 +12201,15 @@
           <a:lstStyle/>
           <a:p>
             <a:r>
-              <a:rPr lang="en-US" dirty="0" smtClean="0"/>
+              <a:rPr lang="en-US" dirty="0"/>
               <a:t>Add our new sequence</a:t>
             </a:r>
           </a:p>
           <a:p>
             <a:r>
-              <a:rPr lang="en-US" dirty="0" smtClean="0"/>
+              <a:rPr lang="en-US" dirty="0"/>
               <a:t>to the end of the list</a:t>
             </a:r>
-            <a:endParaRPr lang="en-US" dirty="0"/>
           </a:p>
         </p:txBody>
       </p:sp>
@@ -12439,10 +12236,9 @@
           <a:lstStyle/>
           <a:p>
             <a:r>
-              <a:rPr lang="en-US" dirty="0" smtClean="0"/>
+              <a:rPr lang="en-US" dirty="0"/>
               <a:t>Append each line of the sequence</a:t>
             </a:r>
-            <a:endParaRPr lang="en-US" dirty="0"/>
           </a:p>
         </p:txBody>
       </p:sp>
@@ -12502,18 +12298,17 @@
           <a:lstStyle/>
           <a:p>
             <a:r>
-              <a:rPr lang="en-US" dirty="0" smtClean="0"/>
+              <a:rPr lang="en-US" dirty="0"/>
               <a:t>Any ideas why this would be </a:t>
             </a:r>
             <a:r>
-              <a:rPr lang="en-US" dirty="0" err="1" smtClean="0"/>
+              <a:rPr lang="en-US" dirty="0" err="1"/>
               <a:t>unusably</a:t>
             </a:r>
             <a:r>
-              <a:rPr lang="en-US" dirty="0" smtClean="0"/>
+              <a:rPr lang="en-US" dirty="0"/>
               <a:t> slow?</a:t>
             </a:r>
-            <a:endParaRPr lang="en-US" dirty="0"/>
           </a:p>
         </p:txBody>
       </p:sp>
@@ -12540,18 +12335,17 @@
           <a:lstStyle/>
           <a:p>
             <a:r>
-              <a:rPr lang="en-US" dirty="0" smtClean="0"/>
+              <a:rPr lang="en-US" dirty="0"/>
               <a:t>A (slow) </a:t>
             </a:r>
             <a:r>
-              <a:rPr lang="en-US" dirty="0" err="1" smtClean="0"/>
+              <a:rPr lang="en-US" dirty="0" err="1"/>
               <a:t>Fasta</a:t>
             </a:r>
             <a:r>
-              <a:rPr lang="en-US" dirty="0" smtClean="0"/>
+              <a:rPr lang="en-US" dirty="0"/>
               <a:t> parser…</a:t>
             </a:r>
-            <a:endParaRPr lang="en-US" dirty="0"/>
           </a:p>
         </p:txBody>
       </p:sp>
@@ -12603,10 +12397,9 @@
           <a:lstStyle/>
           <a:p>
             <a:r>
-              <a:rPr lang="en-US" dirty="0" smtClean="0"/>
+              <a:rPr lang="en-US" dirty="0"/>
               <a:t>By default, every R function makes a copy of the input data structures.</a:t>
             </a:r>
-            <a:endParaRPr lang="en-US" dirty="0"/>
           </a:p>
         </p:txBody>
       </p:sp>
@@ -12632,23 +12425,23 @@
           <a:lstStyle/>
           <a:p>
             <a:r>
-              <a:rPr lang="en-US" dirty="0" err="1" smtClean="0"/>
+              <a:rPr lang="en-US" dirty="0" err="1"/>
               <a:t>seqs</a:t>
             </a:r>
             <a:r>
-              <a:rPr lang="en-US" dirty="0" smtClean="0"/>
+              <a:rPr lang="en-US" dirty="0"/>
               <a:t>[[length(</a:t>
             </a:r>
             <a:r>
-              <a:rPr lang="en-US" dirty="0" err="1" smtClean="0"/>
+              <a:rPr lang="en-US" dirty="0" err="1"/>
               <a:t>seqs</a:t>
             </a:r>
             <a:r>
-              <a:rPr lang="en-US" dirty="0" smtClean="0"/>
+              <a:rPr lang="en-US" dirty="0"/>
               <a:t>)+1]] &lt;- </a:t>
             </a:r>
             <a:r>
-              <a:rPr lang="en-US" dirty="0" err="1" smtClean="0"/>
+              <a:rPr lang="en-US" dirty="0" err="1"/>
               <a:t>aSeq</a:t>
             </a:r>
             <a:endParaRPr lang="en-US" dirty="0"/>
@@ -12678,10 +12471,9 @@
           <a:lstStyle/>
           <a:p>
             <a:r>
-              <a:rPr lang="en-US" dirty="0" smtClean="0"/>
+              <a:rPr lang="en-US" dirty="0"/>
               <a:t>This line:</a:t>
             </a:r>
-            <a:endParaRPr lang="en-US" dirty="0"/>
           </a:p>
         </p:txBody>
       </p:sp>
@@ -12708,10 +12500,9 @@
           <a:lstStyle/>
           <a:p>
             <a:r>
-              <a:rPr lang="en-US" dirty="0" smtClean="0"/>
+              <a:rPr lang="en-US" dirty="0"/>
               <a:t>makes a copy of the entire list and then adds one to the end…</a:t>
             </a:r>
-            <a:endParaRPr lang="en-US" dirty="0"/>
           </a:p>
         </p:txBody>
       </p:sp>
@@ -12738,18 +12529,17 @@
           <a:lstStyle/>
           <a:p>
             <a:r>
-              <a:rPr lang="en-US" dirty="0" smtClean="0"/>
+              <a:rPr lang="en-US" dirty="0"/>
               <a:t>Equivalent to Java’s “</a:t>
             </a:r>
             <a:r>
-              <a:rPr lang="en-US" dirty="0" err="1" smtClean="0"/>
+              <a:rPr lang="en-US" dirty="0" err="1"/>
               <a:t>CopyOnWriteArrayList</a:t>
             </a:r>
             <a:r>
-              <a:rPr lang="en-US" dirty="0" smtClean="0"/>
+              <a:rPr lang="en-US" dirty="0"/>
               <a:t>”</a:t>
             </a:r>
-            <a:endParaRPr lang="en-US" dirty="0"/>
           </a:p>
         </p:txBody>
       </p:sp>
@@ -12776,22 +12566,21 @@
           <a:lstStyle/>
           <a:p>
             <a:r>
-              <a:rPr lang="en-US" dirty="0" smtClean="0"/>
+              <a:rPr lang="en-US" dirty="0"/>
               <a:t>You can try and work around this, pre-allocate the list, etc, etc.</a:t>
             </a:r>
           </a:p>
           <a:p>
             <a:r>
-              <a:rPr lang="en-US" dirty="0" smtClean="0"/>
+              <a:rPr lang="en-US" dirty="0"/>
               <a:t>But a better solution is to write the parser is some other language and</a:t>
             </a:r>
           </a:p>
           <a:p>
             <a:r>
-              <a:rPr lang="en-US" dirty="0" smtClean="0"/>
+              <a:rPr lang="en-US" dirty="0"/>
               <a:t>import into R as a native method…</a:t>
             </a:r>
-            <a:endParaRPr lang="en-US" dirty="0"/>
           </a:p>
         </p:txBody>
       </p:sp>
@@ -12852,44 +12641,39 @@
           <a:lstStyle/>
           <a:p>
             <a:r>
-              <a:rPr lang="en-US" dirty="0" smtClean="0"/>
+              <a:rPr lang="en-US" dirty="0"/>
               <a:t>Lists in R</a:t>
             </a:r>
           </a:p>
           <a:p>
             <a:r>
-              <a:rPr lang="en-US" dirty="0" smtClean="0"/>
+              <a:rPr lang="en-US" dirty="0"/>
               <a:t>R is not a high-performance language</a:t>
             </a:r>
           </a:p>
           <a:p>
             <a:r>
-              <a:rPr lang="en-US" dirty="0" smtClean="0"/>
-              <a:t>Theoretical </a:t>
-            </a:r>
-            <a:r>
-              <a:rPr lang="en-US" dirty="0" smtClean="0"/>
-              <a:t>distributions</a:t>
-            </a:r>
-          </a:p>
-          <a:p>
-            <a:r>
-              <a:rPr lang="en-US" dirty="0" smtClean="0"/>
+              <a:rPr lang="en-US" dirty="0"/>
+              <a:t>Theoretical distributions</a:t>
+            </a:r>
+          </a:p>
+          <a:p>
+            <a:r>
+              <a:rPr lang="en-US" dirty="0"/>
               <a:t>The Uniform distribution</a:t>
             </a:r>
           </a:p>
           <a:p>
             <a:r>
-              <a:rPr lang="en-US" dirty="0" smtClean="0"/>
+              <a:rPr lang="en-US" dirty="0"/>
               <a:t>Mean and SD on discrete theoretical distributions</a:t>
             </a:r>
           </a:p>
           <a:p>
             <a:r>
-              <a:rPr lang="en-US" dirty="0" smtClean="0"/>
+              <a:rPr lang="en-US" dirty="0"/>
               <a:t>The law of large numbers</a:t>
             </a:r>
-            <a:endParaRPr lang="en-US" dirty="0"/>
           </a:p>
         </p:txBody>
       </p:sp>
@@ -12976,33 +12760,33 @@
           <a:lstStyle/>
           <a:p>
             <a:r>
-              <a:rPr lang="en-US" dirty="0" smtClean="0"/>
+              <a:rPr lang="en-US" dirty="0"/>
               <a:t>A theoretical distribution is a mathematical description of what we expect to see in</a:t>
             </a:r>
           </a:p>
           <a:p>
             <a:r>
-              <a:rPr lang="en-US" dirty="0" smtClean="0"/>
+              <a:rPr lang="en-US" dirty="0"/>
               <a:t>a series of observations…</a:t>
             </a:r>
           </a:p>
           <a:p>
-            <a:endParaRPr lang="en-US" dirty="0" smtClean="0"/>
-          </a:p>
-          <a:p>
-            <a:r>
-              <a:rPr lang="en-US" dirty="0" smtClean="0"/>
+            <a:endParaRPr lang="en-US" dirty="0"/>
+          </a:p>
+          <a:p>
+            <a:r>
+              <a:rPr lang="en-US" dirty="0"/>
               <a:t>The most famous distribution is the normal distribution;</a:t>
             </a:r>
           </a:p>
           <a:p>
-            <a:endParaRPr lang="en-US" dirty="0" smtClean="0"/>
-          </a:p>
-          <a:p>
-            <a:endParaRPr lang="en-US" dirty="0" smtClean="0"/>
-          </a:p>
-          <a:p>
-            <a:endParaRPr lang="en-US" dirty="0" smtClean="0"/>
+            <a:endParaRPr lang="en-US" dirty="0"/>
+          </a:p>
+          <a:p>
+            <a:endParaRPr lang="en-US" dirty="0"/>
+          </a:p>
+          <a:p>
+            <a:endParaRPr lang="en-US" dirty="0"/>
           </a:p>
         </p:txBody>
       </p:sp>
@@ -13060,10 +12844,9 @@
           <a:lstStyle/>
           <a:p>
             <a:r>
-              <a:rPr lang="en-US" dirty="0" smtClean="0"/>
+              <a:rPr lang="en-US" dirty="0"/>
               <a:t>http://vassarstats.net/textbook/</a:t>
             </a:r>
-            <a:endParaRPr lang="en-US" dirty="0"/>
           </a:p>
         </p:txBody>
       </p:sp>
@@ -13090,19 +12873,18 @@
           <a:lstStyle/>
           <a:p>
             <a:r>
-              <a:rPr lang="en-US" dirty="0" smtClean="0"/>
+              <a:rPr lang="en-US" dirty="0"/>
               <a:t>Likely familiar from your previous stats. Class</a:t>
             </a:r>
           </a:p>
           <a:p>
-            <a:endParaRPr lang="en-US" dirty="0" smtClean="0"/>
-          </a:p>
-          <a:p>
-            <a:r>
-              <a:rPr lang="en-US" dirty="0" smtClean="0"/>
+            <a:endParaRPr lang="en-US" dirty="0"/>
+          </a:p>
+          <a:p>
+            <a:r>
+              <a:rPr lang="en-US" dirty="0"/>
               <a:t>We will get there soon…</a:t>
             </a:r>
-            <a:endParaRPr lang="en-US" dirty="0"/>
           </a:p>
         </p:txBody>
       </p:sp>
@@ -13154,21 +12936,21 @@
           <a:lstStyle/>
           <a:p>
             <a:r>
-              <a:rPr lang="en-US" dirty="0" smtClean="0"/>
+              <a:rPr lang="en-US" dirty="0"/>
               <a:t>But we will start with the Uniform distribution.</a:t>
             </a:r>
           </a:p>
           <a:p>
-            <a:endParaRPr lang="en-US" dirty="0" smtClean="0"/>
-          </a:p>
-          <a:p>
-            <a:r>
-              <a:rPr lang="en-US" dirty="0" smtClean="0"/>
+            <a:endParaRPr lang="en-US" dirty="0"/>
+          </a:p>
+          <a:p>
+            <a:r>
+              <a:rPr lang="en-US" dirty="0"/>
               <a:t>The Uniform distribution is what is sampled when you call on Java’s Random number generator</a:t>
             </a:r>
           </a:p>
           <a:p>
-            <a:endParaRPr lang="en-US" dirty="0" smtClean="0"/>
+            <a:endParaRPr lang="en-US" dirty="0"/>
           </a:p>
         </p:txBody>
       </p:sp>
@@ -13195,18 +12977,17 @@
           <a:lstStyle/>
           <a:p>
             <a:r>
-              <a:rPr lang="en-US" dirty="0" smtClean="0"/>
+              <a:rPr lang="en-US" dirty="0"/>
               <a:t>When we call </a:t>
             </a:r>
             <a:r>
-              <a:rPr lang="en-US" dirty="0" err="1" smtClean="0"/>
+              <a:rPr lang="en-US" dirty="0" err="1"/>
               <a:t>random.nextFloat</a:t>
             </a:r>
             <a:r>
-              <a:rPr lang="en-US" dirty="0" smtClean="0"/>
+              <a:rPr lang="en-US" dirty="0"/>
               <a:t>() we are sampling the Uniform distribution from an interval of 0 and 1</a:t>
             </a:r>
-            <a:endParaRPr lang="en-US" dirty="0"/>
           </a:p>
         </p:txBody>
       </p:sp>
@@ -13387,18 +13168,17 @@
           <a:lstStyle/>
           <a:p>
             <a:r>
-              <a:rPr lang="en-US" dirty="0" smtClean="0"/>
+              <a:rPr lang="en-US" dirty="0"/>
               <a:t>When we call </a:t>
             </a:r>
             <a:r>
-              <a:rPr lang="en-US" dirty="0" err="1" smtClean="0"/>
+              <a:rPr lang="en-US" dirty="0" err="1"/>
               <a:t>random.nextFloat</a:t>
             </a:r>
             <a:r>
-              <a:rPr lang="en-US" dirty="0" smtClean="0"/>
+              <a:rPr lang="en-US" dirty="0"/>
               <a:t>() we are sampling the Uniform distribution from an interval of 0 and 1</a:t>
             </a:r>
-            <a:endParaRPr lang="en-US" dirty="0"/>
           </a:p>
         </p:txBody>
       </p:sp>
@@ -13482,18 +13262,17 @@
           <a:lstStyle/>
           <a:p>
             <a:r>
-              <a:rPr lang="en-US" dirty="0" smtClean="0"/>
+              <a:rPr lang="en-US" dirty="0"/>
               <a:t>We can use R to investigate the results of calling </a:t>
             </a:r>
             <a:r>
-              <a:rPr lang="en-US" dirty="0" err="1" smtClean="0"/>
+              <a:rPr lang="en-US" dirty="0" err="1"/>
               <a:t>nextFloat</a:t>
             </a:r>
             <a:r>
-              <a:rPr lang="en-US" dirty="0" smtClean="0"/>
+              <a:rPr lang="en-US" dirty="0"/>
               <a:t>()</a:t>
             </a:r>
-            <a:endParaRPr lang="en-US" dirty="0"/>
           </a:p>
         </p:txBody>
       </p:sp>
@@ -13552,76 +13331,76 @@
           <a:lstStyle/>
           <a:p>
             <a:r>
-              <a:rPr lang="en-US" dirty="0" err="1" smtClean="0"/>
+              <a:rPr lang="en-US" dirty="0" err="1"/>
               <a:t>myTable</a:t>
             </a:r>
             <a:r>
-              <a:rPr lang="en-US" dirty="0" smtClean="0"/>
+              <a:rPr lang="en-US" dirty="0"/>
               <a:t> – reads our file and returns</a:t>
             </a:r>
           </a:p>
           <a:p>
             <a:r>
-              <a:rPr lang="en-US" dirty="0" smtClean="0"/>
+              <a:rPr lang="en-US" dirty="0"/>
               <a:t>a </a:t>
             </a:r>
             <a:r>
-              <a:rPr lang="en-US" dirty="0" err="1" smtClean="0"/>
+              <a:rPr lang="en-US" dirty="0" err="1"/>
               <a:t>DataFrame</a:t>
             </a:r>
             <a:r>
-              <a:rPr lang="en-US" dirty="0" smtClean="0"/>
+              <a:rPr lang="en-US" dirty="0"/>
               <a:t>.</a:t>
             </a:r>
           </a:p>
           <a:p>
-            <a:endParaRPr lang="en-US" dirty="0" smtClean="0"/>
-          </a:p>
-          <a:p>
-            <a:r>
-              <a:rPr lang="en-US" dirty="0" smtClean="0"/>
+            <a:endParaRPr lang="en-US" dirty="0"/>
+          </a:p>
+          <a:p>
+            <a:r>
+              <a:rPr lang="en-US" dirty="0"/>
               <a:t>A </a:t>
             </a:r>
             <a:r>
-              <a:rPr lang="en-US" dirty="0" err="1" smtClean="0"/>
+              <a:rPr lang="en-US" dirty="0" err="1"/>
               <a:t>DataFrame</a:t>
             </a:r>
             <a:r>
-              <a:rPr lang="en-US" dirty="0" smtClean="0"/>
+              <a:rPr lang="en-US" dirty="0"/>
               <a:t> in R is a set of vectors</a:t>
             </a:r>
           </a:p>
           <a:p>
             <a:r>
-              <a:rPr lang="en-US" dirty="0" smtClean="0"/>
+              <a:rPr lang="en-US" dirty="0"/>
               <a:t>(like a spreadsheet).</a:t>
             </a:r>
           </a:p>
           <a:p>
-            <a:endParaRPr lang="en-US" dirty="0" smtClean="0"/>
-          </a:p>
-          <a:p>
-            <a:r>
-              <a:rPr lang="en-US" dirty="0" smtClean="0"/>
+            <a:endParaRPr lang="en-US" dirty="0"/>
+          </a:p>
+          <a:p>
+            <a:r>
+              <a:rPr lang="en-US" dirty="0"/>
               <a:t>In this case, we only have one vector</a:t>
             </a:r>
           </a:p>
           <a:p>
             <a:r>
-              <a:rPr lang="en-US" dirty="0" smtClean="0"/>
+              <a:rPr lang="en-US" dirty="0"/>
               <a:t>of type double.</a:t>
             </a:r>
           </a:p>
           <a:p>
-            <a:endParaRPr lang="en-US" dirty="0" smtClean="0"/>
-          </a:p>
-          <a:p>
-            <a:r>
-              <a:rPr lang="en-US" dirty="0" err="1" smtClean="0"/>
+            <a:endParaRPr lang="en-US" dirty="0"/>
+          </a:p>
+          <a:p>
+            <a:r>
+              <a:rPr lang="en-US" dirty="0" err="1"/>
               <a:t>str</a:t>
             </a:r>
             <a:r>
-              <a:rPr lang="en-US" dirty="0" smtClean="0"/>
+              <a:rPr lang="en-US" dirty="0"/>
               <a:t>() asks R for the structure of an Object</a:t>
             </a:r>
           </a:p>
@@ -13650,16 +13429,15 @@
           <a:lstStyle/>
           <a:p>
             <a:r>
-              <a:rPr lang="en-US" dirty="0" smtClean="0"/>
+              <a:rPr lang="en-US" dirty="0"/>
               <a:t>The uniform distribution means that any value between</a:t>
             </a:r>
           </a:p>
           <a:p>
             <a:r>
-              <a:rPr lang="en-US" dirty="0" smtClean="0"/>
+              <a:rPr lang="en-US" dirty="0"/>
               <a:t>0 and 1 is equally likely</a:t>
             </a:r>
-            <a:endParaRPr lang="en-US" dirty="0"/>
           </a:p>
         </p:txBody>
       </p:sp>
@@ -13711,39 +13489,39 @@
           <a:lstStyle/>
           <a:p>
             <a:r>
-              <a:rPr lang="en-US" dirty="0" smtClean="0"/>
+              <a:rPr lang="en-US" dirty="0"/>
               <a:t>We can define a probability density function (</a:t>
             </a:r>
             <a:r>
-              <a:rPr lang="en-US" dirty="0" err="1" smtClean="0"/>
+              <a:rPr lang="en-US" dirty="0" err="1"/>
               <a:t>pdf</a:t>
             </a:r>
             <a:r>
-              <a:rPr lang="en-US" dirty="0" smtClean="0"/>
+              <a:rPr lang="en-US" dirty="0"/>
               <a:t>) for the uniform distribution.</a:t>
             </a:r>
           </a:p>
           <a:p>
             <a:r>
-              <a:rPr lang="en-US" dirty="0" smtClean="0"/>
+              <a:rPr lang="en-US" dirty="0"/>
               <a:t>Chapter 3 of “Doing Bayesian analysis” by </a:t>
             </a:r>
             <a:r>
-              <a:rPr lang="en-US" dirty="0" err="1" smtClean="0"/>
+              <a:rPr lang="en-US" dirty="0" err="1"/>
               <a:t>Kruschke</a:t>
             </a:r>
             <a:r>
-              <a:rPr lang="en-US" dirty="0" smtClean="0"/>
+              <a:rPr lang="en-US" dirty="0"/>
               <a:t> has a nice description of </a:t>
             </a:r>
             <a:r>
-              <a:rPr lang="en-US" dirty="0" err="1" smtClean="0"/>
+              <a:rPr lang="en-US" dirty="0" err="1"/>
               <a:t>pdf’s</a:t>
             </a:r>
-            <a:endParaRPr lang="en-US" dirty="0" smtClean="0"/>
-          </a:p>
-          <a:p>
-            <a:endParaRPr lang="en-US" dirty="0" smtClean="0"/>
+            <a:endParaRPr lang="en-US" dirty="0"/>
+          </a:p>
+          <a:p>
+            <a:endParaRPr lang="en-US" dirty="0"/>
           </a:p>
           <a:p>
             <a:endParaRPr lang="en-US" dirty="0"/>
@@ -13837,30 +13615,29 @@
           <a:lstStyle/>
           <a:p>
             <a:r>
-              <a:rPr lang="en-US" dirty="0" smtClean="0"/>
+              <a:rPr lang="en-US" dirty="0"/>
               <a:t>A PDF is a “sponge” with an area set to 1;</a:t>
             </a:r>
           </a:p>
           <a:p>
             <a:r>
-              <a:rPr lang="en-US" dirty="0" smtClean="0"/>
+              <a:rPr lang="en-US" dirty="0"/>
               <a:t>The shape of the </a:t>
             </a:r>
             <a:r>
-              <a:rPr lang="en-US" dirty="0" err="1" smtClean="0"/>
+              <a:rPr lang="en-US" dirty="0" err="1"/>
               <a:t>the</a:t>
             </a:r>
             <a:r>
-              <a:rPr lang="en-US" dirty="0" smtClean="0"/>
+              <a:rPr lang="en-US" dirty="0"/>
               <a:t> “sponge” tells you</a:t>
             </a:r>
           </a:p>
           <a:p>
             <a:r>
-              <a:rPr lang="en-US" dirty="0" smtClean="0"/>
+              <a:rPr lang="en-US" dirty="0"/>
               <a:t>the probability of seeing different values</a:t>
             </a:r>
-            <a:endParaRPr lang="en-US" dirty="0"/>
           </a:p>
         </p:txBody>
       </p:sp>
@@ -13912,10 +13689,9 @@
           <a:lstStyle/>
           <a:p>
             <a:r>
-              <a:rPr lang="en-US" dirty="0" smtClean="0"/>
+              <a:rPr lang="en-US" dirty="0"/>
               <a:t>The Uniform distribution has a very boring probability density function..  </a:t>
             </a:r>
-            <a:endParaRPr lang="en-US" dirty="0"/>
           </a:p>
         </p:txBody>
       </p:sp>
@@ -14006,10 +13782,9 @@
           <a:lstStyle/>
           <a:p>
             <a:r>
-              <a:rPr lang="en-US" dirty="0" smtClean="0"/>
+              <a:rPr lang="en-US" dirty="0"/>
               <a:t>Again, we sample uniformly between 0 and 1</a:t>
             </a:r>
-            <a:endParaRPr lang="en-US" dirty="0"/>
           </a:p>
         </p:txBody>
       </p:sp>
@@ -14061,18 +13836,17 @@
           <a:lstStyle/>
           <a:p>
             <a:r>
-              <a:rPr lang="en-US" dirty="0" smtClean="0"/>
+              <a:rPr lang="en-US" dirty="0"/>
               <a:t>Here we made use of </a:t>
             </a:r>
             <a:r>
-              <a:rPr lang="en-US" dirty="0" err="1" smtClean="0"/>
+              <a:rPr lang="en-US" dirty="0" err="1"/>
               <a:t>dunif</a:t>
             </a:r>
             <a:r>
-              <a:rPr lang="en-US" dirty="0" smtClean="0"/>
+              <a:rPr lang="en-US" dirty="0"/>
               <a:t>(…)</a:t>
             </a:r>
-            <a:endParaRPr lang="en-US" dirty="0"/>
           </a:p>
         </p:txBody>
       </p:sp>
@@ -14131,21 +13905,21 @@
           <a:lstStyle/>
           <a:p>
             <a:r>
-              <a:rPr lang="en-US" dirty="0" smtClean="0"/>
+              <a:rPr lang="en-US" dirty="0"/>
               <a:t>Given a vector x, return the probability density of that vector from the Uniform distribution.</a:t>
             </a:r>
           </a:p>
           <a:p>
             <a:r>
-              <a:rPr lang="en-US" dirty="0" smtClean="0"/>
+              <a:rPr lang="en-US" dirty="0"/>
               <a:t>(</a:t>
             </a:r>
             <a:r>
-              <a:rPr lang="en-US" dirty="0" err="1" smtClean="0"/>
+              <a:rPr lang="en-US" dirty="0" err="1"/>
               <a:t>dunif</a:t>
             </a:r>
             <a:r>
-              <a:rPr lang="en-US" dirty="0" smtClean="0"/>
+              <a:rPr lang="en-US" dirty="0"/>
               <a:t> is vector in/vector out)</a:t>
             </a:r>
           </a:p>
@@ -14199,19 +13973,19 @@
           <a:lstStyle/>
           <a:p>
             <a:r>
-              <a:rPr lang="en-US" dirty="0" smtClean="0"/>
+              <a:rPr lang="en-US" dirty="0"/>
               <a:t>Last time, we used the very nice </a:t>
             </a:r>
             <a:r>
-              <a:rPr lang="en-US" dirty="0" err="1" smtClean="0"/>
+              <a:rPr lang="en-US" dirty="0" err="1"/>
               <a:t>readFasta</a:t>
             </a:r>
             <a:r>
-              <a:rPr lang="en-US" dirty="0" smtClean="0"/>
+              <a:rPr lang="en-US" dirty="0"/>
               <a:t> function from </a:t>
             </a:r>
             <a:r>
-              <a:rPr lang="en-US" dirty="0" err="1" smtClean="0"/>
+              <a:rPr lang="en-US" dirty="0" err="1"/>
               <a:t>BioConductor</a:t>
             </a:r>
             <a:endParaRPr lang="en-US" dirty="0"/>
@@ -14287,13 +14061,6 @@
   <p:clrMapOvr>
     <a:masterClrMapping/>
   </p:clrMapOvr>
-  <p:timing>
-    <p:tnLst>
-      <p:par>
-        <p:cTn id="1" dur="indefinite" restart="never" nodeType="tmRoot"/>
-      </p:par>
-    </p:tnLst>
-  </p:timing>
 </p:sld>
 </file>
 
@@ -14337,10 +14104,9 @@
           <a:lstStyle/>
           <a:p>
             <a:r>
-              <a:rPr lang="en-US" dirty="0" smtClean="0"/>
+              <a:rPr lang="en-US" dirty="0"/>
               <a:t>We can also define a cumulative distribution function.</a:t>
             </a:r>
-            <a:endParaRPr lang="en-US" dirty="0"/>
           </a:p>
         </p:txBody>
       </p:sp>
@@ -14398,10 +14164,9 @@
           <a:lstStyle/>
           <a:p>
             <a:r>
-              <a:rPr lang="en-US" dirty="0" smtClean="0"/>
+              <a:rPr lang="en-US" dirty="0"/>
               <a:t>http://en.wikipedia.org/wiki/Cumulative_distribution_function</a:t>
             </a:r>
-            <a:endParaRPr lang="en-US" dirty="0"/>
           </a:p>
         </p:txBody>
       </p:sp>
@@ -14517,18 +14282,17 @@
           <a:lstStyle/>
           <a:p>
             <a:r>
-              <a:rPr lang="en-US" dirty="0" smtClean="0"/>
+              <a:rPr lang="en-US" dirty="0"/>
               <a:t>This is given by </a:t>
             </a:r>
             <a:r>
-              <a:rPr lang="en-US" dirty="0" err="1" smtClean="0"/>
+              <a:rPr lang="en-US" dirty="0" err="1"/>
               <a:t>punif</a:t>
             </a:r>
             <a:r>
-              <a:rPr lang="en-US" dirty="0" smtClean="0"/>
+              <a:rPr lang="en-US" dirty="0"/>
               <a:t>..</a:t>
             </a:r>
-            <a:endParaRPr lang="en-US" dirty="0"/>
           </a:p>
         </p:txBody>
       </p:sp>
@@ -14612,28 +14376,27 @@
           <a:lstStyle/>
           <a:p>
             <a:r>
-              <a:rPr lang="en-US" dirty="0" smtClean="0"/>
+              <a:rPr lang="en-US" dirty="0"/>
               <a:t>20% of the time, I expect to see 0.2 or less</a:t>
             </a:r>
           </a:p>
           <a:p>
-            <a:endParaRPr lang="en-US" dirty="0" smtClean="0"/>
-          </a:p>
-          <a:p>
-            <a:r>
-              <a:rPr lang="en-US" dirty="0" smtClean="0"/>
+            <a:endParaRPr lang="en-US" dirty="0"/>
+          </a:p>
+          <a:p>
+            <a:r>
+              <a:rPr lang="en-US" dirty="0"/>
               <a:t>50% of the time, I expect to see 0.5 or less.</a:t>
             </a:r>
           </a:p>
           <a:p>
-            <a:endParaRPr lang="en-US" dirty="0" smtClean="0"/>
-          </a:p>
-          <a:p>
-            <a:r>
-              <a:rPr lang="en-US" dirty="0" smtClean="0"/>
+            <a:endParaRPr lang="en-US" dirty="0"/>
+          </a:p>
+          <a:p>
+            <a:r>
+              <a:rPr lang="en-US" dirty="0"/>
               <a:t>70% of the time, I expect to see 0.7 or less..</a:t>
             </a:r>
-            <a:endParaRPr lang="en-US" dirty="0"/>
           </a:p>
         </p:txBody>
       </p:sp>
@@ -14692,14 +14455,13 @@
           <a:lstStyle/>
           <a:p>
             <a:r>
-              <a:rPr lang="en-US" dirty="0" err="1" smtClean="0"/>
+              <a:rPr lang="en-US" dirty="0" err="1"/>
               <a:t>punif</a:t>
             </a:r>
             <a:r>
-              <a:rPr lang="en-US" dirty="0" smtClean="0"/>
+              <a:rPr lang="en-US" dirty="0"/>
               <a:t> gives the cumulative uniform distribution</a:t>
             </a:r>
-            <a:endParaRPr lang="en-US" dirty="0"/>
           </a:p>
         </p:txBody>
       </p:sp>
@@ -14751,10 +14513,9 @@
           <a:lstStyle/>
           <a:p>
             <a:r>
-              <a:rPr lang="en-US" dirty="0" smtClean="0"/>
+              <a:rPr lang="en-US" dirty="0"/>
               <a:t>Finally, we don’t need to go to Java to sample the Uniform distribution </a:t>
             </a:r>
-            <a:endParaRPr lang="en-US" dirty="0"/>
           </a:p>
         </p:txBody>
       </p:sp>
@@ -14780,22 +14541,21 @@
           <a:lstStyle/>
           <a:p>
             <a:r>
-              <a:rPr lang="en-US" dirty="0" err="1" smtClean="0"/>
+              <a:rPr lang="en-US" dirty="0" err="1"/>
               <a:t>hist</a:t>
             </a:r>
             <a:r>
-              <a:rPr lang="en-US" dirty="0" smtClean="0"/>
+              <a:rPr lang="en-US" dirty="0"/>
               <a:t>(</a:t>
             </a:r>
             <a:r>
-              <a:rPr lang="en-US" dirty="0" err="1" smtClean="0"/>
+              <a:rPr lang="en-US" dirty="0" err="1"/>
               <a:t>runif</a:t>
             </a:r>
             <a:r>
-              <a:rPr lang="en-US" dirty="0" smtClean="0"/>
+              <a:rPr lang="en-US" dirty="0"/>
               <a:t>(10000),breaks=20)</a:t>
             </a:r>
-            <a:endParaRPr lang="en-US" dirty="0"/>
           </a:p>
         </p:txBody>
       </p:sp>
@@ -14880,10 +14640,9 @@
           <a:lstStyle/>
           <a:p>
             <a:r>
-              <a:rPr lang="en-US" dirty="0" smtClean="0"/>
+              <a:rPr lang="en-US" dirty="0"/>
               <a:t>Here are 100,00 dice rolls (using a dice with an infinite number of sides between 1 and 6!) </a:t>
             </a:r>
-            <a:endParaRPr lang="en-US" dirty="0"/>
           </a:p>
         </p:txBody>
       </p:sp>
@@ -14968,10 +14727,9 @@
           <a:lstStyle/>
           <a:p>
             <a:r>
-              <a:rPr lang="en-US" dirty="0" smtClean="0"/>
+              <a:rPr lang="en-US" dirty="0"/>
               <a:t>The “d” and “r” prefixes will be used for all the distributions we will study this semester!</a:t>
             </a:r>
-            <a:endParaRPr lang="en-US" dirty="0"/>
           </a:p>
         </p:txBody>
       </p:sp>
@@ -14998,67 +14756,66 @@
           <a:lstStyle/>
           <a:p>
             <a:r>
-              <a:rPr lang="en-US" dirty="0" smtClean="0"/>
+              <a:rPr lang="en-US" dirty="0"/>
               <a:t>So we will see </a:t>
             </a:r>
             <a:r>
-              <a:rPr lang="en-US" dirty="0" err="1" smtClean="0"/>
+              <a:rPr lang="en-US" dirty="0" err="1"/>
               <a:t>dbinom</a:t>
             </a:r>
             <a:r>
-              <a:rPr lang="en-US" dirty="0" smtClean="0"/>
+              <a:rPr lang="en-US" dirty="0"/>
               <a:t>, </a:t>
             </a:r>
             <a:r>
-              <a:rPr lang="en-US" dirty="0" err="1" smtClean="0"/>
+              <a:rPr lang="en-US" dirty="0" err="1"/>
               <a:t>dnorm</a:t>
             </a:r>
             <a:r>
-              <a:rPr lang="en-US" dirty="0" smtClean="0"/>
+              <a:rPr lang="en-US" dirty="0"/>
               <a:t>, </a:t>
             </a:r>
             <a:r>
-              <a:rPr lang="en-US" dirty="0" err="1" smtClean="0"/>
+              <a:rPr lang="en-US" dirty="0" err="1"/>
               <a:t>dchisq</a:t>
             </a:r>
             <a:r>
-              <a:rPr lang="en-US" dirty="0" smtClean="0"/>
+              <a:rPr lang="en-US" dirty="0"/>
               <a:t>, etc. etc.</a:t>
             </a:r>
           </a:p>
           <a:p>
-            <a:endParaRPr lang="en-US" dirty="0" smtClean="0"/>
-          </a:p>
-          <a:p>
-            <a:r>
-              <a:rPr lang="en-US" dirty="0" smtClean="0"/>
+            <a:endParaRPr lang="en-US" dirty="0"/>
+          </a:p>
+          <a:p>
+            <a:r>
+              <a:rPr lang="en-US" dirty="0"/>
               <a:t>  and </a:t>
             </a:r>
             <a:r>
-              <a:rPr lang="en-US" dirty="0" err="1" smtClean="0"/>
+              <a:rPr lang="en-US" dirty="0" err="1"/>
               <a:t>rbinom</a:t>
             </a:r>
             <a:r>
-              <a:rPr lang="en-US" dirty="0" smtClean="0"/>
+              <a:rPr lang="en-US" dirty="0"/>
               <a:t>, </a:t>
             </a:r>
             <a:r>
-              <a:rPr lang="en-US" dirty="0" err="1" smtClean="0"/>
+              <a:rPr lang="en-US" dirty="0" err="1"/>
               <a:t>rnorm</a:t>
             </a:r>
             <a:r>
-              <a:rPr lang="en-US" dirty="0" smtClean="0"/>
+              <a:rPr lang="en-US" dirty="0"/>
               <a:t>, </a:t>
             </a:r>
             <a:r>
-              <a:rPr lang="en-US" dirty="0" err="1" smtClean="0"/>
+              <a:rPr lang="en-US" dirty="0" err="1"/>
               <a:t>rchisq</a:t>
             </a:r>
             <a:r>
-              <a:rPr lang="en-US" dirty="0" smtClean="0"/>
+              <a:rPr lang="en-US" dirty="0"/>
               <a:t>, etc. etc. </a:t>
             </a:r>
-            <a:endParaRPr lang="en-US" dirty="0"/>
           </a:p>
         </p:txBody>
       </p:sp>
@@ -15110,10 +14867,9 @@
           <a:lstStyle/>
           <a:p>
             <a:r>
-              <a:rPr lang="en-US" dirty="0" smtClean="0"/>
+              <a:rPr lang="en-US" dirty="0"/>
               <a:t>If we want actual dice rolls, we can use sample </a:t>
             </a:r>
-            <a:endParaRPr lang="en-US" dirty="0"/>
           </a:p>
         </p:txBody>
       </p:sp>
@@ -15139,14 +14895,13 @@
           <a:lstStyle/>
           <a:p>
             <a:r>
-              <a:rPr lang="en-US" dirty="0" err="1" smtClean="0"/>
+              <a:rPr lang="en-US" dirty="0" err="1"/>
               <a:t>hist</a:t>
             </a:r>
             <a:r>
-              <a:rPr lang="en-US" dirty="0" smtClean="0"/>
+              <a:rPr lang="en-US" dirty="0"/>
               <a:t>( sample( 1:6,100000,replace=TRUE))</a:t>
             </a:r>
-            <a:endParaRPr lang="en-US" dirty="0"/>
           </a:p>
         </p:txBody>
       </p:sp>
@@ -15365,10 +15120,9 @@
           <a:lstStyle/>
           <a:p>
             <a:r>
-              <a:rPr lang="en-US" dirty="0" smtClean="0"/>
+              <a:rPr lang="en-US" dirty="0"/>
               <a:t>This will make more sense as the semester progresses!</a:t>
             </a:r>
-            <a:endParaRPr lang="en-US" dirty="0"/>
           </a:p>
         </p:txBody>
       </p:sp>
@@ -15659,19 +15413,18 @@
           <a:lstStyle/>
           <a:p>
             <a:r>
-              <a:rPr lang="en-US" dirty="0" smtClean="0"/>
+              <a:rPr lang="en-US" dirty="0"/>
               <a:t>We can make our own functions in R…</a:t>
             </a:r>
           </a:p>
           <a:p>
-            <a:endParaRPr lang="en-US" dirty="0" smtClean="0"/>
-          </a:p>
-          <a:p>
-            <a:r>
-              <a:rPr lang="en-US" dirty="0" smtClean="0"/>
+            <a:endParaRPr lang="en-US" dirty="0"/>
+          </a:p>
+          <a:p>
+            <a:r>
+              <a:rPr lang="en-US" dirty="0"/>
               <a:t>  </a:t>
             </a:r>
-            <a:endParaRPr lang="en-US" dirty="0"/>
           </a:p>
         </p:txBody>
       </p:sp>
@@ -15730,12 +15483,12 @@
           <a:lstStyle/>
           <a:p>
             <a:r>
-              <a:rPr lang="en-US" dirty="0" smtClean="0"/>
+              <a:rPr lang="en-US" dirty="0"/>
               <a:t>Here we return a vector of type double and length 1</a:t>
             </a:r>
           </a:p>
           <a:p>
-            <a:endParaRPr lang="en-US" dirty="0" smtClean="0"/>
+            <a:endParaRPr lang="en-US" dirty="0"/>
           </a:p>
           <a:p>
             <a:endParaRPr lang="en-US" dirty="0"/>
@@ -15747,13 +15500,6 @@
   <p:clrMapOvr>
     <a:masterClrMapping/>
   </p:clrMapOvr>
-  <p:timing>
-    <p:tnLst>
-      <p:par>
-        <p:cTn id="1" dur="indefinite" restart="never" nodeType="tmRoot"/>
-      </p:par>
-    </p:tnLst>
-  </p:timing>
 </p:sld>
 </file>
 
@@ -15788,9 +15534,82 @@
         </p:xfrm>
         <a:graphic>
           <a:graphicData uri="http://schemas.openxmlformats.org/presentationml/2006/ole">
-            <p:oleObj spid="_x0000_s5122" name="Bitmap Image" r:id="rId4" imgW="6800000" imgH="3505689" progId="PBrush">
-              <p:embed/>
-            </p:oleObj>
+            <mc:AlternateContent xmlns:mc="http://schemas.openxmlformats.org/markup-compatibility/2006">
+              <mc:Choice xmlns:v="urn:schemas-microsoft-com:vml" Requires="v">
+                <p:oleObj spid="_x0000_s5124" name="Bitmap Image" r:id="rId4" imgW="6800000" imgH="3505689" progId="PBrush">
+                  <p:embed/>
+                </p:oleObj>
+              </mc:Choice>
+              <mc:Fallback>
+                <p:oleObj name="Bitmap Image" r:id="rId4" imgW="6800000" imgH="3505689" progId="PBrush">
+                  <p:embed/>
+                  <p:pic>
+                    <p:nvPicPr>
+                      <p:cNvPr id="0" name="Picture 2"/>
+                      <p:cNvPicPr>
+                        <a:picLocks noChangeAspect="1" noChangeArrowheads="1"/>
+                      </p:cNvPicPr>
+                      <p:nvPr/>
+                    </p:nvPicPr>
+                    <p:blipFill>
+                      <a:blip r:embed="rId5">
+                        <a:extLst>
+                          <a:ext uri="{28A0092B-C50C-407E-A947-70E740481C1C}">
+                            <a14:useLocalDpi xmlns:a14="http://schemas.microsoft.com/office/drawing/2010/main" val="0"/>
+                          </a:ext>
+                        </a:extLst>
+                      </a:blip>
+                      <a:srcRect/>
+                      <a:stretch>
+                        <a:fillRect/>
+                      </a:stretch>
+                    </p:blipFill>
+                    <p:spPr bwMode="auto">
+                      <a:xfrm>
+                        <a:off x="914400" y="1371600"/>
+                        <a:ext cx="6799263" cy="3505200"/>
+                      </a:xfrm>
+                      <a:prstGeom prst="rect">
+                        <a:avLst/>
+                      </a:prstGeom>
+                      <a:noFill/>
+                      <a:ln>
+                        <a:noFill/>
+                      </a:ln>
+                      <a:effectLst/>
+                      <a:extLst>
+                        <a:ext uri="{909E8E84-426E-40DD-AFC4-6F175D3DCCD1}">
+                          <a14:hiddenFill xmlns:a14="http://schemas.microsoft.com/office/drawing/2010/main">
+                            <a:solidFill>
+                              <a:schemeClr val="accent1"/>
+                            </a:solidFill>
+                          </a14:hiddenFill>
+                        </a:ext>
+                        <a:ext uri="{91240B29-F687-4F45-9708-019B960494DF}">
+                          <a14:hiddenLine xmlns:a14="http://schemas.microsoft.com/office/drawing/2010/main" w="9525">
+                            <a:solidFill>
+                              <a:schemeClr val="tx1"/>
+                            </a:solidFill>
+                            <a:miter lim="800000"/>
+                            <a:headEnd/>
+                            <a:tailEnd/>
+                          </a14:hiddenLine>
+                        </a:ext>
+                        <a:ext uri="{AF507438-7753-43E0-B8FC-AC1667EBCBE1}">
+                          <a14:hiddenEffects xmlns:a14="http://schemas.microsoft.com/office/drawing/2010/main">
+                            <a:effectLst>
+                              <a:outerShdw dist="35921" dir="2700000" algn="ctr" rotWithShape="0">
+                                <a:schemeClr val="bg2"/>
+                              </a:outerShdw>
+                            </a:effectLst>
+                          </a14:hiddenEffects>
+                        </a:ext>
+                      </a:extLst>
+                    </p:spPr>
+                  </p:pic>
+                </p:oleObj>
+              </mc:Fallback>
+            </mc:AlternateContent>
           </a:graphicData>
         </a:graphic>
       </p:graphicFrame>
@@ -15833,15 +15652,7 @@
           <a:p>
             <a:r>
               <a:rPr lang="en-US" dirty="0"/>
-              <a:t>Project from the </a:t>
-            </a:r>
-            <a:r>
-              <a:rPr lang="en-US" dirty="0" smtClean="0"/>
-              <a:t>first time </a:t>
-            </a:r>
-            <a:r>
-              <a:rPr lang="en-US" dirty="0"/>
-              <a:t>I taught this course (Tim Tickle was </a:t>
+              <a:t>Project from the first time I taught this course (Tim Tickle was </a:t>
             </a:r>
           </a:p>
           <a:p>
@@ -15891,9 +15702,82 @@
         </p:xfrm>
         <a:graphic>
           <a:graphicData uri="http://schemas.openxmlformats.org/presentationml/2006/ole">
-            <p:oleObj spid="_x0000_s6146" name="Bitmap Image" r:id="rId4" imgW="7133333" imgH="4439270" progId="PBrush">
-              <p:embed/>
-            </p:oleObj>
+            <mc:AlternateContent xmlns:mc="http://schemas.openxmlformats.org/markup-compatibility/2006">
+              <mc:Choice xmlns:v="urn:schemas-microsoft-com:vml" Requires="v">
+                <p:oleObj spid="_x0000_s6148" name="Bitmap Image" r:id="rId4" imgW="7133333" imgH="4439270" progId="PBrush">
+                  <p:embed/>
+                </p:oleObj>
+              </mc:Choice>
+              <mc:Fallback>
+                <p:oleObj name="Bitmap Image" r:id="rId4" imgW="7133333" imgH="4439270" progId="PBrush">
+                  <p:embed/>
+                  <p:pic>
+                    <p:nvPicPr>
+                      <p:cNvPr id="0" name="Picture 2"/>
+                      <p:cNvPicPr>
+                        <a:picLocks noChangeAspect="1" noChangeArrowheads="1"/>
+                      </p:cNvPicPr>
+                      <p:nvPr/>
+                    </p:nvPicPr>
+                    <p:blipFill>
+                      <a:blip r:embed="rId5">
+                        <a:extLst>
+                          <a:ext uri="{28A0092B-C50C-407E-A947-70E740481C1C}">
+                            <a14:useLocalDpi xmlns:a14="http://schemas.microsoft.com/office/drawing/2010/main" val="0"/>
+                          </a:ext>
+                        </a:extLst>
+                      </a:blip>
+                      <a:srcRect/>
+                      <a:stretch>
+                        <a:fillRect/>
+                      </a:stretch>
+                    </p:blipFill>
+                    <p:spPr bwMode="auto">
+                      <a:xfrm>
+                        <a:off x="1006475" y="1143000"/>
+                        <a:ext cx="7132638" cy="4438650"/>
+                      </a:xfrm>
+                      <a:prstGeom prst="rect">
+                        <a:avLst/>
+                      </a:prstGeom>
+                      <a:noFill/>
+                      <a:ln>
+                        <a:noFill/>
+                      </a:ln>
+                      <a:effectLst/>
+                      <a:extLst>
+                        <a:ext uri="{909E8E84-426E-40DD-AFC4-6F175D3DCCD1}">
+                          <a14:hiddenFill xmlns:a14="http://schemas.microsoft.com/office/drawing/2010/main">
+                            <a:solidFill>
+                              <a:schemeClr val="accent1"/>
+                            </a:solidFill>
+                          </a14:hiddenFill>
+                        </a:ext>
+                        <a:ext uri="{91240B29-F687-4F45-9708-019B960494DF}">
+                          <a14:hiddenLine xmlns:a14="http://schemas.microsoft.com/office/drawing/2010/main" w="9525">
+                            <a:solidFill>
+                              <a:schemeClr val="tx1"/>
+                            </a:solidFill>
+                            <a:miter lim="800000"/>
+                            <a:headEnd/>
+                            <a:tailEnd/>
+                          </a14:hiddenLine>
+                        </a:ext>
+                        <a:ext uri="{AF507438-7753-43E0-B8FC-AC1667EBCBE1}">
+                          <a14:hiddenEffects xmlns:a14="http://schemas.microsoft.com/office/drawing/2010/main">
+                            <a:effectLst>
+                              <a:outerShdw dist="35921" dir="2700000" algn="ctr" rotWithShape="0">
+                                <a:schemeClr val="bg2"/>
+                              </a:outerShdw>
+                            </a:effectLst>
+                          </a14:hiddenEffects>
+                        </a:ext>
+                      </a:extLst>
+                    </p:spPr>
+                  </p:pic>
+                </p:oleObj>
+              </mc:Fallback>
+            </mc:AlternateContent>
           </a:graphicData>
         </a:graphic>
       </p:graphicFrame>
@@ -15929,20 +15813,8 @@
           <a:lstStyle/>
           <a:p>
             <a:r>
-              <a:rPr lang="en-US" dirty="0" smtClean="0"/>
-              <a:t>here </a:t>
-            </a:r>
-            <a:r>
-              <a:rPr lang="en-US" dirty="0"/>
-              <a:t>is </a:t>
-            </a:r>
-            <a:r>
-              <a:rPr lang="en-US" dirty="0" smtClean="0"/>
-              <a:t>the same </a:t>
-            </a:r>
-            <a:r>
-              <a:rPr lang="en-US" dirty="0"/>
-              <a:t>graph of actual vs. expected p-values</a:t>
+              <a:rPr lang="en-US" dirty="0"/>
+              <a:t>here is the same graph of actual vs. expected p-values</a:t>
             </a:r>
           </a:p>
         </p:txBody>
@@ -16077,22 +15949,21 @@
           <a:lstStyle/>
           <a:p>
             <a:r>
-              <a:rPr lang="en-US" dirty="0" smtClean="0"/>
+              <a:rPr lang="en-US" dirty="0"/>
               <a:t>Comparison to the uniform-distribution can be used to perform inference.</a:t>
             </a:r>
           </a:p>
           <a:p>
             <a:r>
-              <a:rPr lang="en-US" dirty="0" smtClean="0"/>
+              <a:rPr lang="en-US" dirty="0"/>
               <a:t>If there was no difference between case and control, p-values should be uniform.</a:t>
             </a:r>
           </a:p>
           <a:p>
             <a:r>
-              <a:rPr lang="en-US" dirty="0" smtClean="0"/>
+              <a:rPr lang="en-US" dirty="0"/>
               <a:t>If they are smaller than uniform, the experiment showed differences…</a:t>
             </a:r>
-            <a:endParaRPr lang="en-US" dirty="0"/>
           </a:p>
         </p:txBody>
       </p:sp>
@@ -16151,16 +16022,15 @@
           <a:lstStyle/>
           <a:p>
             <a:r>
-              <a:rPr lang="en-US" dirty="0" smtClean="0"/>
+              <a:rPr lang="en-US" dirty="0"/>
               <a:t>Basis for Storey q-values </a:t>
             </a:r>
           </a:p>
           <a:p>
             <a:r>
-              <a:rPr lang="en-US" dirty="0" smtClean="0"/>
+              <a:rPr lang="en-US" dirty="0"/>
               <a:t>(more on false discovery rate later</a:t>
             </a:r>
-            <a:endParaRPr lang="en-US" dirty="0"/>
           </a:p>
         </p:txBody>
       </p:sp>
@@ -16187,10 +16057,9 @@
           <a:lstStyle/>
           <a:p>
             <a:r>
-              <a:rPr lang="en-US" dirty="0" smtClean="0"/>
+              <a:rPr lang="en-US" dirty="0"/>
               <a:t>The dashed lines is the uniform distribution</a:t>
             </a:r>
-            <a:endParaRPr lang="en-US" dirty="0"/>
           </a:p>
         </p:txBody>
       </p:sp>
@@ -16242,25 +16111,24 @@
           <a:lstStyle/>
           <a:p>
             <a:r>
-              <a:rPr lang="en-US" dirty="0" smtClean="0"/>
+              <a:rPr lang="en-US" dirty="0"/>
               <a:t>For Bayesian statistics, the uniform distribution is often an appropriate prior</a:t>
             </a:r>
           </a:p>
           <a:p>
             <a:r>
-              <a:rPr lang="en-US" dirty="0" smtClean="0"/>
+              <a:rPr lang="en-US" dirty="0"/>
               <a:t>when you have no expectations about what you expect in the data…</a:t>
             </a:r>
           </a:p>
           <a:p>
-            <a:endParaRPr lang="en-US" dirty="0" smtClean="0"/>
-          </a:p>
-          <a:p>
-            <a:r>
-              <a:rPr lang="en-US" dirty="0" smtClean="0"/>
+            <a:endParaRPr lang="en-US" dirty="0"/>
+          </a:p>
+          <a:p>
+            <a:r>
+              <a:rPr lang="en-US" dirty="0"/>
               <a:t>(More on this later)</a:t>
             </a:r>
-            <a:endParaRPr lang="en-US" dirty="0"/>
           </a:p>
         </p:txBody>
       </p:sp>
@@ -16321,38 +16189,33 @@
           <a:lstStyle/>
           <a:p>
             <a:r>
-              <a:rPr lang="en-US" dirty="0" smtClean="0"/>
+              <a:rPr lang="en-US" dirty="0"/>
               <a:t>Lists in R</a:t>
             </a:r>
           </a:p>
           <a:p>
             <a:r>
-              <a:rPr lang="en-US" dirty="0" smtClean="0"/>
+              <a:rPr lang="en-US" dirty="0"/>
               <a:t>R is not a high-performance language</a:t>
             </a:r>
           </a:p>
           <a:p>
             <a:r>
-              <a:rPr lang="en-US" dirty="0" smtClean="0"/>
-              <a:t>The </a:t>
-            </a:r>
-            <a:r>
-              <a:rPr lang="en-US" dirty="0" smtClean="0"/>
-              <a:t>Uniform distribution</a:t>
-            </a:r>
-          </a:p>
-          <a:p>
-            <a:r>
-              <a:rPr lang="en-US" dirty="0" smtClean="0"/>
+              <a:rPr lang="en-US" dirty="0"/>
+              <a:t>The Uniform distribution</a:t>
+            </a:r>
+          </a:p>
+          <a:p>
+            <a:r>
+              <a:rPr lang="en-US" dirty="0"/>
               <a:t>Mean and SD on discrete theoretical distributions</a:t>
             </a:r>
           </a:p>
           <a:p>
             <a:r>
-              <a:rPr lang="en-US" dirty="0" smtClean="0"/>
+              <a:rPr lang="en-US" dirty="0"/>
               <a:t>The law of large numbers</a:t>
             </a:r>
-            <a:endParaRPr lang="en-US" dirty="0"/>
           </a:p>
         </p:txBody>
       </p:sp>
@@ -16439,10 +16302,9 @@
           <a:lstStyle/>
           <a:p>
             <a:r>
-              <a:rPr lang="en-US" dirty="0" smtClean="0"/>
+              <a:rPr lang="en-US" dirty="0"/>
               <a:t>We are used to thinking about mean and standard deviation as the parameters on the normal distribution</a:t>
             </a:r>
-            <a:endParaRPr lang="en-US" dirty="0"/>
           </a:p>
         </p:txBody>
       </p:sp>
@@ -16501,10 +16363,9 @@
           <a:lstStyle/>
           <a:p>
             <a:r>
-              <a:rPr lang="en-US" dirty="0" smtClean="0"/>
+              <a:rPr lang="en-US" dirty="0"/>
               <a:t>However mean and variance can be defined on any discrete or continuous probability distribution</a:t>
             </a:r>
-            <a:endParaRPr lang="en-US" dirty="0"/>
           </a:p>
         </p:txBody>
       </p:sp>
@@ -16556,55 +16417,54 @@
           <a:lstStyle/>
           <a:p>
             <a:r>
-              <a:rPr lang="en-US" dirty="0" smtClean="0"/>
+              <a:rPr lang="en-US" dirty="0"/>
               <a:t>Consider a fair die with</a:t>
             </a:r>
           </a:p>
           <a:p>
-            <a:endParaRPr lang="en-US" dirty="0" smtClean="0"/>
-          </a:p>
-          <a:p>
-            <a:r>
-              <a:rPr lang="en-US" dirty="0" smtClean="0"/>
+            <a:endParaRPr lang="en-US" dirty="0"/>
+          </a:p>
+          <a:p>
+            <a:r>
+              <a:rPr lang="en-US" dirty="0"/>
               <a:t>p(1)  = 1/6</a:t>
             </a:r>
           </a:p>
           <a:p>
             <a:r>
-              <a:rPr lang="en-US" dirty="0" smtClean="0"/>
+              <a:rPr lang="en-US" dirty="0"/>
               <a:t>p(2)  = 1/6</a:t>
             </a:r>
           </a:p>
           <a:p>
             <a:r>
-              <a:rPr lang="en-US" dirty="0" smtClean="0"/>
+              <a:rPr lang="en-US" dirty="0"/>
               <a:t>p(3) =  1/6</a:t>
             </a:r>
           </a:p>
           <a:p>
             <a:r>
-              <a:rPr lang="en-US" dirty="0" smtClean="0"/>
+              <a:rPr lang="en-US" dirty="0"/>
               <a:t>p(4) = 1/6</a:t>
             </a:r>
           </a:p>
           <a:p>
             <a:r>
-              <a:rPr lang="en-US" dirty="0" smtClean="0"/>
+              <a:rPr lang="en-US" dirty="0"/>
               <a:t>p(5) = 1/6</a:t>
             </a:r>
           </a:p>
           <a:p>
             <a:r>
-              <a:rPr lang="en-US" dirty="0" smtClean="0"/>
+              <a:rPr lang="en-US" dirty="0"/>
               <a:t>p(6) = 1/6</a:t>
             </a:r>
           </a:p>
           <a:p>
             <a:r>
-              <a:rPr lang="en-US" dirty="0" smtClean="0"/>
+              <a:rPr lang="en-US" dirty="0"/>
               <a:t>P(7 or greater) =0</a:t>
             </a:r>
-            <a:endParaRPr lang="en-US" dirty="0"/>
           </a:p>
         </p:txBody>
       </p:sp>
@@ -16631,21 +16491,21 @@
           <a:lstStyle/>
           <a:p>
             <a:r>
-              <a:rPr lang="en-US" dirty="0" smtClean="0"/>
+              <a:rPr lang="en-US" dirty="0"/>
               <a:t>This is a discrete probability distribution.</a:t>
             </a:r>
           </a:p>
           <a:p>
             <a:r>
-              <a:rPr lang="en-US" dirty="0" smtClean="0"/>
+              <a:rPr lang="en-US" dirty="0"/>
               <a:t>The </a:t>
             </a:r>
             <a:r>
-              <a:rPr lang="en-US" dirty="0" err="1" smtClean="0"/>
+              <a:rPr lang="en-US" dirty="0" err="1"/>
               <a:t>prob</a:t>
             </a:r>
             <a:r>
-              <a:rPr lang="en-US" dirty="0" smtClean="0"/>
+              <a:rPr lang="en-US" dirty="0"/>
               <a:t>(1..6) = 1</a:t>
             </a:r>
           </a:p>
@@ -16674,10 +16534,9 @@
           <a:lstStyle/>
           <a:p>
             <a:r>
-              <a:rPr lang="en-US" dirty="0" smtClean="0"/>
+              <a:rPr lang="en-US" dirty="0"/>
               <a:t>The mean, or expected value is defined as </a:t>
             </a:r>
-            <a:endParaRPr lang="en-US" dirty="0"/>
           </a:p>
         </p:txBody>
       </p:sp>
@@ -16735,10 +16594,9 @@
           <a:lstStyle/>
           <a:p>
             <a:r>
-              <a:rPr lang="en-US" sz="1200" dirty="0" smtClean="0"/>
+              <a:rPr lang="en-US" sz="1200" dirty="0"/>
               <a:t>http://en.wikipedia.org/wiki/Expected_value</a:t>
             </a:r>
-            <a:endParaRPr lang="en-US" sz="1200" dirty="0"/>
           </a:p>
         </p:txBody>
       </p:sp>
@@ -16765,10 +16623,9 @@
           <a:lstStyle/>
           <a:p>
             <a:r>
-              <a:rPr lang="en-US" dirty="0" smtClean="0"/>
+              <a:rPr lang="en-US" dirty="0"/>
               <a:t>1/6 * 1 + 1/6 *2 + 1/6 * 3 + 1/6*4 + 1/6 *5 + 1/6 * 6 = 3.5 </a:t>
             </a:r>
-            <a:endParaRPr lang="en-US" dirty="0"/>
           </a:p>
         </p:txBody>
       </p:sp>
@@ -16820,10 +16677,9 @@
           <a:lstStyle/>
           <a:p>
             <a:r>
-              <a:rPr lang="en-US" dirty="0" smtClean="0"/>
+              <a:rPr lang="en-US" dirty="0"/>
               <a:t>1/6 * 1 + 1/6 *2 + 1/6 * 3 + 1/6*4 + 1/6 *5 + 1/6 * 6 = 3.5 </a:t>
             </a:r>
-            <a:endParaRPr lang="en-US" dirty="0"/>
           </a:p>
         </p:txBody>
       </p:sp>
@@ -16850,10 +16706,9 @@
           <a:lstStyle/>
           <a:p>
             <a:r>
-              <a:rPr lang="en-US" dirty="0" smtClean="0"/>
+              <a:rPr lang="en-US" dirty="0"/>
               <a:t>Expected value (mean) for a fair die:</a:t>
             </a:r>
-            <a:endParaRPr lang="en-US" dirty="0"/>
           </a:p>
         </p:txBody>
       </p:sp>
@@ -16880,10 +16735,9 @@
           <a:lstStyle/>
           <a:p>
             <a:r>
-              <a:rPr lang="en-US" dirty="0" smtClean="0"/>
+              <a:rPr lang="en-US" dirty="0"/>
               <a:t>We can confirm the correctness of this calculation with simulated data in R:</a:t>
             </a:r>
-            <a:endParaRPr lang="en-US" dirty="0"/>
           </a:p>
         </p:txBody>
       </p:sp>
@@ -16975,10 +16829,9 @@
           <a:lstStyle/>
           <a:p>
             <a:r>
-              <a:rPr lang="en-US" dirty="0" smtClean="0"/>
+              <a:rPr lang="en-US" dirty="0"/>
               <a:t>We pre-allocate to avoid concatenation</a:t>
             </a:r>
-            <a:endParaRPr lang="en-US" dirty="0"/>
           </a:p>
         </p:txBody>
       </p:sp>
@@ -17038,10 +16891,9 @@
           <a:lstStyle/>
           <a:p>
             <a:r>
-              <a:rPr lang="en-US" dirty="0" smtClean="0"/>
+              <a:rPr lang="en-US" dirty="0"/>
               <a:t>The mean is within error of the expected value</a:t>
             </a:r>
-            <a:endParaRPr lang="en-US" dirty="0"/>
           </a:p>
         </p:txBody>
       </p:sp>
@@ -17125,10 +16977,9 @@
           <a:lstStyle/>
           <a:p>
             <a:r>
-              <a:rPr lang="en-US" dirty="0" smtClean="0"/>
+              <a:rPr lang="en-US" dirty="0"/>
               <a:t>We can likewise define variance for any distribution..</a:t>
             </a:r>
-            <a:endParaRPr lang="en-US" dirty="0"/>
           </a:p>
         </p:txBody>
       </p:sp>
@@ -17155,40 +17006,39 @@
           <a:lstStyle/>
           <a:p>
             <a:r>
-              <a:rPr lang="en-US" dirty="0" smtClean="0"/>
+              <a:rPr lang="en-US" dirty="0"/>
               <a:t>For our fair die: </a:t>
             </a:r>
           </a:p>
           <a:p>
             <a:r>
-              <a:rPr lang="en-US" dirty="0" smtClean="0"/>
+              <a:rPr lang="en-US" dirty="0"/>
               <a:t>	(1/6) ( 1 – 3.5)^2 + 		 (1/6) ( 2 – 3.5)^2 + </a:t>
             </a:r>
           </a:p>
           <a:p>
             <a:r>
-              <a:rPr lang="en-US" dirty="0" smtClean="0"/>
+              <a:rPr lang="en-US" dirty="0"/>
               <a:t>	(1/6) ( 3 – 3.5)^2 +</a:t>
             </a:r>
           </a:p>
           <a:p>
             <a:r>
-              <a:rPr lang="en-US" dirty="0" smtClean="0"/>
+              <a:rPr lang="en-US" dirty="0"/>
               <a:t>	 (1/6) ( 4 – 3.5)^2 + </a:t>
             </a:r>
           </a:p>
           <a:p>
             <a:r>
-              <a:rPr lang="en-US" dirty="0" smtClean="0"/>
+              <a:rPr lang="en-US" dirty="0"/>
               <a:t>	 (1/6) ( 5 – 3.5)^2 + </a:t>
             </a:r>
           </a:p>
           <a:p>
             <a:r>
-              <a:rPr lang="en-US" dirty="0" smtClean="0"/>
+              <a:rPr lang="en-US" dirty="0"/>
               <a:t>	 (1/6) ( 6 – 3.5)^2   =2.916 </a:t>
             </a:r>
-            <a:endParaRPr lang="en-US" dirty="0"/>
           </a:p>
         </p:txBody>
       </p:sp>
@@ -17246,10 +17096,9 @@
           <a:lstStyle/>
           <a:p>
             <a:r>
-              <a:rPr lang="en-US" dirty="0" smtClean="0"/>
+              <a:rPr lang="en-US" dirty="0"/>
               <a:t>http://en.wikipedia.org/wiki/Variance</a:t>
             </a:r>
-            <a:endParaRPr lang="en-US" dirty="0"/>
           </a:p>
         </p:txBody>
       </p:sp>
@@ -17301,16 +17150,15 @@
           <a:lstStyle/>
           <a:p>
             <a:r>
-              <a:rPr lang="en-US" dirty="0" smtClean="0"/>
+              <a:rPr lang="en-US" dirty="0"/>
               <a:t>We can ask: How many rolls of the dice do we need to reliably see the expected</a:t>
             </a:r>
           </a:p>
           <a:p>
             <a:r>
-              <a:rPr lang="en-US" dirty="0" smtClean="0"/>
+              <a:rPr lang="en-US" dirty="0"/>
               <a:t>mean and variance?</a:t>
             </a:r>
-            <a:endParaRPr lang="en-US" dirty="0"/>
           </a:p>
         </p:txBody>
       </p:sp>
@@ -17433,28 +17281,27 @@
           <a:lstStyle/>
           <a:p>
             <a:r>
-              <a:rPr lang="en-US" dirty="0" smtClean="0"/>
+              <a:rPr lang="en-US" dirty="0"/>
               <a:t>The more rolls we have,</a:t>
             </a:r>
           </a:p>
           <a:p>
             <a:r>
-              <a:rPr lang="en-US" dirty="0" smtClean="0"/>
+              <a:rPr lang="en-US" dirty="0"/>
               <a:t>the closer we get to the </a:t>
             </a:r>
           </a:p>
           <a:p>
             <a:r>
-              <a:rPr lang="en-US" dirty="0" smtClean="0"/>
+              <a:rPr lang="en-US" dirty="0"/>
               <a:t>expected values for mean</a:t>
             </a:r>
           </a:p>
           <a:p>
             <a:r>
-              <a:rPr lang="en-US" dirty="0" smtClean="0"/>
+              <a:rPr lang="en-US" dirty="0"/>
               <a:t>and values</a:t>
             </a:r>
-            <a:endParaRPr lang="en-US" dirty="0"/>
           </a:p>
         </p:txBody>
       </p:sp>
@@ -17506,24 +17353,23 @@
           <a:lstStyle/>
           <a:p>
             <a:r>
-              <a:rPr lang="en-US" dirty="0" smtClean="0"/>
+              <a:rPr lang="en-US" dirty="0"/>
               <a:t>Lists are alternative to vectors that hold multiple </a:t>
             </a:r>
             <a:r>
-              <a:rPr lang="en-US" dirty="0" err="1" smtClean="0"/>
+              <a:rPr lang="en-US" dirty="0" err="1"/>
               <a:t>datatypes</a:t>
             </a:r>
             <a:r>
-              <a:rPr lang="en-US" dirty="0" smtClean="0"/>
+              <a:rPr lang="en-US" dirty="0"/>
               <a:t>;</a:t>
             </a:r>
           </a:p>
           <a:p>
             <a:r>
-              <a:rPr lang="en-US" dirty="0" smtClean="0"/>
+              <a:rPr lang="en-US" dirty="0"/>
               <a:t>A list is a vector of vectors</a:t>
             </a:r>
-            <a:endParaRPr lang="en-US" dirty="0"/>
           </a:p>
         </p:txBody>
       </p:sp>
@@ -17612,10 +17458,9 @@
           <a:lstStyle/>
           <a:p>
             <a:r>
-              <a:rPr lang="en-US" dirty="0" smtClean="0"/>
+              <a:rPr lang="en-US" dirty="0"/>
               <a:t>vector</a:t>
             </a:r>
-            <a:endParaRPr lang="en-US" dirty="0"/>
           </a:p>
         </p:txBody>
       </p:sp>
@@ -17716,10 +17561,9 @@
           <a:lstStyle/>
           <a:p>
             <a:r>
-              <a:rPr lang="en-US" smtClean="0"/>
+              <a:rPr lang="en-US"/>
               <a:t>“Hello”</a:t>
             </a:r>
-            <a:endParaRPr lang="en-US"/>
           </a:p>
         </p:txBody>
       </p:sp>
@@ -17820,10 +17664,9 @@
           <a:lstStyle/>
           <a:p>
             <a:r>
-              <a:rPr lang="en-US" dirty="0" smtClean="0"/>
+              <a:rPr lang="en-US" dirty="0"/>
               <a:t>4</a:t>
             </a:r>
-            <a:endParaRPr lang="en-US" dirty="0"/>
           </a:p>
         </p:txBody>
       </p:sp>
@@ -17850,10 +17693,9 @@
           <a:lstStyle/>
           <a:p>
             <a:r>
-              <a:rPr lang="en-US" dirty="0" smtClean="0"/>
+              <a:rPr lang="en-US" dirty="0"/>
               <a:t>[1]</a:t>
             </a:r>
-            <a:endParaRPr lang="en-US" dirty="0"/>
           </a:p>
         </p:txBody>
       </p:sp>
@@ -17880,10 +17722,9 @@
           <a:lstStyle/>
           <a:p>
             <a:r>
-              <a:rPr lang="en-US" dirty="0" smtClean="0"/>
+              <a:rPr lang="en-US" dirty="0"/>
               <a:t>[2]</a:t>
             </a:r>
-            <a:endParaRPr lang="en-US" dirty="0"/>
           </a:p>
         </p:txBody>
       </p:sp>
@@ -17910,22 +17751,21 @@
           <a:lstStyle/>
           <a:p>
             <a:r>
-              <a:rPr lang="en-US" dirty="0" smtClean="0"/>
+              <a:rPr lang="en-US" dirty="0"/>
               <a:t>Since all the types must be the same,</a:t>
             </a:r>
           </a:p>
           <a:p>
             <a:r>
-              <a:rPr lang="en-US" dirty="0" smtClean="0"/>
+              <a:rPr lang="en-US" dirty="0"/>
               <a:t>the vector is a character  vector</a:t>
             </a:r>
           </a:p>
           <a:p>
             <a:r>
-              <a:rPr lang="en-US" dirty="0" smtClean="0"/>
+              <a:rPr lang="en-US" dirty="0"/>
               <a:t>(casting “4” to character)</a:t>
             </a:r>
-            <a:endParaRPr lang="en-US" dirty="0"/>
           </a:p>
         </p:txBody>
       </p:sp>
@@ -17984,10 +17824,9 @@
           <a:lstStyle/>
           <a:p>
             <a:r>
-              <a:rPr lang="en-US" dirty="0" smtClean="0"/>
+              <a:rPr lang="en-US" dirty="0"/>
               <a:t>list</a:t>
             </a:r>
-            <a:endParaRPr lang="en-US" dirty="0"/>
           </a:p>
         </p:txBody>
       </p:sp>
@@ -18088,10 +17927,9 @@
           <a:lstStyle/>
           <a:p>
             <a:r>
-              <a:rPr lang="en-US" dirty="0" smtClean="0"/>
+              <a:rPr lang="en-US" dirty="0"/>
               <a:t>vector</a:t>
             </a:r>
-            <a:endParaRPr lang="en-US" dirty="0"/>
           </a:p>
         </p:txBody>
       </p:sp>
@@ -18151,16 +17989,15 @@
           <a:lstStyle/>
           <a:p>
             <a:r>
-              <a:rPr lang="en-US" dirty="0" smtClean="0"/>
+              <a:rPr lang="en-US" dirty="0"/>
               <a:t>“Hello”</a:t>
             </a:r>
           </a:p>
           <a:p>
             <a:r>
-              <a:rPr lang="en-US" dirty="0" smtClean="0"/>
+              <a:rPr lang="en-US" dirty="0"/>
               <a:t>character</a:t>
             </a:r>
-            <a:endParaRPr lang="en-US" dirty="0"/>
           </a:p>
         </p:txBody>
       </p:sp>
@@ -18261,10 +18098,9 @@
           <a:lstStyle/>
           <a:p>
             <a:r>
-              <a:rPr lang="en-US" dirty="0" smtClean="0"/>
+              <a:rPr lang="en-US" dirty="0"/>
               <a:t>vector</a:t>
             </a:r>
-            <a:endParaRPr lang="en-US" dirty="0"/>
           </a:p>
         </p:txBody>
       </p:sp>
@@ -18324,17 +18160,15 @@
           <a:lstStyle/>
           <a:p>
             <a:r>
-              <a:rPr lang="en-US" dirty="0" smtClean="0"/>
+              <a:rPr lang="en-US" dirty="0"/>
               <a:t>   4</a:t>
             </a:r>
-            <a:endParaRPr lang="en-US" dirty="0" smtClean="0"/>
-          </a:p>
-          <a:p>
-            <a:r>
-              <a:rPr lang="en-US" dirty="0" smtClean="0"/>
+          </a:p>
+          <a:p>
+            <a:r>
+              <a:rPr lang="en-US" dirty="0"/>
               <a:t>double</a:t>
             </a:r>
-            <a:endParaRPr lang="en-US" dirty="0"/>
           </a:p>
         </p:txBody>
       </p:sp>
@@ -18361,10 +18195,9 @@
           <a:lstStyle/>
           <a:p>
             <a:r>
-              <a:rPr lang="en-US" dirty="0" smtClean="0"/>
+              <a:rPr lang="en-US" dirty="0"/>
               <a:t>The list can tolerate different data types</a:t>
             </a:r>
-            <a:endParaRPr lang="en-US" dirty="0"/>
           </a:p>
         </p:txBody>
       </p:sp>
@@ -18442,10 +18275,9 @@
           <a:lstStyle/>
           <a:p>
             <a:r>
-              <a:rPr lang="en-US" dirty="0" smtClean="0"/>
+              <a:rPr lang="en-US" dirty="0"/>
               <a:t>An example of the law of large numbers</a:t>
             </a:r>
-            <a:endParaRPr lang="en-US" dirty="0"/>
           </a:p>
         </p:txBody>
       </p:sp>
@@ -18504,10 +18336,9 @@
           <a:lstStyle/>
           <a:p>
             <a:r>
-              <a:rPr lang="en-US" dirty="0" smtClean="0"/>
+              <a:rPr lang="en-US" dirty="0"/>
               <a:t>If you gamble for enough time, you will lose money…  </a:t>
             </a:r>
-            <a:endParaRPr lang="en-US" dirty="0"/>
           </a:p>
         </p:txBody>
       </p:sp>
@@ -18559,115 +18390,114 @@
           <a:lstStyle/>
           <a:p>
             <a:r>
-              <a:rPr lang="en-US" dirty="0" smtClean="0"/>
+              <a:rPr lang="en-US" dirty="0"/>
               <a:t>Concepts for this lecture:</a:t>
             </a:r>
           </a:p>
           <a:p>
-            <a:endParaRPr lang="en-US" dirty="0" smtClean="0"/>
-          </a:p>
-          <a:p>
-            <a:r>
-              <a:rPr lang="en-US" dirty="0" smtClean="0"/>
+            <a:endParaRPr lang="en-US" dirty="0"/>
+          </a:p>
+          <a:p>
+            <a:r>
+              <a:rPr lang="en-US" dirty="0"/>
               <a:t>	R concepts…</a:t>
             </a:r>
           </a:p>
           <a:p>
             <a:r>
-              <a:rPr lang="en-US" dirty="0" smtClean="0"/>
+              <a:rPr lang="en-US" dirty="0"/>
               <a:t>		Lists are “recursive vectors” ; </a:t>
             </a:r>
           </a:p>
           <a:p>
             <a:r>
-              <a:rPr lang="en-US" dirty="0" smtClean="0"/>
+              <a:rPr lang="en-US" dirty="0"/>
               <a:t>		allows collections of different data types </a:t>
             </a:r>
           </a:p>
           <a:p>
             <a:r>
-              <a:rPr lang="en-US" dirty="0" smtClean="0"/>
+              <a:rPr lang="en-US" dirty="0"/>
               <a:t>		(read the List chapter in your textbook!)</a:t>
             </a:r>
           </a:p>
           <a:p>
-            <a:endParaRPr lang="en-US" dirty="0" smtClean="0"/>
-          </a:p>
-          <a:p>
-            <a:r>
-              <a:rPr lang="en-US" dirty="0" smtClean="0"/>
+            <a:endParaRPr lang="en-US" dirty="0"/>
+          </a:p>
+          <a:p>
+            <a:r>
+              <a:rPr lang="en-US" dirty="0"/>
               <a:t>		Difference between the [] and [[]] operators for Lists</a:t>
             </a:r>
           </a:p>
           <a:p>
-            <a:endParaRPr lang="en-US" dirty="0" smtClean="0"/>
-          </a:p>
-          <a:p>
-            <a:r>
-              <a:rPr lang="en-US" dirty="0" smtClean="0"/>
+            <a:endParaRPr lang="en-US" dirty="0"/>
+          </a:p>
+          <a:p>
+            <a:r>
+              <a:rPr lang="en-US" dirty="0"/>
               <a:t>		Lists of lists…</a:t>
             </a:r>
           </a:p>
           <a:p>
-            <a:endParaRPr lang="en-US" dirty="0" smtClean="0"/>
-          </a:p>
-          <a:p>
-            <a:endParaRPr lang="en-US" dirty="0" smtClean="0"/>
-          </a:p>
-          <a:p>
-            <a:r>
-              <a:rPr lang="en-US" dirty="0" smtClean="0"/>
+            <a:endParaRPr lang="en-US" dirty="0"/>
+          </a:p>
+          <a:p>
+            <a:endParaRPr lang="en-US" dirty="0"/>
+          </a:p>
+          <a:p>
+            <a:r>
+              <a:rPr lang="en-US" dirty="0"/>
               <a:t>	Statistical concepts…</a:t>
             </a:r>
           </a:p>
           <a:p>
             <a:r>
-              <a:rPr lang="en-US" dirty="0" smtClean="0"/>
+              <a:rPr lang="en-US" dirty="0"/>
               <a:t>		Probability density functions (</a:t>
             </a:r>
             <a:r>
-              <a:rPr lang="en-US" dirty="0" err="1" smtClean="0"/>
+              <a:rPr lang="en-US" dirty="0" err="1"/>
               <a:t>pdfs</a:t>
             </a:r>
             <a:r>
-              <a:rPr lang="en-US" dirty="0" smtClean="0"/>
+              <a:rPr lang="en-US" dirty="0"/>
               <a:t>)</a:t>
             </a:r>
           </a:p>
           <a:p>
             <a:r>
-              <a:rPr lang="en-US" dirty="0" smtClean="0"/>
+              <a:rPr lang="en-US" dirty="0"/>
               <a:t>		Mean and standard deviation of distributions.</a:t>
             </a:r>
           </a:p>
           <a:p>
             <a:r>
-              <a:rPr lang="en-US" dirty="0" smtClean="0"/>
+              <a:rPr lang="en-US" dirty="0"/>
               <a:t>		The uniform distribution: </a:t>
             </a:r>
             <a:r>
-              <a:rPr lang="en-US" dirty="0" err="1" smtClean="0"/>
+              <a:rPr lang="en-US" dirty="0" err="1"/>
               <a:t>dunif</a:t>
             </a:r>
             <a:r>
-              <a:rPr lang="en-US" dirty="0" smtClean="0"/>
+              <a:rPr lang="en-US" dirty="0"/>
               <a:t>, </a:t>
             </a:r>
             <a:r>
-              <a:rPr lang="en-US" dirty="0" err="1" smtClean="0"/>
+              <a:rPr lang="en-US" dirty="0" err="1"/>
               <a:t>punif</a:t>
             </a:r>
             <a:r>
-              <a:rPr lang="en-US" dirty="0" smtClean="0"/>
+              <a:rPr lang="en-US" dirty="0"/>
               <a:t> in R..</a:t>
             </a:r>
           </a:p>
           <a:p>
             <a:r>
-              <a:rPr lang="en-US" dirty="0" smtClean="0"/>
+              <a:rPr lang="en-US" dirty="0"/>
               <a:t>		The law of large numbers.</a:t>
             </a:r>
-            <a:endParaRPr lang="en-US" dirty="0"/>
           </a:p>
         </p:txBody>
       </p:sp>
@@ -18719,68 +18549,68 @@
           <a:lstStyle/>
           <a:p>
             <a:r>
-              <a:rPr lang="en-US" dirty="0" smtClean="0"/>
+              <a:rPr lang="en-US" dirty="0"/>
               <a:t>Reading for the next week:</a:t>
             </a:r>
           </a:p>
           <a:p>
-            <a:endParaRPr lang="en-US" dirty="0" smtClean="0"/>
-          </a:p>
-          <a:p>
-            <a:r>
-              <a:rPr lang="en-US" dirty="0" smtClean="0"/>
+            <a:endParaRPr lang="en-US" dirty="0"/>
+          </a:p>
+          <a:p>
+            <a:r>
+              <a:rPr lang="en-US" dirty="0"/>
               <a:t>	Vassar stats book: Chapter 5 – Chapter 6 </a:t>
             </a:r>
           </a:p>
           <a:p>
             <a:r>
-              <a:rPr lang="en-US" dirty="0" smtClean="0"/>
+              <a:rPr lang="en-US" dirty="0"/>
               <a:t>	(basic concepts of probability through binomial)</a:t>
             </a:r>
           </a:p>
           <a:p>
-            <a:endParaRPr lang="en-US" dirty="0" smtClean="0"/>
-          </a:p>
-          <a:p>
-            <a:r>
-              <a:rPr lang="en-US" dirty="0" smtClean="0"/>
+            <a:endParaRPr lang="en-US" dirty="0"/>
+          </a:p>
+          <a:p>
+            <a:r>
+              <a:rPr lang="en-US" dirty="0"/>
               <a:t>	(or equivalent in your favorite canonical stats book)</a:t>
             </a:r>
           </a:p>
           <a:p>
-            <a:endParaRPr lang="en-US" dirty="0" smtClean="0"/>
-          </a:p>
-          <a:p>
-            <a:r>
-              <a:rPr lang="en-US" dirty="0" smtClean="0"/>
+            <a:endParaRPr lang="en-US" dirty="0"/>
+          </a:p>
+          <a:p>
+            <a:r>
+              <a:rPr lang="en-US" dirty="0"/>
               <a:t>	Art of R programming:</a:t>
             </a:r>
           </a:p>
           <a:p>
             <a:r>
-              <a:rPr lang="en-US" dirty="0" smtClean="0"/>
+              <a:rPr lang="en-US" dirty="0"/>
               <a:t>	Chapter 2 ( Vectors), Chapter 4  (Lists)</a:t>
             </a:r>
           </a:p>
           <a:p>
             <a:r>
-              <a:rPr lang="en-US" dirty="0" smtClean="0"/>
+              <a:rPr lang="en-US" dirty="0"/>
               <a:t>	</a:t>
             </a:r>
           </a:p>
           <a:p>
             <a:r>
-              <a:rPr lang="en-US" dirty="0" smtClean="0"/>
+              <a:rPr lang="en-US" dirty="0"/>
               <a:t>(or equivalent chapters here: </a:t>
             </a:r>
             <a:r>
-              <a:rPr lang="en-US" u="sng" dirty="0" smtClean="0">
+              <a:rPr lang="en-US" u="sng" dirty="0">
                 <a:hlinkClick r:id="rId2"/>
               </a:rPr>
               <a:t>http://heather.cs.ucdavis.edu/~matloff/132/NSPpart.pdf</a:t>
             </a:r>
             <a:r>
-              <a:rPr lang="en-US" dirty="0" smtClean="0"/>
+              <a:rPr lang="en-US" dirty="0"/>
               <a:t>)</a:t>
             </a:r>
           </a:p>
@@ -18866,11 +18696,11 @@
           <a:lstStyle/>
           <a:p>
             <a:r>
-              <a:rPr lang="en-US" dirty="0" smtClean="0"/>
+              <a:rPr lang="en-US" dirty="0"/>
               <a:t>Lists can be </a:t>
             </a:r>
             <a:r>
-              <a:rPr lang="en-US" smtClean="0"/>
+              <a:rPr lang="en-US"/>
               <a:t>arbitrarily complex…</a:t>
             </a:r>
             <a:endParaRPr lang="en-US" dirty="0"/>
@@ -18900,10 +18730,9 @@
           <a:lstStyle/>
           <a:p>
             <a:r>
-              <a:rPr lang="en-US" dirty="0" smtClean="0"/>
+              <a:rPr lang="en-US" dirty="0"/>
               <a:t>list</a:t>
             </a:r>
-            <a:endParaRPr lang="en-US" dirty="0"/>
           </a:p>
         </p:txBody>
       </p:sp>
@@ -19004,10 +18833,9 @@
           <a:lstStyle/>
           <a:p>
             <a:r>
-              <a:rPr lang="en-US" dirty="0" smtClean="0"/>
+              <a:rPr lang="en-US" dirty="0"/>
               <a:t>vector</a:t>
             </a:r>
-            <a:endParaRPr lang="en-US" dirty="0"/>
           </a:p>
         </p:txBody>
       </p:sp>
@@ -19067,16 +18895,15 @@
           <a:lstStyle/>
           <a:p>
             <a:r>
-              <a:rPr lang="en-US" dirty="0" smtClean="0"/>
+              <a:rPr lang="en-US" dirty="0"/>
               <a:t>“The”</a:t>
             </a:r>
           </a:p>
           <a:p>
             <a:r>
-              <a:rPr lang="en-US" dirty="0" smtClean="0"/>
+              <a:rPr lang="en-US" dirty="0"/>
               <a:t>“first” “entry”</a:t>
             </a:r>
-            <a:endParaRPr lang="en-US" dirty="0"/>
           </a:p>
         </p:txBody>
       </p:sp>
@@ -19177,10 +19004,9 @@
           <a:lstStyle/>
           <a:p>
             <a:r>
-              <a:rPr lang="en-US" dirty="0" smtClean="0"/>
+              <a:rPr lang="en-US" dirty="0"/>
               <a:t>vector</a:t>
             </a:r>
-            <a:endParaRPr lang="en-US" dirty="0"/>
           </a:p>
         </p:txBody>
       </p:sp>
@@ -19240,10 +19066,9 @@
           <a:lstStyle/>
           <a:p>
             <a:r>
-              <a:rPr lang="en-US" dirty="0" smtClean="0"/>
+              <a:rPr lang="en-US" dirty="0"/>
               <a:t>42</a:t>
             </a:r>
-            <a:endParaRPr lang="en-US" dirty="0"/>
           </a:p>
         </p:txBody>
       </p:sp>
@@ -19344,10 +19169,9 @@
           <a:lstStyle/>
           <a:p>
             <a:r>
-              <a:rPr lang="en-US" dirty="0" smtClean="0"/>
+              <a:rPr lang="en-US" dirty="0"/>
               <a:t>vector</a:t>
             </a:r>
-            <a:endParaRPr lang="en-US" dirty="0"/>
           </a:p>
         </p:txBody>
       </p:sp>
@@ -19374,28 +19198,27 @@
           <a:lstStyle/>
           <a:p>
             <a:r>
-              <a:rPr lang="en-US" dirty="0" smtClean="0"/>
+              <a:rPr lang="en-US" dirty="0"/>
               <a:t>“The”</a:t>
             </a:r>
           </a:p>
           <a:p>
             <a:r>
-              <a:rPr lang="en-US" dirty="0" smtClean="0"/>
+              <a:rPr lang="en-US" dirty="0"/>
               <a:t>“last” “entry”</a:t>
             </a:r>
           </a:p>
           <a:p>
             <a:r>
-              <a:rPr lang="en-US" dirty="0" smtClean="0"/>
+              <a:rPr lang="en-US" dirty="0"/>
               <a:t>“Is”</a:t>
             </a:r>
           </a:p>
           <a:p>
             <a:r>
-              <a:rPr lang="en-US" dirty="0" smtClean="0"/>
+              <a:rPr lang="en-US" dirty="0"/>
               <a:t>“Here”</a:t>
             </a:r>
-            <a:endParaRPr lang="en-US" dirty="0"/>
           </a:p>
         </p:txBody>
       </p:sp>
@@ -19480,10 +19303,9 @@
           <a:lstStyle/>
           <a:p>
             <a:r>
-              <a:rPr lang="en-US" dirty="0" smtClean="0"/>
+              <a:rPr lang="en-US" dirty="0"/>
               <a:t>The [] operator on lists returns a slice of a list (a sub-list of the indices)</a:t>
             </a:r>
-            <a:endParaRPr lang="en-US" dirty="0"/>
           </a:p>
         </p:txBody>
       </p:sp>
@@ -19542,10 +19364,9 @@
           <a:lstStyle/>
           <a:p>
             <a:r>
-              <a:rPr lang="en-US" dirty="0" smtClean="0"/>
+              <a:rPr lang="en-US" dirty="0"/>
               <a:t>list</a:t>
             </a:r>
-            <a:endParaRPr lang="en-US" dirty="0"/>
           </a:p>
         </p:txBody>
       </p:sp>
@@ -19646,10 +19467,9 @@
           <a:lstStyle/>
           <a:p>
             <a:r>
-              <a:rPr lang="en-US" dirty="0" smtClean="0"/>
+              <a:rPr lang="en-US" dirty="0"/>
               <a:t>vector</a:t>
             </a:r>
-            <a:endParaRPr lang="en-US" dirty="0"/>
           </a:p>
         </p:txBody>
       </p:sp>
@@ -19709,16 +19529,15 @@
           <a:lstStyle/>
           <a:p>
             <a:r>
-              <a:rPr lang="en-US" dirty="0" smtClean="0"/>
+              <a:rPr lang="en-US" dirty="0"/>
               <a:t>“The”</a:t>
             </a:r>
           </a:p>
           <a:p>
             <a:r>
-              <a:rPr lang="en-US" dirty="0" smtClean="0"/>
+              <a:rPr lang="en-US" dirty="0"/>
               <a:t>“first” “entry”</a:t>
             </a:r>
-            <a:endParaRPr lang="en-US" dirty="0"/>
           </a:p>
         </p:txBody>
       </p:sp>
@@ -19819,10 +19638,9 @@
           <a:lstStyle/>
           <a:p>
             <a:r>
-              <a:rPr lang="en-US" dirty="0" smtClean="0"/>
+              <a:rPr lang="en-US" dirty="0"/>
               <a:t>vector</a:t>
             </a:r>
-            <a:endParaRPr lang="en-US" dirty="0"/>
           </a:p>
         </p:txBody>
       </p:sp>
@@ -19882,10 +19700,9 @@
           <a:lstStyle/>
           <a:p>
             <a:r>
-              <a:rPr lang="en-US" dirty="0" smtClean="0"/>
+              <a:rPr lang="en-US" dirty="0"/>
               <a:t>42</a:t>
             </a:r>
-            <a:endParaRPr lang="en-US" dirty="0"/>
           </a:p>
         </p:txBody>
       </p:sp>
@@ -19986,10 +19803,9 @@
           <a:lstStyle/>
           <a:p>
             <a:r>
-              <a:rPr lang="en-US" dirty="0" smtClean="0"/>
+              <a:rPr lang="en-US" dirty="0"/>
               <a:t>vector</a:t>
             </a:r>
-            <a:endParaRPr lang="en-US" dirty="0"/>
           </a:p>
         </p:txBody>
       </p:sp>
@@ -20016,28 +19832,27 @@
           <a:lstStyle/>
           <a:p>
             <a:r>
-              <a:rPr lang="en-US" dirty="0" smtClean="0"/>
+              <a:rPr lang="en-US" dirty="0"/>
               <a:t>“The”</a:t>
             </a:r>
           </a:p>
           <a:p>
             <a:r>
-              <a:rPr lang="en-US" dirty="0" smtClean="0"/>
+              <a:rPr lang="en-US" dirty="0"/>
               <a:t>“last” “entry”</a:t>
             </a:r>
           </a:p>
           <a:p>
             <a:r>
-              <a:rPr lang="en-US" dirty="0" smtClean="0"/>
+              <a:rPr lang="en-US" dirty="0"/>
               <a:t>“Is”</a:t>
             </a:r>
           </a:p>
           <a:p>
             <a:r>
-              <a:rPr lang="en-US" dirty="0" smtClean="0"/>
+              <a:rPr lang="en-US" dirty="0"/>
               <a:t>“Here”</a:t>
             </a:r>
-            <a:endParaRPr lang="en-US" dirty="0"/>
           </a:p>
         </p:txBody>
       </p:sp>
@@ -20130,7 +19945,7 @@
           <a:lstStyle/>
           <a:p>
             <a:r>
-              <a:rPr lang="en-US" sz="1600" dirty="0" err="1" smtClean="0">
+              <a:rPr lang="en-US" sz="1600" dirty="0" err="1">
                 <a:solidFill>
                   <a:srgbClr val="FF0000"/>
                 </a:solidFill>
@@ -20138,22 +19953,17 @@
               <a:t>myL</a:t>
             </a:r>
             <a:r>
-              <a:rPr lang="en-US" sz="1600" dirty="0" smtClean="0">
+              <a:rPr lang="en-US" sz="1600" dirty="0">
                 <a:solidFill>
                   <a:srgbClr val="FF0000"/>
                 </a:solidFill>
               </a:rPr>
               <a:t>[3]</a:t>
             </a:r>
-            <a:endParaRPr lang="en-US" sz="1600" dirty="0" smtClean="0">
-              <a:solidFill>
-                <a:srgbClr val="FF0000"/>
-              </a:solidFill>
-            </a:endParaRPr>
-          </a:p>
-          <a:p>
-            <a:r>
-              <a:rPr lang="en-US" sz="1600" dirty="0" smtClean="0">
+          </a:p>
+          <a:p>
+            <a:r>
+              <a:rPr lang="en-US" sz="1600" dirty="0">
                 <a:solidFill>
                   <a:srgbClr val="FF0000"/>
                 </a:solidFill>
@@ -20163,7 +19973,7 @@
           </a:p>
           <a:p>
             <a:r>
-              <a:rPr lang="en-US" sz="1600" dirty="0" smtClean="0">
+              <a:rPr lang="en-US" sz="1600" dirty="0">
                 <a:solidFill>
                   <a:srgbClr val="FF0000"/>
                 </a:solidFill>
@@ -20173,18 +19983,13 @@
           </a:p>
           <a:p>
             <a:r>
-              <a:rPr lang="en-US" sz="1600" dirty="0" smtClean="0">
+              <a:rPr lang="en-US" sz="1600" dirty="0">
                 <a:solidFill>
                   <a:srgbClr val="FF0000"/>
                 </a:solidFill>
               </a:rPr>
               <a:t>(so length ==1)</a:t>
             </a:r>
-            <a:endParaRPr lang="en-US" sz="1600" dirty="0">
-              <a:solidFill>
-                <a:srgbClr val="FF0000"/>
-              </a:solidFill>
-            </a:endParaRPr>
           </a:p>
         </p:txBody>
       </p:sp>
@@ -20268,10 +20073,9 @@
           <a:lstStyle/>
           <a:p>
             <a:r>
-              <a:rPr lang="en-US" dirty="0" smtClean="0"/>
+              <a:rPr lang="en-US" dirty="0"/>
               <a:t>The [[]] operator, by contrast, returns the vector that is in the list!</a:t>
             </a:r>
-            <a:endParaRPr lang="en-US" dirty="0"/>
           </a:p>
         </p:txBody>
       </p:sp>
@@ -20298,10 +20102,9 @@
           <a:lstStyle/>
           <a:p>
             <a:r>
-              <a:rPr lang="en-US" dirty="0" smtClean="0"/>
+              <a:rPr lang="en-US" dirty="0"/>
               <a:t>list</a:t>
             </a:r>
-            <a:endParaRPr lang="en-US" dirty="0"/>
           </a:p>
         </p:txBody>
       </p:sp>
@@ -20402,10 +20205,9 @@
           <a:lstStyle/>
           <a:p>
             <a:r>
-              <a:rPr lang="en-US" dirty="0" smtClean="0"/>
+              <a:rPr lang="en-US" dirty="0"/>
               <a:t>vector</a:t>
             </a:r>
-            <a:endParaRPr lang="en-US" dirty="0"/>
           </a:p>
         </p:txBody>
       </p:sp>
@@ -20465,16 +20267,15 @@
           <a:lstStyle/>
           <a:p>
             <a:r>
-              <a:rPr lang="en-US" dirty="0" smtClean="0"/>
+              <a:rPr lang="en-US" dirty="0"/>
               <a:t>“The”</a:t>
             </a:r>
           </a:p>
           <a:p>
             <a:r>
-              <a:rPr lang="en-US" dirty="0" smtClean="0"/>
+              <a:rPr lang="en-US" dirty="0"/>
               <a:t>“first” “entry”</a:t>
             </a:r>
-            <a:endParaRPr lang="en-US" dirty="0"/>
           </a:p>
         </p:txBody>
       </p:sp>
@@ -20575,10 +20376,9 @@
           <a:lstStyle/>
           <a:p>
             <a:r>
-              <a:rPr lang="en-US" dirty="0" smtClean="0"/>
+              <a:rPr lang="en-US" dirty="0"/>
               <a:t>vector</a:t>
             </a:r>
-            <a:endParaRPr lang="en-US" dirty="0"/>
           </a:p>
         </p:txBody>
       </p:sp>
@@ -20638,10 +20438,9 @@
           <a:lstStyle/>
           <a:p>
             <a:r>
-              <a:rPr lang="en-US" dirty="0" smtClean="0"/>
+              <a:rPr lang="en-US" dirty="0"/>
               <a:t>42</a:t>
             </a:r>
-            <a:endParaRPr lang="en-US" dirty="0"/>
           </a:p>
         </p:txBody>
       </p:sp>
@@ -20742,10 +20541,9 @@
           <a:lstStyle/>
           <a:p>
             <a:r>
-              <a:rPr lang="en-US" dirty="0" smtClean="0"/>
+              <a:rPr lang="en-US" dirty="0"/>
               <a:t>vector</a:t>
             </a:r>
-            <a:endParaRPr lang="en-US" dirty="0"/>
           </a:p>
         </p:txBody>
       </p:sp>
@@ -20772,28 +20570,27 @@
           <a:lstStyle/>
           <a:p>
             <a:r>
-              <a:rPr lang="en-US" dirty="0" smtClean="0"/>
+              <a:rPr lang="en-US" dirty="0"/>
               <a:t>“The”</a:t>
             </a:r>
           </a:p>
           <a:p>
             <a:r>
-              <a:rPr lang="en-US" dirty="0" smtClean="0"/>
+              <a:rPr lang="en-US" dirty="0"/>
               <a:t>“last” “entry”</a:t>
             </a:r>
           </a:p>
           <a:p>
             <a:r>
-              <a:rPr lang="en-US" dirty="0" smtClean="0"/>
+              <a:rPr lang="en-US" dirty="0"/>
               <a:t>“Is”</a:t>
             </a:r>
           </a:p>
           <a:p>
             <a:r>
-              <a:rPr lang="en-US" dirty="0" smtClean="0"/>
+              <a:rPr lang="en-US" dirty="0"/>
               <a:t>“Here”</a:t>
             </a:r>
-            <a:endParaRPr lang="en-US" dirty="0"/>
           </a:p>
         </p:txBody>
       </p:sp>
@@ -20918,7 +20715,7 @@
           <a:lstStyle/>
           <a:p>
             <a:r>
-              <a:rPr lang="en-US" sz="1400" dirty="0" err="1" smtClean="0">
+              <a:rPr lang="en-US" sz="1400" dirty="0" err="1">
                 <a:solidFill>
                   <a:srgbClr val="FF0000"/>
                 </a:solidFill>
@@ -20926,18 +20723,13 @@
               <a:t>myL</a:t>
             </a:r>
             <a:r>
-              <a:rPr lang="en-US" sz="1400" dirty="0" smtClean="0">
+              <a:rPr lang="en-US" sz="1400" dirty="0">
                 <a:solidFill>
                   <a:srgbClr val="FF0000"/>
                 </a:solidFill>
               </a:rPr>
               <a:t>[[3]] returns the vector in the third element of the list</a:t>
             </a:r>
-            <a:endParaRPr lang="en-US" sz="1400" dirty="0">
-              <a:solidFill>
-                <a:srgbClr val="FF0000"/>
-              </a:solidFill>
-            </a:endParaRPr>
           </a:p>
         </p:txBody>
       </p:sp>
